--- a/Personal_website/NunoMinhoto_Mockup.pptx
+++ b/Personal_website/NunoMinhoto_Mockup.pptx
@@ -275,7 +275,7 @@
           <a:p>
             <a:fld id="{EC9453F2-A301-421A-9D3D-9A21B4E1BD4B}" type="datetimeFigureOut">
               <a:rPr lang="pt-PT" smtClean="0"/>
-              <a:t>16/11/2021</a:t>
+              <a:t>28/11/2021</a:t>
             </a:fld>
             <a:endParaRPr lang="pt-PT"/>
           </a:p>
@@ -473,7 +473,7 @@
           <a:p>
             <a:fld id="{EC9453F2-A301-421A-9D3D-9A21B4E1BD4B}" type="datetimeFigureOut">
               <a:rPr lang="pt-PT" smtClean="0"/>
-              <a:t>16/11/2021</a:t>
+              <a:t>28/11/2021</a:t>
             </a:fld>
             <a:endParaRPr lang="pt-PT"/>
           </a:p>
@@ -681,7 +681,7 @@
           <a:p>
             <a:fld id="{EC9453F2-A301-421A-9D3D-9A21B4E1BD4B}" type="datetimeFigureOut">
               <a:rPr lang="pt-PT" smtClean="0"/>
-              <a:t>16/11/2021</a:t>
+              <a:t>28/11/2021</a:t>
             </a:fld>
             <a:endParaRPr lang="pt-PT"/>
           </a:p>
@@ -879,7 +879,7 @@
           <a:p>
             <a:fld id="{EC9453F2-A301-421A-9D3D-9A21B4E1BD4B}" type="datetimeFigureOut">
               <a:rPr lang="pt-PT" smtClean="0"/>
-              <a:t>16/11/2021</a:t>
+              <a:t>28/11/2021</a:t>
             </a:fld>
             <a:endParaRPr lang="pt-PT"/>
           </a:p>
@@ -1154,7 +1154,7 @@
           <a:p>
             <a:fld id="{EC9453F2-A301-421A-9D3D-9A21B4E1BD4B}" type="datetimeFigureOut">
               <a:rPr lang="pt-PT" smtClean="0"/>
-              <a:t>16/11/2021</a:t>
+              <a:t>28/11/2021</a:t>
             </a:fld>
             <a:endParaRPr lang="pt-PT"/>
           </a:p>
@@ -1419,7 +1419,7 @@
           <a:p>
             <a:fld id="{EC9453F2-A301-421A-9D3D-9A21B4E1BD4B}" type="datetimeFigureOut">
               <a:rPr lang="pt-PT" smtClean="0"/>
-              <a:t>16/11/2021</a:t>
+              <a:t>28/11/2021</a:t>
             </a:fld>
             <a:endParaRPr lang="pt-PT"/>
           </a:p>
@@ -1831,7 +1831,7 @@
           <a:p>
             <a:fld id="{EC9453F2-A301-421A-9D3D-9A21B4E1BD4B}" type="datetimeFigureOut">
               <a:rPr lang="pt-PT" smtClean="0"/>
-              <a:t>16/11/2021</a:t>
+              <a:t>28/11/2021</a:t>
             </a:fld>
             <a:endParaRPr lang="pt-PT"/>
           </a:p>
@@ -1972,7 +1972,7 @@
           <a:p>
             <a:fld id="{EC9453F2-A301-421A-9D3D-9A21B4E1BD4B}" type="datetimeFigureOut">
               <a:rPr lang="pt-PT" smtClean="0"/>
-              <a:t>16/11/2021</a:t>
+              <a:t>28/11/2021</a:t>
             </a:fld>
             <a:endParaRPr lang="pt-PT"/>
           </a:p>
@@ -2085,7 +2085,7 @@
           <a:p>
             <a:fld id="{EC9453F2-A301-421A-9D3D-9A21B4E1BD4B}" type="datetimeFigureOut">
               <a:rPr lang="pt-PT" smtClean="0"/>
-              <a:t>16/11/2021</a:t>
+              <a:t>28/11/2021</a:t>
             </a:fld>
             <a:endParaRPr lang="pt-PT"/>
           </a:p>
@@ -2396,7 +2396,7 @@
           <a:p>
             <a:fld id="{EC9453F2-A301-421A-9D3D-9A21B4E1BD4B}" type="datetimeFigureOut">
               <a:rPr lang="pt-PT" smtClean="0"/>
-              <a:t>16/11/2021</a:t>
+              <a:t>28/11/2021</a:t>
             </a:fld>
             <a:endParaRPr lang="pt-PT"/>
           </a:p>
@@ -2684,7 +2684,7 @@
           <a:p>
             <a:fld id="{EC9453F2-A301-421A-9D3D-9A21B4E1BD4B}" type="datetimeFigureOut">
               <a:rPr lang="pt-PT" smtClean="0"/>
-              <a:t>16/11/2021</a:t>
+              <a:t>28/11/2021</a:t>
             </a:fld>
             <a:endParaRPr lang="pt-PT"/>
           </a:p>
@@ -2925,7 +2925,7 @@
           <a:p>
             <a:fld id="{EC9453F2-A301-421A-9D3D-9A21B4E1BD4B}" type="datetimeFigureOut">
               <a:rPr lang="pt-PT" smtClean="0"/>
-              <a:t>16/11/2021</a:t>
+              <a:t>28/11/2021</a:t>
             </a:fld>
             <a:endParaRPr lang="pt-PT"/>
           </a:p>
@@ -3774,21 +3774,17 @@
         </p:nvSpPr>
         <p:spPr>
           <a:xfrm>
-            <a:off x="7293925" y="1091417"/>
+            <a:off x="7317011" y="1089764"/>
             <a:ext cx="851769" cy="438411"/>
           </a:xfrm>
           <a:prstGeom prst="rect">
             <a:avLst/>
           </a:prstGeom>
           <a:solidFill>
-            <a:schemeClr val="accent3">
-              <a:lumMod val="75000"/>
-            </a:schemeClr>
+            <a:srgbClr val="44546A"/>
           </a:solidFill>
-          <a:ln w="57150">
-            <a:solidFill>
-              <a:srgbClr val="DDC6B1"/>
-            </a:solidFill>
+          <a:ln w="12700">
+            <a:noFill/>
           </a:ln>
         </p:spPr>
         <p:style>
@@ -3839,17 +3835,9 @@
           <a:prstGeom prst="rect">
             <a:avLst/>
           </a:prstGeom>
-          <a:solidFill>
-            <a:schemeClr val="accent3">
-              <a:lumMod val="75000"/>
-            </a:schemeClr>
-          </a:solidFill>
+          <a:noFill/>
           <a:ln>
-            <a:solidFill>
-              <a:schemeClr val="bg2">
-                <a:lumMod val="50000"/>
-              </a:schemeClr>
-            </a:solidFill>
+            <a:noFill/>
           </a:ln>
         </p:spPr>
         <p:style>
@@ -3894,23 +3882,15 @@
         </p:nvSpPr>
         <p:spPr>
           <a:xfrm>
-            <a:off x="9209340" y="1089764"/>
+            <a:off x="9193949" y="1089764"/>
             <a:ext cx="851769" cy="438411"/>
           </a:xfrm>
           <a:prstGeom prst="rect">
             <a:avLst/>
           </a:prstGeom>
-          <a:solidFill>
-            <a:schemeClr val="accent3">
-              <a:lumMod val="75000"/>
-            </a:schemeClr>
-          </a:solidFill>
+          <a:noFill/>
           <a:ln>
-            <a:solidFill>
-              <a:schemeClr val="bg2">
-                <a:lumMod val="50000"/>
-              </a:schemeClr>
-            </a:solidFill>
+            <a:noFill/>
           </a:ln>
         </p:spPr>
         <p:style>
@@ -3961,17 +3941,9 @@
           <a:prstGeom prst="rect">
             <a:avLst/>
           </a:prstGeom>
-          <a:solidFill>
-            <a:schemeClr val="accent3">
-              <a:lumMod val="75000"/>
-            </a:schemeClr>
-          </a:solidFill>
+          <a:noFill/>
           <a:ln>
-            <a:solidFill>
-              <a:schemeClr val="bg2">
-                <a:lumMod val="50000"/>
-              </a:schemeClr>
-            </a:solidFill>
+            <a:noFill/>
           </a:ln>
         </p:spPr>
         <p:style>
@@ -4002,42 +3974,6 @@
           </a:p>
         </p:txBody>
       </p:sp>
-      <p:pic>
-        <p:nvPicPr>
-          <p:cNvPr id="36" name="Imagem 35" descr="Uma imagem com texto, verme&#10;&#10;Descrição gerada automaticamente">
-            <a:extLst>
-              <a:ext uri="{FF2B5EF4-FFF2-40B4-BE49-F238E27FC236}">
-                <a16:creationId xmlns:a16="http://schemas.microsoft.com/office/drawing/2014/main" id="{EAE3DD97-2858-4843-8CDB-72F2452C9FD9}"/>
-              </a:ext>
-            </a:extLst>
-          </p:cNvPr>
-          <p:cNvPicPr>
-            <a:picLocks noChangeAspect="1"/>
-          </p:cNvPicPr>
-          <p:nvPr/>
-        </p:nvPicPr>
-        <p:blipFill>
-          <a:blip r:embed="rId3">
-            <a:extLst>
-              <a:ext uri="{28A0092B-C50C-407E-A947-70E740481C1C}">
-                <a14:useLocalDpi xmlns:a14="http://schemas.microsoft.com/office/drawing/2010/main" val="0"/>
-              </a:ext>
-            </a:extLst>
-          </a:blip>
-          <a:stretch>
-            <a:fillRect/>
-          </a:stretch>
-        </p:blipFill>
-        <p:spPr>
-          <a:xfrm rot="20117334">
-            <a:off x="4552458" y="836525"/>
-            <a:ext cx="1370419" cy="1037851"/>
-          </a:xfrm>
-          <a:prstGeom prst="rect">
-            <a:avLst/>
-          </a:prstGeom>
-        </p:spPr>
-      </p:pic>
       <p:sp>
         <p:nvSpPr>
           <p:cNvPr id="39" name="CaixaDeTexto 38">
@@ -4074,23 +4010,23 @@
           <a:p>
             <a:r>
               <a:rPr lang="pt-PT" dirty="0"/>
-              <a:t>Tipo de letra: Times </a:t>
+              <a:t>Tipo de letra: </a:t>
             </a:r>
             <a:r>
               <a:rPr lang="pt-PT" dirty="0" err="1"/>
-              <a:t>new</a:t>
+              <a:t>Arial</a:t>
             </a:r>
             <a:r>
               <a:rPr lang="pt-PT" dirty="0"/>
-              <a:t> </a:t>
+              <a:t>, </a:t>
             </a:r>
             <a:r>
               <a:rPr lang="pt-PT" dirty="0" err="1"/>
-              <a:t>Roman</a:t>
+              <a:t>HelveticaTamanho</a:t>
             </a:r>
             <a:r>
               <a:rPr lang="pt-PT" dirty="0"/>
-              <a:t>  Tamanho 14</a:t>
+              <a:t> 14</a:t>
             </a:r>
             <a:br>
               <a:rPr lang="pt-PT" dirty="0"/>
@@ -4143,15 +4079,15 @@
             </a:br>
             <a:r>
               <a:rPr lang="pt-PT" dirty="0"/>
-              <a:t>Tipo de letra: Lato; Tamanho: 12px; Cor do texto: #FFFFFF; </a:t>
+              <a:t>Tipo de letra: </a:t>
             </a:r>
             <a:r>
               <a:rPr lang="pt-PT" dirty="0" err="1"/>
-              <a:t>Border</a:t>
+              <a:t>Gill</a:t>
             </a:r>
             <a:r>
               <a:rPr lang="pt-PT" dirty="0"/>
-              <a:t> da pagina selecionada: cor-#DDC6B1; espessura- 4.5px</a:t>
+              <a:t> Sans; Tamanho: 12px; Cor do texto: #FFFFFF; Preenchimento da pagina selecionada: cor- #44546A; </a:t>
             </a:r>
           </a:p>
         </p:txBody>
@@ -4170,7 +4106,7 @@
         </p:nvSpPr>
         <p:spPr>
           <a:xfrm>
-            <a:off x="-77425" y="884326"/>
+            <a:off x="112106" y="847304"/>
             <a:ext cx="1528175" cy="923330"/>
           </a:xfrm>
           <a:prstGeom prst="rect">
@@ -4352,42 +4288,6 @@
           </a:p>
         </p:txBody>
       </p:sp>
-      <p:pic>
-        <p:nvPicPr>
-          <p:cNvPr id="36" name="Imagem 35" descr="Uma imagem com texto, verme&#10;&#10;Descrição gerada automaticamente">
-            <a:extLst>
-              <a:ext uri="{FF2B5EF4-FFF2-40B4-BE49-F238E27FC236}">
-                <a16:creationId xmlns:a16="http://schemas.microsoft.com/office/drawing/2014/main" id="{EAE3DD97-2858-4843-8CDB-72F2452C9FD9}"/>
-              </a:ext>
-            </a:extLst>
-          </p:cNvPr>
-          <p:cNvPicPr>
-            <a:picLocks noChangeAspect="1"/>
-          </p:cNvPicPr>
-          <p:nvPr/>
-        </p:nvPicPr>
-        <p:blipFill>
-          <a:blip r:embed="rId3">
-            <a:extLst>
-              <a:ext uri="{28A0092B-C50C-407E-A947-70E740481C1C}">
-                <a14:useLocalDpi xmlns:a14="http://schemas.microsoft.com/office/drawing/2010/main" val="0"/>
-              </a:ext>
-            </a:extLst>
-          </a:blip>
-          <a:stretch>
-            <a:fillRect/>
-          </a:stretch>
-        </p:blipFill>
-        <p:spPr>
-          <a:xfrm rot="20117334">
-            <a:off x="4552458" y="836525"/>
-            <a:ext cx="1370419" cy="1037851"/>
-          </a:xfrm>
-          <a:prstGeom prst="rect">
-            <a:avLst/>
-          </a:prstGeom>
-        </p:spPr>
-      </p:pic>
       <p:cxnSp>
         <p:nvCxnSpPr>
           <p:cNvPr id="4" name="Conexão reta unidirecional 3">
@@ -4483,8 +4383,8 @@
         </p:nvSpPr>
         <p:spPr>
           <a:xfrm>
-            <a:off x="7683897" y="311845"/>
-            <a:ext cx="3568304" cy="369332"/>
+            <a:off x="7835679" y="70781"/>
+            <a:ext cx="3568304" cy="646331"/>
           </a:xfrm>
           <a:prstGeom prst="rect">
             <a:avLst/>
@@ -4519,8 +4419,20 @@
             </a:r>
             <a:r>
               <a:rPr lang="pt-PT" dirty="0"/>
-              <a:t>-color: #44546A</a:t>
-            </a:r>
+              <a:t>-color: #44546ª</a:t>
+            </a:r>
+            <a:br>
+              <a:rPr lang="pt-PT" dirty="0"/>
+            </a:br>
+            <a:r>
+              <a:rPr lang="pt-PT" dirty="0"/>
+              <a:t>Animação de fade ao dar </a:t>
+            </a:r>
+            <a:r>
+              <a:rPr lang="pt-PT" dirty="0" err="1"/>
+              <a:t>hover</a:t>
+            </a:r>
+            <a:endParaRPr lang="pt-PT" dirty="0"/>
           </a:p>
         </p:txBody>
       </p:sp>
@@ -4535,7 +4447,6 @@
           </p:cNvPr>
           <p:cNvCxnSpPr>
             <a:cxnSpLocks/>
-            <a:endCxn id="46" idx="0"/>
           </p:cNvCxnSpPr>
           <p:nvPr/>
         </p:nvCxnSpPr>
@@ -4568,10 +4479,10 @@
       </p:cxnSp>
       <p:sp>
         <p:nvSpPr>
-          <p:cNvPr id="23" name="Retângulo 22">
-            <a:extLst>
-              <a:ext uri="{FF2B5EF4-FFF2-40B4-BE49-F238E27FC236}">
-                <a16:creationId xmlns:a16="http://schemas.microsoft.com/office/drawing/2014/main" id="{6731336A-8756-407F-8252-27995D6FAAAA}"/>
+          <p:cNvPr id="12" name="Retângulo 11">
+            <a:extLst>
+              <a:ext uri="{FF2B5EF4-FFF2-40B4-BE49-F238E27FC236}">
+                <a16:creationId xmlns:a16="http://schemas.microsoft.com/office/drawing/2014/main" id="{BFEBA5D0-A7CF-4AAD-AFD9-0392CB9EDAE8}"/>
               </a:ext>
             </a:extLst>
           </p:cNvPr>
@@ -4580,370 +4491,15 @@
         </p:nvSpPr>
         <p:spPr>
           <a:xfrm>
-            <a:off x="1640284" y="1076753"/>
+            <a:off x="1653196" y="3294680"/>
             <a:ext cx="9317275" cy="438411"/>
           </a:xfrm>
           <a:prstGeom prst="rect">
             <a:avLst/>
           </a:prstGeom>
-          <a:solidFill>
-            <a:schemeClr val="bg2">
-              <a:lumMod val="25000"/>
-            </a:schemeClr>
-          </a:solidFill>
+          <a:noFill/>
           <a:ln>
-            <a:solidFill>
-              <a:schemeClr val="bg2">
-                <a:lumMod val="25000"/>
-              </a:schemeClr>
-            </a:solidFill>
-          </a:ln>
-        </p:spPr>
-        <p:style>
-          <a:lnRef idx="2">
-            <a:schemeClr val="accent1">
-              <a:shade val="50000"/>
-            </a:schemeClr>
-          </a:lnRef>
-          <a:fillRef idx="1">
-            <a:schemeClr val="accent1"/>
-          </a:fillRef>
-          <a:effectRef idx="0">
-            <a:schemeClr val="accent1"/>
-          </a:effectRef>
-          <a:fontRef idx="minor">
-            <a:schemeClr val="lt1"/>
-          </a:fontRef>
-        </p:style>
-        <p:txBody>
-          <a:bodyPr rtlCol="0" anchor="ctr"/>
-          <a:lstStyle/>
-          <a:p>
-            <a:pPr algn="ctr"/>
-            <a:endParaRPr lang="pt-PT" dirty="0"/>
-          </a:p>
-        </p:txBody>
-      </p:sp>
-      <p:sp>
-        <p:nvSpPr>
-          <p:cNvPr id="24" name="CaixaDeTexto 23">
-            <a:extLst>
-              <a:ext uri="{FF2B5EF4-FFF2-40B4-BE49-F238E27FC236}">
-                <a16:creationId xmlns:a16="http://schemas.microsoft.com/office/drawing/2014/main" id="{B50EF7EA-4B9A-456B-9BF2-B411D30616A8}"/>
-              </a:ext>
-            </a:extLst>
-          </p:cNvPr>
-          <p:cNvSpPr txBox="1"/>
-          <p:nvPr/>
-        </p:nvSpPr>
-        <p:spPr>
-          <a:xfrm>
-            <a:off x="1840696" y="1155080"/>
-            <a:ext cx="1791849" cy="276999"/>
-          </a:xfrm>
-          <a:prstGeom prst="rect">
-            <a:avLst/>
-          </a:prstGeom>
-          <a:noFill/>
-        </p:spPr>
-        <p:txBody>
-          <a:bodyPr wrap="square" rtlCol="0">
-            <a:spAutoFit/>
-          </a:bodyPr>
-          <a:lstStyle/>
-          <a:p>
-            <a:r>
-              <a:rPr lang="pt-PT" sz="1200" dirty="0">
-                <a:solidFill>
-                  <a:schemeClr val="bg1"/>
-                </a:solidFill>
-                <a:latin typeface="Lato" panose="020F0502020204030203" pitchFamily="34" charset="0"/>
-                <a:cs typeface="Lato" panose="020F0502020204030203" pitchFamily="34" charset="0"/>
-              </a:rPr>
-              <a:t>Hóquei em patins</a:t>
-            </a:r>
-          </a:p>
-        </p:txBody>
-      </p:sp>
-      <p:sp>
-        <p:nvSpPr>
-          <p:cNvPr id="29" name="Retângulo 28">
-            <a:extLst>
-              <a:ext uri="{FF2B5EF4-FFF2-40B4-BE49-F238E27FC236}">
-                <a16:creationId xmlns:a16="http://schemas.microsoft.com/office/drawing/2014/main" id="{40AF49F7-6ED6-4B99-8C5C-2DBD3AB0633A}"/>
-              </a:ext>
-            </a:extLst>
-          </p:cNvPr>
-          <p:cNvSpPr/>
-          <p:nvPr/>
-        </p:nvSpPr>
-        <p:spPr>
-          <a:xfrm>
-            <a:off x="7260715" y="1089764"/>
-            <a:ext cx="851769" cy="438411"/>
-          </a:xfrm>
-          <a:prstGeom prst="rect">
-            <a:avLst/>
-          </a:prstGeom>
-          <a:solidFill>
-            <a:schemeClr val="accent3">
-              <a:lumMod val="75000"/>
-            </a:schemeClr>
-          </a:solidFill>
-          <a:ln w="57150">
-            <a:solidFill>
-              <a:srgbClr val="DDC6B1"/>
-            </a:solidFill>
-          </a:ln>
-        </p:spPr>
-        <p:style>
-          <a:lnRef idx="2">
-            <a:schemeClr val="accent1">
-              <a:shade val="50000"/>
-            </a:schemeClr>
-          </a:lnRef>
-          <a:fillRef idx="1">
-            <a:schemeClr val="accent1"/>
-          </a:fillRef>
-          <a:effectRef idx="0">
-            <a:schemeClr val="accent1"/>
-          </a:effectRef>
-          <a:fontRef idx="minor">
-            <a:schemeClr val="lt1"/>
-          </a:fontRef>
-        </p:style>
-        <p:txBody>
-          <a:bodyPr rtlCol="0" anchor="ctr"/>
-          <a:lstStyle/>
-          <a:p>
-            <a:pPr algn="ctr"/>
-            <a:r>
-              <a:rPr lang="pt-PT" sz="1200" dirty="0">
-                <a:latin typeface="Lato" panose="020F0502020204030203" pitchFamily="34" charset="0"/>
-                <a:cs typeface="Lato" panose="020F0502020204030203" pitchFamily="34" charset="0"/>
-              </a:rPr>
-              <a:t>O que é?</a:t>
-            </a:r>
-          </a:p>
-        </p:txBody>
-      </p:sp>
-      <p:sp>
-        <p:nvSpPr>
-          <p:cNvPr id="43" name="Retângulo 42">
-            <a:extLst>
-              <a:ext uri="{FF2B5EF4-FFF2-40B4-BE49-F238E27FC236}">
-                <a16:creationId xmlns:a16="http://schemas.microsoft.com/office/drawing/2014/main" id="{1D2EA4CD-AF7B-45C6-8D0C-2E002F6899F6}"/>
-              </a:ext>
-            </a:extLst>
-          </p:cNvPr>
-          <p:cNvSpPr/>
-          <p:nvPr/>
-        </p:nvSpPr>
-        <p:spPr>
-          <a:xfrm>
-            <a:off x="8163468" y="1077723"/>
-            <a:ext cx="1002082" cy="438411"/>
-          </a:xfrm>
-          <a:prstGeom prst="rect">
-            <a:avLst/>
-          </a:prstGeom>
-          <a:solidFill>
-            <a:schemeClr val="accent3">
-              <a:lumMod val="75000"/>
-            </a:schemeClr>
-          </a:solidFill>
-          <a:ln>
-            <a:solidFill>
-              <a:schemeClr val="bg2">
-                <a:lumMod val="50000"/>
-              </a:schemeClr>
-            </a:solidFill>
-          </a:ln>
-        </p:spPr>
-        <p:style>
-          <a:lnRef idx="2">
-            <a:schemeClr val="accent1">
-              <a:shade val="50000"/>
-            </a:schemeClr>
-          </a:lnRef>
-          <a:fillRef idx="1">
-            <a:schemeClr val="accent1"/>
-          </a:fillRef>
-          <a:effectRef idx="0">
-            <a:schemeClr val="accent1"/>
-          </a:effectRef>
-          <a:fontRef idx="minor">
-            <a:schemeClr val="lt1"/>
-          </a:fontRef>
-        </p:style>
-        <p:txBody>
-          <a:bodyPr rtlCol="0" anchor="ctr"/>
-          <a:lstStyle/>
-          <a:p>
-            <a:pPr algn="ctr"/>
-            <a:r>
-              <a:rPr lang="pt-PT" sz="1200" dirty="0">
-                <a:latin typeface="Lato" panose="020F0502020204030203" pitchFamily="34" charset="0"/>
-                <a:cs typeface="Lato" panose="020F0502020204030203" pitchFamily="34" charset="0"/>
-              </a:rPr>
-              <a:t>Minha Experiencia</a:t>
-            </a:r>
-          </a:p>
-        </p:txBody>
-      </p:sp>
-      <p:sp>
-        <p:nvSpPr>
-          <p:cNvPr id="44" name="Retângulo 43">
-            <a:extLst>
-              <a:ext uri="{FF2B5EF4-FFF2-40B4-BE49-F238E27FC236}">
-                <a16:creationId xmlns:a16="http://schemas.microsoft.com/office/drawing/2014/main" id="{AE81F76F-FDBD-4390-B8F3-E172BFA4247F}"/>
-              </a:ext>
-            </a:extLst>
-          </p:cNvPr>
-          <p:cNvSpPr/>
-          <p:nvPr/>
-        </p:nvSpPr>
-        <p:spPr>
-          <a:xfrm>
-            <a:off x="9164037" y="1077238"/>
-            <a:ext cx="851769" cy="438411"/>
-          </a:xfrm>
-          <a:prstGeom prst="rect">
-            <a:avLst/>
-          </a:prstGeom>
-          <a:solidFill>
-            <a:schemeClr val="accent3">
-              <a:lumMod val="75000"/>
-            </a:schemeClr>
-          </a:solidFill>
-          <a:ln>
-            <a:solidFill>
-              <a:schemeClr val="bg2">
-                <a:lumMod val="50000"/>
-              </a:schemeClr>
-            </a:solidFill>
-          </a:ln>
-        </p:spPr>
-        <p:style>
-          <a:lnRef idx="2">
-            <a:schemeClr val="accent1">
-              <a:shade val="50000"/>
-            </a:schemeClr>
-          </a:lnRef>
-          <a:fillRef idx="1">
-            <a:schemeClr val="accent1"/>
-          </a:fillRef>
-          <a:effectRef idx="0">
-            <a:schemeClr val="accent1"/>
-          </a:effectRef>
-          <a:fontRef idx="minor">
-            <a:schemeClr val="lt1"/>
-          </a:fontRef>
-        </p:style>
-        <p:txBody>
-          <a:bodyPr rtlCol="0" anchor="ctr"/>
-          <a:lstStyle/>
-          <a:p>
-            <a:pPr algn="ctr"/>
-            <a:r>
-              <a:rPr lang="pt-PT" sz="1200" dirty="0">
-                <a:latin typeface="Lato" panose="020F0502020204030203" pitchFamily="34" charset="0"/>
-                <a:cs typeface="Lato" panose="020F0502020204030203" pitchFamily="34" charset="0"/>
-              </a:rPr>
-              <a:t>Equipas</a:t>
-            </a:r>
-          </a:p>
-        </p:txBody>
-      </p:sp>
-      <p:sp>
-        <p:nvSpPr>
-          <p:cNvPr id="46" name="Retângulo 45">
-            <a:extLst>
-              <a:ext uri="{FF2B5EF4-FFF2-40B4-BE49-F238E27FC236}">
-                <a16:creationId xmlns:a16="http://schemas.microsoft.com/office/drawing/2014/main" id="{02EB5FF1-9462-436C-89D0-F4110160D2F8}"/>
-              </a:ext>
-            </a:extLst>
-          </p:cNvPr>
-          <p:cNvSpPr/>
-          <p:nvPr/>
-        </p:nvSpPr>
-        <p:spPr>
-          <a:xfrm>
-            <a:off x="10028720" y="1074373"/>
-            <a:ext cx="941753" cy="438411"/>
-          </a:xfrm>
-          <a:prstGeom prst="rect">
-            <a:avLst/>
-          </a:prstGeom>
-          <a:solidFill>
-            <a:schemeClr val="tx2"/>
-          </a:solidFill>
-          <a:ln>
-            <a:solidFill>
-              <a:schemeClr val="bg2">
-                <a:lumMod val="50000"/>
-              </a:schemeClr>
-            </a:solidFill>
-          </a:ln>
-        </p:spPr>
-        <p:style>
-          <a:lnRef idx="2">
-            <a:schemeClr val="accent1">
-              <a:shade val="50000"/>
-            </a:schemeClr>
-          </a:lnRef>
-          <a:fillRef idx="1">
-            <a:schemeClr val="accent1"/>
-          </a:fillRef>
-          <a:effectRef idx="0">
-            <a:schemeClr val="accent1"/>
-          </a:effectRef>
-          <a:fontRef idx="minor">
-            <a:schemeClr val="lt1"/>
-          </a:fontRef>
-        </p:style>
-        <p:txBody>
-          <a:bodyPr rtlCol="0" anchor="ctr"/>
-          <a:lstStyle/>
-          <a:p>
-            <a:pPr algn="ctr"/>
-            <a:r>
-              <a:rPr lang="pt-PT" sz="1200" dirty="0">
-                <a:latin typeface="Lato" panose="020F0502020204030203" pitchFamily="34" charset="0"/>
-                <a:cs typeface="Lato" panose="020F0502020204030203" pitchFamily="34" charset="0"/>
-              </a:rPr>
-              <a:t>Downloads</a:t>
-            </a:r>
-          </a:p>
-        </p:txBody>
-      </p:sp>
-      <p:sp>
-        <p:nvSpPr>
-          <p:cNvPr id="12" name="Retângulo 11">
-            <a:extLst>
-              <a:ext uri="{FF2B5EF4-FFF2-40B4-BE49-F238E27FC236}">
-                <a16:creationId xmlns:a16="http://schemas.microsoft.com/office/drawing/2014/main" id="{BFEBA5D0-A7CF-4AAD-AFD9-0392CB9EDAE8}"/>
-              </a:ext>
-            </a:extLst>
-          </p:cNvPr>
-          <p:cNvSpPr/>
-          <p:nvPr/>
-        </p:nvSpPr>
-        <p:spPr>
-          <a:xfrm>
-            <a:off x="1640282" y="3411092"/>
-            <a:ext cx="9317275" cy="438411"/>
-          </a:xfrm>
-          <a:prstGeom prst="rect">
-            <a:avLst/>
-          </a:prstGeom>
-          <a:solidFill>
-            <a:srgbClr val="DDC6B1"/>
-          </a:solidFill>
-          <a:ln>
-            <a:solidFill>
-              <a:srgbClr val="DDC6B1"/>
-            </a:solidFill>
+            <a:noFill/>
           </a:ln>
         </p:spPr>
         <p:style>
@@ -5057,42 +4613,6 @@
           </a:p>
         </p:txBody>
       </p:sp>
-      <p:pic>
-        <p:nvPicPr>
-          <p:cNvPr id="33" name="Imagem 32" descr="Uma imagem com texto, verme&#10;&#10;Descrição gerada automaticamente">
-            <a:extLst>
-              <a:ext uri="{FF2B5EF4-FFF2-40B4-BE49-F238E27FC236}">
-                <a16:creationId xmlns:a16="http://schemas.microsoft.com/office/drawing/2014/main" id="{DAFC7F58-638B-499B-8FE9-4E9B3CABACAD}"/>
-              </a:ext>
-            </a:extLst>
-          </p:cNvPr>
-          <p:cNvPicPr>
-            <a:picLocks noChangeAspect="1"/>
-          </p:cNvPicPr>
-          <p:nvPr/>
-        </p:nvPicPr>
-        <p:blipFill>
-          <a:blip r:embed="rId3">
-            <a:extLst>
-              <a:ext uri="{28A0092B-C50C-407E-A947-70E740481C1C}">
-                <a14:useLocalDpi xmlns:a14="http://schemas.microsoft.com/office/drawing/2010/main" val="0"/>
-              </a:ext>
-            </a:extLst>
-          </a:blip>
-          <a:stretch>
-            <a:fillRect/>
-          </a:stretch>
-        </p:blipFill>
-        <p:spPr>
-          <a:xfrm rot="20117334">
-            <a:off x="4656422" y="790044"/>
-            <a:ext cx="1370419" cy="1037851"/>
-          </a:xfrm>
-          <a:prstGeom prst="rect">
-            <a:avLst/>
-          </a:prstGeom>
-        </p:spPr>
-      </p:pic>
       <p:cxnSp>
         <p:nvCxnSpPr>
           <p:cNvPr id="20" name="Conexão reta unidirecional 19">
@@ -5295,7 +4815,7 @@
         </p:nvCxnSpPr>
         <p:spPr>
           <a:xfrm flipH="1">
-            <a:off x="10957557" y="1541234"/>
+            <a:off x="10970471" y="1424822"/>
             <a:ext cx="294644" cy="2089064"/>
           </a:xfrm>
           <a:prstGeom prst="line">
@@ -5317,6 +4837,321 @@
           </a:fontRef>
         </p:style>
       </p:cxnSp>
+      <p:sp>
+        <p:nvSpPr>
+          <p:cNvPr id="27" name="Retângulo 26">
+            <a:extLst>
+              <a:ext uri="{FF2B5EF4-FFF2-40B4-BE49-F238E27FC236}">
+                <a16:creationId xmlns:a16="http://schemas.microsoft.com/office/drawing/2014/main" id="{28D985BF-9110-4A98-88D6-0202FC741DA4}"/>
+              </a:ext>
+            </a:extLst>
+          </p:cNvPr>
+          <p:cNvSpPr/>
+          <p:nvPr/>
+        </p:nvSpPr>
+        <p:spPr>
+          <a:xfrm>
+            <a:off x="1640282" y="1063621"/>
+            <a:ext cx="9317275" cy="438411"/>
+          </a:xfrm>
+          <a:prstGeom prst="rect">
+            <a:avLst/>
+          </a:prstGeom>
+          <a:solidFill>
+            <a:schemeClr val="bg2">
+              <a:lumMod val="25000"/>
+            </a:schemeClr>
+          </a:solidFill>
+          <a:ln>
+            <a:solidFill>
+              <a:schemeClr val="bg2">
+                <a:lumMod val="25000"/>
+              </a:schemeClr>
+            </a:solidFill>
+          </a:ln>
+        </p:spPr>
+        <p:style>
+          <a:lnRef idx="2">
+            <a:schemeClr val="accent1">
+              <a:shade val="50000"/>
+            </a:schemeClr>
+          </a:lnRef>
+          <a:fillRef idx="1">
+            <a:schemeClr val="accent1"/>
+          </a:fillRef>
+          <a:effectRef idx="0">
+            <a:schemeClr val="accent1"/>
+          </a:effectRef>
+          <a:fontRef idx="minor">
+            <a:schemeClr val="lt1"/>
+          </a:fontRef>
+        </p:style>
+        <p:txBody>
+          <a:bodyPr rtlCol="0" anchor="ctr"/>
+          <a:lstStyle/>
+          <a:p>
+            <a:pPr algn="ctr"/>
+            <a:endParaRPr lang="pt-PT" dirty="0"/>
+          </a:p>
+        </p:txBody>
+      </p:sp>
+      <p:sp>
+        <p:nvSpPr>
+          <p:cNvPr id="32" name="CaixaDeTexto 31">
+            <a:extLst>
+              <a:ext uri="{FF2B5EF4-FFF2-40B4-BE49-F238E27FC236}">
+                <a16:creationId xmlns:a16="http://schemas.microsoft.com/office/drawing/2014/main" id="{E9AF865F-0D1B-4A7A-8A4B-A9A7BC0FB0E7}"/>
+              </a:ext>
+            </a:extLst>
+          </p:cNvPr>
+          <p:cNvSpPr txBox="1"/>
+          <p:nvPr/>
+        </p:nvSpPr>
+        <p:spPr>
+          <a:xfrm>
+            <a:off x="1840694" y="1128937"/>
+            <a:ext cx="1791849" cy="276999"/>
+          </a:xfrm>
+          <a:prstGeom prst="rect">
+            <a:avLst/>
+          </a:prstGeom>
+          <a:noFill/>
+        </p:spPr>
+        <p:txBody>
+          <a:bodyPr wrap="square" rtlCol="0">
+            <a:spAutoFit/>
+          </a:bodyPr>
+          <a:lstStyle/>
+          <a:p>
+            <a:r>
+              <a:rPr lang="pt-PT" sz="1200" dirty="0">
+                <a:solidFill>
+                  <a:schemeClr val="bg1"/>
+                </a:solidFill>
+                <a:latin typeface="Lato" panose="020F0502020204030203" pitchFamily="34" charset="0"/>
+                <a:cs typeface="Lato" panose="020F0502020204030203" pitchFamily="34" charset="0"/>
+              </a:rPr>
+              <a:t>Hóquei em patins</a:t>
+            </a:r>
+          </a:p>
+        </p:txBody>
+      </p:sp>
+      <p:sp>
+        <p:nvSpPr>
+          <p:cNvPr id="35" name="Retângulo 34">
+            <a:extLst>
+              <a:ext uri="{FF2B5EF4-FFF2-40B4-BE49-F238E27FC236}">
+                <a16:creationId xmlns:a16="http://schemas.microsoft.com/office/drawing/2014/main" id="{C4D4C66F-2EBB-45F9-B963-273FCA308918}"/>
+              </a:ext>
+            </a:extLst>
+          </p:cNvPr>
+          <p:cNvSpPr/>
+          <p:nvPr/>
+        </p:nvSpPr>
+        <p:spPr>
+          <a:xfrm>
+            <a:off x="7317009" y="1063621"/>
+            <a:ext cx="851769" cy="438411"/>
+          </a:xfrm>
+          <a:prstGeom prst="rect">
+            <a:avLst/>
+          </a:prstGeom>
+          <a:solidFill>
+            <a:srgbClr val="44546A"/>
+          </a:solidFill>
+          <a:ln w="12700">
+            <a:noFill/>
+          </a:ln>
+        </p:spPr>
+        <p:style>
+          <a:lnRef idx="2">
+            <a:schemeClr val="accent1">
+              <a:shade val="50000"/>
+            </a:schemeClr>
+          </a:lnRef>
+          <a:fillRef idx="1">
+            <a:schemeClr val="accent1"/>
+          </a:fillRef>
+          <a:effectRef idx="0">
+            <a:schemeClr val="accent1"/>
+          </a:effectRef>
+          <a:fontRef idx="minor">
+            <a:schemeClr val="lt1"/>
+          </a:fontRef>
+        </p:style>
+        <p:txBody>
+          <a:bodyPr rtlCol="0" anchor="ctr"/>
+          <a:lstStyle/>
+          <a:p>
+            <a:pPr algn="ctr"/>
+            <a:r>
+              <a:rPr lang="pt-PT" sz="1200" dirty="0"/>
+              <a:t>O que é?</a:t>
+            </a:r>
+          </a:p>
+        </p:txBody>
+      </p:sp>
+      <p:sp>
+        <p:nvSpPr>
+          <p:cNvPr id="38" name="Retângulo 37">
+            <a:extLst>
+              <a:ext uri="{FF2B5EF4-FFF2-40B4-BE49-F238E27FC236}">
+                <a16:creationId xmlns:a16="http://schemas.microsoft.com/office/drawing/2014/main" id="{185C773A-8A76-47BB-A3B4-FE49D03734B1}"/>
+              </a:ext>
+            </a:extLst>
+          </p:cNvPr>
+          <p:cNvSpPr/>
+          <p:nvPr/>
+        </p:nvSpPr>
+        <p:spPr>
+          <a:xfrm>
+            <a:off x="8176474" y="1063621"/>
+            <a:ext cx="1002082" cy="438411"/>
+          </a:xfrm>
+          <a:prstGeom prst="rect">
+            <a:avLst/>
+          </a:prstGeom>
+          <a:noFill/>
+          <a:ln>
+            <a:noFill/>
+          </a:ln>
+        </p:spPr>
+        <p:style>
+          <a:lnRef idx="2">
+            <a:schemeClr val="accent1">
+              <a:shade val="50000"/>
+            </a:schemeClr>
+          </a:lnRef>
+          <a:fillRef idx="1">
+            <a:schemeClr val="accent1"/>
+          </a:fillRef>
+          <a:effectRef idx="0">
+            <a:schemeClr val="accent1"/>
+          </a:effectRef>
+          <a:fontRef idx="minor">
+            <a:schemeClr val="lt1"/>
+          </a:fontRef>
+        </p:style>
+        <p:txBody>
+          <a:bodyPr rtlCol="0" anchor="ctr"/>
+          <a:lstStyle/>
+          <a:p>
+            <a:pPr algn="ctr"/>
+            <a:r>
+              <a:rPr lang="pt-PT" sz="1200" dirty="0"/>
+              <a:t>Minha Experiencia</a:t>
+            </a:r>
+          </a:p>
+        </p:txBody>
+      </p:sp>
+      <p:sp>
+        <p:nvSpPr>
+          <p:cNvPr id="39" name="Retângulo 38">
+            <a:extLst>
+              <a:ext uri="{FF2B5EF4-FFF2-40B4-BE49-F238E27FC236}">
+                <a16:creationId xmlns:a16="http://schemas.microsoft.com/office/drawing/2014/main" id="{820BB8B1-1D8A-4EEF-B605-ACC1C74A064A}"/>
+              </a:ext>
+            </a:extLst>
+          </p:cNvPr>
+          <p:cNvSpPr/>
+          <p:nvPr/>
+        </p:nvSpPr>
+        <p:spPr>
+          <a:xfrm>
+            <a:off x="9193947" y="1063621"/>
+            <a:ext cx="851769" cy="438411"/>
+          </a:xfrm>
+          <a:prstGeom prst="rect">
+            <a:avLst/>
+          </a:prstGeom>
+          <a:noFill/>
+          <a:ln>
+            <a:noFill/>
+          </a:ln>
+        </p:spPr>
+        <p:style>
+          <a:lnRef idx="2">
+            <a:schemeClr val="accent1">
+              <a:shade val="50000"/>
+            </a:schemeClr>
+          </a:lnRef>
+          <a:fillRef idx="1">
+            <a:schemeClr val="accent1"/>
+          </a:fillRef>
+          <a:effectRef idx="0">
+            <a:schemeClr val="accent1"/>
+          </a:effectRef>
+          <a:fontRef idx="minor">
+            <a:schemeClr val="lt1"/>
+          </a:fontRef>
+        </p:style>
+        <p:txBody>
+          <a:bodyPr rtlCol="0" anchor="ctr"/>
+          <a:lstStyle/>
+          <a:p>
+            <a:pPr algn="ctr"/>
+            <a:r>
+              <a:rPr lang="pt-PT" sz="1200" dirty="0"/>
+              <a:t>Equipas</a:t>
+            </a:r>
+          </a:p>
+        </p:txBody>
+      </p:sp>
+      <p:sp>
+        <p:nvSpPr>
+          <p:cNvPr id="40" name="Retângulo 39">
+            <a:extLst>
+              <a:ext uri="{FF2B5EF4-FFF2-40B4-BE49-F238E27FC236}">
+                <a16:creationId xmlns:a16="http://schemas.microsoft.com/office/drawing/2014/main" id="{DFE17719-F99D-4CAD-A2F3-2DB98369D290}"/>
+              </a:ext>
+            </a:extLst>
+          </p:cNvPr>
+          <p:cNvSpPr/>
+          <p:nvPr/>
+        </p:nvSpPr>
+        <p:spPr>
+          <a:xfrm>
+            <a:off x="10061108" y="1063621"/>
+            <a:ext cx="896449" cy="438411"/>
+          </a:xfrm>
+          <a:prstGeom prst="rect">
+            <a:avLst/>
+          </a:prstGeom>
+          <a:solidFill>
+            <a:srgbClr val="7C7C7C"/>
+          </a:solidFill>
+          <a:ln>
+            <a:noFill/>
+          </a:ln>
+        </p:spPr>
+        <p:style>
+          <a:lnRef idx="2">
+            <a:schemeClr val="accent1">
+              <a:shade val="50000"/>
+            </a:schemeClr>
+          </a:lnRef>
+          <a:fillRef idx="1">
+            <a:schemeClr val="accent1"/>
+          </a:fillRef>
+          <a:effectRef idx="0">
+            <a:schemeClr val="accent1"/>
+          </a:effectRef>
+          <a:fontRef idx="minor">
+            <a:schemeClr val="lt1"/>
+          </a:fontRef>
+        </p:style>
+        <p:txBody>
+          <a:bodyPr rtlCol="0" anchor="ctr"/>
+          <a:lstStyle/>
+          <a:p>
+            <a:pPr algn="ctr"/>
+            <a:r>
+              <a:rPr lang="pt-PT" sz="1200" dirty="0"/>
+              <a:t>Downloads</a:t>
+            </a:r>
+          </a:p>
+        </p:txBody>
+      </p:sp>
     </p:spTree>
     <p:extLst>
       <p:ext uri="{BB962C8B-B14F-4D97-AF65-F5344CB8AC3E}">
@@ -5383,365 +5218,12 @@
           </a:prstGeom>
         </p:spPr>
       </p:pic>
-      <p:sp>
-        <p:nvSpPr>
-          <p:cNvPr id="4" name="Retângulo 3">
-            <a:extLst>
-              <a:ext uri="{FF2B5EF4-FFF2-40B4-BE49-F238E27FC236}">
-                <a16:creationId xmlns:a16="http://schemas.microsoft.com/office/drawing/2014/main" id="{F30834A1-1CFB-4922-9069-6347ABAD06D4}"/>
-              </a:ext>
-            </a:extLst>
-          </p:cNvPr>
-          <p:cNvSpPr/>
-          <p:nvPr/>
-        </p:nvSpPr>
-        <p:spPr>
-          <a:xfrm>
-            <a:off x="1878279" y="650868"/>
-            <a:ext cx="9317275" cy="438411"/>
-          </a:xfrm>
-          <a:prstGeom prst="rect">
-            <a:avLst/>
-          </a:prstGeom>
-          <a:solidFill>
-            <a:schemeClr val="bg2">
-              <a:lumMod val="25000"/>
-            </a:schemeClr>
-          </a:solidFill>
-          <a:ln>
-            <a:solidFill>
-              <a:schemeClr val="bg2">
-                <a:lumMod val="25000"/>
-              </a:schemeClr>
-            </a:solidFill>
-          </a:ln>
-        </p:spPr>
-        <p:style>
-          <a:lnRef idx="2">
-            <a:schemeClr val="accent1">
-              <a:shade val="50000"/>
-            </a:schemeClr>
-          </a:lnRef>
-          <a:fillRef idx="1">
-            <a:schemeClr val="accent1"/>
-          </a:fillRef>
-          <a:effectRef idx="0">
-            <a:schemeClr val="accent1"/>
-          </a:effectRef>
-          <a:fontRef idx="minor">
-            <a:schemeClr val="lt1"/>
-          </a:fontRef>
-        </p:style>
-        <p:txBody>
-          <a:bodyPr rtlCol="0" anchor="ctr"/>
-          <a:lstStyle/>
-          <a:p>
-            <a:pPr algn="ctr"/>
-            <a:endParaRPr lang="pt-PT" dirty="0"/>
-          </a:p>
-        </p:txBody>
-      </p:sp>
-      <p:sp>
-        <p:nvSpPr>
-          <p:cNvPr id="5" name="CaixaDeTexto 4">
-            <a:extLst>
-              <a:ext uri="{FF2B5EF4-FFF2-40B4-BE49-F238E27FC236}">
-                <a16:creationId xmlns:a16="http://schemas.microsoft.com/office/drawing/2014/main" id="{9B8F34BE-D8B6-4BAF-8B56-998FB2F9293B}"/>
-              </a:ext>
-            </a:extLst>
-          </p:cNvPr>
-          <p:cNvSpPr txBox="1"/>
-          <p:nvPr/>
-        </p:nvSpPr>
-        <p:spPr>
-          <a:xfrm>
-            <a:off x="2078691" y="729195"/>
-            <a:ext cx="1791849" cy="276999"/>
-          </a:xfrm>
-          <a:prstGeom prst="rect">
-            <a:avLst/>
-          </a:prstGeom>
-          <a:noFill/>
-        </p:spPr>
-        <p:txBody>
-          <a:bodyPr wrap="square" rtlCol="0">
-            <a:spAutoFit/>
-          </a:bodyPr>
-          <a:lstStyle/>
-          <a:p>
-            <a:r>
-              <a:rPr lang="pt-PT" sz="1200" dirty="0">
-                <a:solidFill>
-                  <a:schemeClr val="bg1"/>
-                </a:solidFill>
-                <a:latin typeface="Lato" panose="020F0502020204030203" pitchFamily="34" charset="0"/>
-                <a:cs typeface="Lato" panose="020F0502020204030203" pitchFamily="34" charset="0"/>
-              </a:rPr>
-              <a:t>Hóquei em patins</a:t>
-            </a:r>
-          </a:p>
-        </p:txBody>
-      </p:sp>
-      <p:sp>
-        <p:nvSpPr>
-          <p:cNvPr id="6" name="Retângulo 5">
-            <a:extLst>
-              <a:ext uri="{FF2B5EF4-FFF2-40B4-BE49-F238E27FC236}">
-                <a16:creationId xmlns:a16="http://schemas.microsoft.com/office/drawing/2014/main" id="{1598D755-3DAB-4315-82C8-9152EB500191}"/>
-              </a:ext>
-            </a:extLst>
-          </p:cNvPr>
-          <p:cNvSpPr/>
-          <p:nvPr/>
-        </p:nvSpPr>
-        <p:spPr>
-          <a:xfrm>
-            <a:off x="8367335" y="648488"/>
-            <a:ext cx="1002082" cy="438411"/>
-          </a:xfrm>
-          <a:prstGeom prst="rect">
-            <a:avLst/>
-          </a:prstGeom>
-          <a:solidFill>
-            <a:schemeClr val="accent3">
-              <a:lumMod val="75000"/>
-            </a:schemeClr>
-          </a:solidFill>
-          <a:ln w="57150">
-            <a:solidFill>
-              <a:srgbClr val="DDC6B1"/>
-            </a:solidFill>
-          </a:ln>
-        </p:spPr>
-        <p:style>
-          <a:lnRef idx="2">
-            <a:schemeClr val="accent1">
-              <a:shade val="50000"/>
-            </a:schemeClr>
-          </a:lnRef>
-          <a:fillRef idx="1">
-            <a:schemeClr val="accent1"/>
-          </a:fillRef>
-          <a:effectRef idx="0">
-            <a:schemeClr val="accent1"/>
-          </a:effectRef>
-          <a:fontRef idx="minor">
-            <a:schemeClr val="lt1"/>
-          </a:fontRef>
-        </p:style>
-        <p:txBody>
-          <a:bodyPr rtlCol="0" anchor="ctr"/>
-          <a:lstStyle/>
-          <a:p>
-            <a:pPr algn="ctr"/>
-            <a:r>
-              <a:rPr lang="pt-PT" sz="1200" dirty="0">
-                <a:latin typeface="Lato" panose="020F0502020204030203" pitchFamily="34" charset="0"/>
-                <a:cs typeface="Lato" panose="020F0502020204030203" pitchFamily="34" charset="0"/>
-              </a:rPr>
-              <a:t>Minha Experiência</a:t>
-            </a:r>
-          </a:p>
-        </p:txBody>
-      </p:sp>
-      <p:sp>
-        <p:nvSpPr>
-          <p:cNvPr id="7" name="Retângulo 6">
-            <a:extLst>
-              <a:ext uri="{FF2B5EF4-FFF2-40B4-BE49-F238E27FC236}">
-                <a16:creationId xmlns:a16="http://schemas.microsoft.com/office/drawing/2014/main" id="{CEFE3F5E-BBB6-4B5C-8F34-CC31B85DC9E8}"/>
-              </a:ext>
-            </a:extLst>
-          </p:cNvPr>
-          <p:cNvSpPr/>
-          <p:nvPr/>
-        </p:nvSpPr>
-        <p:spPr>
-          <a:xfrm>
-            <a:off x="7494819" y="648488"/>
-            <a:ext cx="826643" cy="438411"/>
-          </a:xfrm>
-          <a:prstGeom prst="rect">
-            <a:avLst/>
-          </a:prstGeom>
-          <a:solidFill>
-            <a:schemeClr val="accent3">
-              <a:lumMod val="75000"/>
-            </a:schemeClr>
-          </a:solidFill>
-          <a:ln>
-            <a:solidFill>
-              <a:schemeClr val="bg2">
-                <a:lumMod val="50000"/>
-              </a:schemeClr>
-            </a:solidFill>
-          </a:ln>
-        </p:spPr>
-        <p:style>
-          <a:lnRef idx="2">
-            <a:schemeClr val="accent1">
-              <a:shade val="50000"/>
-            </a:schemeClr>
-          </a:lnRef>
-          <a:fillRef idx="1">
-            <a:schemeClr val="accent1"/>
-          </a:fillRef>
-          <a:effectRef idx="0">
-            <a:schemeClr val="accent1"/>
-          </a:effectRef>
-          <a:fontRef idx="minor">
-            <a:schemeClr val="lt1"/>
-          </a:fontRef>
-        </p:style>
-        <p:txBody>
-          <a:bodyPr rtlCol="0" anchor="ctr"/>
-          <a:lstStyle/>
-          <a:p>
-            <a:pPr algn="ctr"/>
-            <a:r>
-              <a:rPr lang="pt-PT" sz="1200" dirty="0">
-                <a:latin typeface="Lato" panose="020F0502020204030203" pitchFamily="34" charset="0"/>
-                <a:cs typeface="Lato" panose="020F0502020204030203" pitchFamily="34" charset="0"/>
-              </a:rPr>
-              <a:t>O que é?</a:t>
-            </a:r>
-          </a:p>
-        </p:txBody>
-      </p:sp>
-      <p:sp>
-        <p:nvSpPr>
-          <p:cNvPr id="8" name="Retângulo 7">
-            <a:extLst>
-              <a:ext uri="{FF2B5EF4-FFF2-40B4-BE49-F238E27FC236}">
-                <a16:creationId xmlns:a16="http://schemas.microsoft.com/office/drawing/2014/main" id="{AFE8AF0B-679A-4314-93A3-25E3B1009932}"/>
-              </a:ext>
-            </a:extLst>
-          </p:cNvPr>
-          <p:cNvSpPr/>
-          <p:nvPr/>
-        </p:nvSpPr>
-        <p:spPr>
-          <a:xfrm>
-            <a:off x="9402032" y="651353"/>
-            <a:ext cx="851769" cy="438411"/>
-          </a:xfrm>
-          <a:prstGeom prst="rect">
-            <a:avLst/>
-          </a:prstGeom>
-          <a:solidFill>
-            <a:schemeClr val="accent3">
-              <a:lumMod val="75000"/>
-            </a:schemeClr>
-          </a:solidFill>
-          <a:ln>
-            <a:solidFill>
-              <a:schemeClr val="bg2">
-                <a:lumMod val="50000"/>
-              </a:schemeClr>
-            </a:solidFill>
-          </a:ln>
-        </p:spPr>
-        <p:style>
-          <a:lnRef idx="2">
-            <a:schemeClr val="accent1">
-              <a:shade val="50000"/>
-            </a:schemeClr>
-          </a:lnRef>
-          <a:fillRef idx="1">
-            <a:schemeClr val="accent1"/>
-          </a:fillRef>
-          <a:effectRef idx="0">
-            <a:schemeClr val="accent1"/>
-          </a:effectRef>
-          <a:fontRef idx="minor">
-            <a:schemeClr val="lt1"/>
-          </a:fontRef>
-        </p:style>
-        <p:txBody>
-          <a:bodyPr rtlCol="0" anchor="ctr"/>
-          <a:lstStyle/>
-          <a:p>
-            <a:pPr algn="ctr"/>
-            <a:r>
-              <a:rPr lang="pt-PT" sz="1200" dirty="0">
-                <a:latin typeface="Lato" panose="020F0502020204030203" pitchFamily="34" charset="0"/>
-                <a:cs typeface="Lato" panose="020F0502020204030203" pitchFamily="34" charset="0"/>
-              </a:rPr>
-              <a:t>Equipas</a:t>
-            </a:r>
-          </a:p>
-        </p:txBody>
-      </p:sp>
-      <p:sp>
-        <p:nvSpPr>
-          <p:cNvPr id="9" name="Retângulo 8">
-            <a:extLst>
-              <a:ext uri="{FF2B5EF4-FFF2-40B4-BE49-F238E27FC236}">
-                <a16:creationId xmlns:a16="http://schemas.microsoft.com/office/drawing/2014/main" id="{1465D493-958B-410B-BCFA-9840194C85C6}"/>
-              </a:ext>
-            </a:extLst>
-          </p:cNvPr>
-          <p:cNvSpPr/>
-          <p:nvPr/>
-        </p:nvSpPr>
-        <p:spPr>
-          <a:xfrm>
-            <a:off x="10266715" y="648488"/>
-            <a:ext cx="941753" cy="438411"/>
-          </a:xfrm>
-          <a:prstGeom prst="rect">
-            <a:avLst/>
-          </a:prstGeom>
-          <a:solidFill>
-            <a:schemeClr val="accent3">
-              <a:lumMod val="75000"/>
-            </a:schemeClr>
-          </a:solidFill>
-          <a:ln>
-            <a:solidFill>
-              <a:schemeClr val="bg2">
-                <a:lumMod val="50000"/>
-              </a:schemeClr>
-            </a:solidFill>
-          </a:ln>
-        </p:spPr>
-        <p:style>
-          <a:lnRef idx="2">
-            <a:schemeClr val="accent1">
-              <a:shade val="50000"/>
-            </a:schemeClr>
-          </a:lnRef>
-          <a:fillRef idx="1">
-            <a:schemeClr val="accent1"/>
-          </a:fillRef>
-          <a:effectRef idx="0">
-            <a:schemeClr val="accent1"/>
-          </a:effectRef>
-          <a:fontRef idx="minor">
-            <a:schemeClr val="lt1"/>
-          </a:fontRef>
-        </p:style>
-        <p:txBody>
-          <a:bodyPr rtlCol="0" anchor="ctr"/>
-          <a:lstStyle/>
-          <a:p>
-            <a:pPr algn="ctr"/>
-            <a:r>
-              <a:rPr lang="pt-PT" sz="1200" dirty="0">
-                <a:latin typeface="Lato" panose="020F0502020204030203" pitchFamily="34" charset="0"/>
-                <a:cs typeface="Lato" panose="020F0502020204030203" pitchFamily="34" charset="0"/>
-              </a:rPr>
-              <a:t>Downloads</a:t>
-            </a:r>
-          </a:p>
-        </p:txBody>
-      </p:sp>
       <p:pic>
         <p:nvPicPr>
-          <p:cNvPr id="10" name="Imagem 9" descr="Uma imagem com texto, verme&#10;&#10;Descrição gerada automaticamente">
-            <a:extLst>
-              <a:ext uri="{FF2B5EF4-FFF2-40B4-BE49-F238E27FC236}">
-                <a16:creationId xmlns:a16="http://schemas.microsoft.com/office/drawing/2014/main" id="{DEDA43EE-1201-434A-86EB-35D4D5AA98E9}"/>
+          <p:cNvPr id="14" name="Imagem 13" descr="Uma imagem com terra, pessoa, exterior, autómato&#10;&#10;Descrição gerada automaticamente">
+            <a:extLst>
+              <a:ext uri="{FF2B5EF4-FFF2-40B4-BE49-F238E27FC236}">
+                <a16:creationId xmlns:a16="http://schemas.microsoft.com/office/drawing/2014/main" id="{1D869969-351A-4096-9E94-CA9ABA514CF0}"/>
               </a:ext>
             </a:extLst>
           </p:cNvPr>
@@ -5763,159 +5245,15 @@
           </a:stretch>
         </p:blipFill>
         <p:spPr>
-          <a:xfrm rot="20117334">
-            <a:off x="4682168" y="348768"/>
-            <a:ext cx="1370419" cy="1037851"/>
+          <a:xfrm>
+            <a:off x="3053196" y="1625547"/>
+            <a:ext cx="1989701" cy="2984553"/>
           </a:xfrm>
           <a:prstGeom prst="rect">
             <a:avLst/>
           </a:prstGeom>
         </p:spPr>
       </p:pic>
-      <p:pic>
-        <p:nvPicPr>
-          <p:cNvPr id="14" name="Imagem 13" descr="Uma imagem com terra, pessoa, exterior, autómato&#10;&#10;Descrição gerada automaticamente">
-            <a:extLst>
-              <a:ext uri="{FF2B5EF4-FFF2-40B4-BE49-F238E27FC236}">
-                <a16:creationId xmlns:a16="http://schemas.microsoft.com/office/drawing/2014/main" id="{1D869969-351A-4096-9E94-CA9ABA514CF0}"/>
-              </a:ext>
-            </a:extLst>
-          </p:cNvPr>
-          <p:cNvPicPr>
-            <a:picLocks noChangeAspect="1"/>
-          </p:cNvPicPr>
-          <p:nvPr/>
-        </p:nvPicPr>
-        <p:blipFill>
-          <a:blip r:embed="rId4">
-            <a:extLst>
-              <a:ext uri="{28A0092B-C50C-407E-A947-70E740481C1C}">
-                <a14:useLocalDpi xmlns:a14="http://schemas.microsoft.com/office/drawing/2010/main" val="0"/>
-              </a:ext>
-            </a:extLst>
-          </a:blip>
-          <a:stretch>
-            <a:fillRect/>
-          </a:stretch>
-        </p:blipFill>
-        <p:spPr>
-          <a:xfrm>
-            <a:off x="3053196" y="1625547"/>
-            <a:ext cx="863143" cy="1294715"/>
-          </a:xfrm>
-          <a:prstGeom prst="rect">
-            <a:avLst/>
-          </a:prstGeom>
-        </p:spPr>
-      </p:pic>
-      <p:pic>
-        <p:nvPicPr>
-          <p:cNvPr id="16" name="Imagem 15" descr="Uma imagem com pessoa, jogador, desporto, jogo atlético&#10;&#10;Descrição gerada automaticamente">
-            <a:extLst>
-              <a:ext uri="{FF2B5EF4-FFF2-40B4-BE49-F238E27FC236}">
-                <a16:creationId xmlns:a16="http://schemas.microsoft.com/office/drawing/2014/main" id="{FFB274E0-4943-437E-BD7C-68B845E871A8}"/>
-              </a:ext>
-            </a:extLst>
-          </p:cNvPr>
-          <p:cNvPicPr>
-            <a:picLocks noChangeAspect="1"/>
-          </p:cNvPicPr>
-          <p:nvPr/>
-        </p:nvPicPr>
-        <p:blipFill>
-          <a:blip r:embed="rId5">
-            <a:extLst>
-              <a:ext uri="{28A0092B-C50C-407E-A947-70E740481C1C}">
-                <a14:useLocalDpi xmlns:a14="http://schemas.microsoft.com/office/drawing/2010/main" val="0"/>
-              </a:ext>
-            </a:extLst>
-          </a:blip>
-          <a:stretch>
-            <a:fillRect/>
-          </a:stretch>
-        </p:blipFill>
-        <p:spPr>
-          <a:xfrm>
-            <a:off x="5068886" y="1589492"/>
-            <a:ext cx="887180" cy="1330770"/>
-          </a:xfrm>
-          <a:prstGeom prst="rect">
-            <a:avLst/>
-          </a:prstGeom>
-        </p:spPr>
-      </p:pic>
-      <p:pic>
-        <p:nvPicPr>
-          <p:cNvPr id="18" name="Imagem 17" descr="Uma imagem com pessoa, chão, difícil&#10;&#10;Descrição gerada automaticamente">
-            <a:extLst>
-              <a:ext uri="{FF2B5EF4-FFF2-40B4-BE49-F238E27FC236}">
-                <a16:creationId xmlns:a16="http://schemas.microsoft.com/office/drawing/2014/main" id="{40051035-8048-47D0-8134-DA15C7906ADB}"/>
-              </a:ext>
-            </a:extLst>
-          </p:cNvPr>
-          <p:cNvPicPr>
-            <a:picLocks noChangeAspect="1"/>
-          </p:cNvPicPr>
-          <p:nvPr/>
-        </p:nvPicPr>
-        <p:blipFill>
-          <a:blip r:embed="rId6">
-            <a:extLst>
-              <a:ext uri="{28A0092B-C50C-407E-A947-70E740481C1C}">
-                <a14:useLocalDpi xmlns:a14="http://schemas.microsoft.com/office/drawing/2010/main" val="0"/>
-              </a:ext>
-            </a:extLst>
-          </a:blip>
-          <a:stretch>
-            <a:fillRect/>
-          </a:stretch>
-        </p:blipFill>
-        <p:spPr>
-          <a:xfrm>
-            <a:off x="7129047" y="1607519"/>
-            <a:ext cx="887180" cy="1330770"/>
-          </a:xfrm>
-          <a:prstGeom prst="rect">
-            <a:avLst/>
-          </a:prstGeom>
-        </p:spPr>
-      </p:pic>
-      <p:pic>
-        <p:nvPicPr>
-          <p:cNvPr id="20" name="Imagem 19" descr="Uma imagem com pessoa, laranja&#10;&#10;Descrição gerada automaticamente">
-            <a:extLst>
-              <a:ext uri="{FF2B5EF4-FFF2-40B4-BE49-F238E27FC236}">
-                <a16:creationId xmlns:a16="http://schemas.microsoft.com/office/drawing/2014/main" id="{A7EAB330-4F8B-4F1F-B774-14E7D90A7660}"/>
-              </a:ext>
-            </a:extLst>
-          </p:cNvPr>
-          <p:cNvPicPr>
-            <a:picLocks noChangeAspect="1"/>
-          </p:cNvPicPr>
-          <p:nvPr/>
-        </p:nvPicPr>
-        <p:blipFill>
-          <a:blip r:embed="rId7">
-            <a:extLst>
-              <a:ext uri="{28A0092B-C50C-407E-A947-70E740481C1C}">
-                <a14:useLocalDpi xmlns:a14="http://schemas.microsoft.com/office/drawing/2010/main" val="0"/>
-              </a:ext>
-            </a:extLst>
-          </a:blip>
-          <a:stretch>
-            <a:fillRect/>
-          </a:stretch>
-        </p:blipFill>
-        <p:spPr>
-          <a:xfrm>
-            <a:off x="9178231" y="1689271"/>
-            <a:ext cx="887180" cy="1330770"/>
-          </a:xfrm>
-          <a:prstGeom prst="rect">
-            <a:avLst/>
-          </a:prstGeom>
-        </p:spPr>
-      </p:pic>
       <p:sp>
         <p:nvSpPr>
           <p:cNvPr id="22" name="CaixaDeTexto 21">
@@ -5930,8 +5268,8 @@
         </p:nvSpPr>
         <p:spPr>
           <a:xfrm>
-            <a:off x="3053196" y="3128834"/>
-            <a:ext cx="7038872" cy="3108543"/>
+            <a:off x="5657219" y="1574303"/>
+            <a:ext cx="4894004" cy="3970318"/>
           </a:xfrm>
           <a:prstGeom prst="rect">
             <a:avLst/>
@@ -6142,8 +5480,8 @@
         </p:nvSpPr>
         <p:spPr>
           <a:xfrm>
-            <a:off x="396031" y="1940626"/>
-            <a:ext cx="1673523" cy="646331"/>
+            <a:off x="183991" y="2125292"/>
+            <a:ext cx="1673523" cy="276999"/>
           </a:xfrm>
           <a:prstGeom prst="rect">
             <a:avLst/>
@@ -6157,256 +5495,80 @@
           <a:lstStyle/>
           <a:p>
             <a:r>
+              <a:rPr lang="pt-PT" sz="1200" dirty="0" err="1"/>
+              <a:t>Slideshow</a:t>
+            </a:r>
+            <a:r>
               <a:rPr lang="pt-PT" sz="1200" dirty="0"/>
-              <a:t>Distâncias entre imagens e margens iguais</a:t>
-            </a:r>
-          </a:p>
-        </p:txBody>
-      </p:sp>
-      <p:cxnSp>
-        <p:nvCxnSpPr>
-          <p:cNvPr id="27" name="Conexão reta unidirecional 26">
-            <a:extLst>
-              <a:ext uri="{FF2B5EF4-FFF2-40B4-BE49-F238E27FC236}">
-                <a16:creationId xmlns:a16="http://schemas.microsoft.com/office/drawing/2014/main" id="{988B1437-7CE7-488A-8B75-1A3A90774356}"/>
-              </a:ext>
-            </a:extLst>
-          </p:cNvPr>
-          <p:cNvCxnSpPr/>
-          <p:nvPr/>
-        </p:nvCxnSpPr>
-        <p:spPr>
-          <a:xfrm>
-            <a:off x="3916339" y="2290932"/>
-            <a:ext cx="1162004" cy="0"/>
-          </a:xfrm>
-          <a:prstGeom prst="straightConnector1">
-            <a:avLst/>
-          </a:prstGeom>
+              <a:t> de imagens</a:t>
+            </a:r>
+          </a:p>
+        </p:txBody>
+      </p:sp>
+      <p:sp>
+        <p:nvSpPr>
+          <p:cNvPr id="31" name="Retângulo 30">
+            <a:extLst>
+              <a:ext uri="{FF2B5EF4-FFF2-40B4-BE49-F238E27FC236}">
+                <a16:creationId xmlns:a16="http://schemas.microsoft.com/office/drawing/2014/main" id="{6B749D45-0530-4103-B8F3-DD7E16AD3310}"/>
+              </a:ext>
+            </a:extLst>
+          </p:cNvPr>
+          <p:cNvSpPr/>
+          <p:nvPr/>
+        </p:nvSpPr>
+        <p:spPr>
+          <a:xfrm>
+            <a:off x="1891193" y="698183"/>
+            <a:ext cx="9317275" cy="438411"/>
+          </a:xfrm>
+          <a:prstGeom prst="rect">
+            <a:avLst/>
+          </a:prstGeom>
+          <a:solidFill>
+            <a:schemeClr val="bg2">
+              <a:lumMod val="25000"/>
+            </a:schemeClr>
+          </a:solidFill>
           <a:ln>
-            <a:headEnd type="triangle"/>
-            <a:tailEnd type="triangle"/>
+            <a:solidFill>
+              <a:schemeClr val="bg2">
+                <a:lumMod val="25000"/>
+              </a:schemeClr>
+            </a:solidFill>
           </a:ln>
         </p:spPr>
         <p:style>
-          <a:lnRef idx="1">
-            <a:schemeClr val="accent2"/>
+          <a:lnRef idx="2">
+            <a:schemeClr val="accent1">
+              <a:shade val="50000"/>
+            </a:schemeClr>
           </a:lnRef>
-          <a:fillRef idx="0">
-            <a:schemeClr val="accent2"/>
+          <a:fillRef idx="1">
+            <a:schemeClr val="accent1"/>
           </a:fillRef>
           <a:effectRef idx="0">
-            <a:schemeClr val="accent2"/>
+            <a:schemeClr val="accent1"/>
           </a:effectRef>
           <a:fontRef idx="minor">
-            <a:schemeClr val="tx1"/>
+            <a:schemeClr val="lt1"/>
           </a:fontRef>
         </p:style>
-      </p:cxnSp>
-      <p:cxnSp>
-        <p:nvCxnSpPr>
-          <p:cNvPr id="28" name="Conexão reta unidirecional 27">
-            <a:extLst>
-              <a:ext uri="{FF2B5EF4-FFF2-40B4-BE49-F238E27FC236}">
-                <a16:creationId xmlns:a16="http://schemas.microsoft.com/office/drawing/2014/main" id="{08F2323B-1E37-4A03-9049-A75EB2371AC4}"/>
-              </a:ext>
-            </a:extLst>
-          </p:cNvPr>
-          <p:cNvCxnSpPr/>
-          <p:nvPr/>
-        </p:nvCxnSpPr>
-        <p:spPr>
-          <a:xfrm>
-            <a:off x="5955914" y="2290932"/>
-            <a:ext cx="1162004" cy="0"/>
-          </a:xfrm>
-          <a:prstGeom prst="straightConnector1">
-            <a:avLst/>
-          </a:prstGeom>
-          <a:ln>
-            <a:headEnd type="triangle"/>
-            <a:tailEnd type="triangle"/>
-          </a:ln>
-        </p:spPr>
-        <p:style>
-          <a:lnRef idx="1">
-            <a:schemeClr val="accent2"/>
-          </a:lnRef>
-          <a:fillRef idx="0">
-            <a:schemeClr val="accent2"/>
-          </a:fillRef>
-          <a:effectRef idx="0">
-            <a:schemeClr val="accent2"/>
-          </a:effectRef>
-          <a:fontRef idx="minor">
-            <a:schemeClr val="tx1"/>
-          </a:fontRef>
-        </p:style>
-      </p:cxnSp>
-      <p:cxnSp>
-        <p:nvCxnSpPr>
-          <p:cNvPr id="29" name="Conexão reta unidirecional 28">
-            <a:extLst>
-              <a:ext uri="{FF2B5EF4-FFF2-40B4-BE49-F238E27FC236}">
-                <a16:creationId xmlns:a16="http://schemas.microsoft.com/office/drawing/2014/main" id="{3EBBF032-D2C7-4AED-9E23-071CB4CE9340}"/>
-              </a:ext>
-            </a:extLst>
-          </p:cNvPr>
-          <p:cNvCxnSpPr/>
-          <p:nvPr/>
-        </p:nvCxnSpPr>
-        <p:spPr>
-          <a:xfrm>
-            <a:off x="8016227" y="2290932"/>
-            <a:ext cx="1162004" cy="0"/>
-          </a:xfrm>
-          <a:prstGeom prst="straightConnector1">
-            <a:avLst/>
-          </a:prstGeom>
-          <a:ln>
-            <a:headEnd type="triangle"/>
-            <a:tailEnd type="triangle"/>
-          </a:ln>
-        </p:spPr>
-        <p:style>
-          <a:lnRef idx="1">
-            <a:schemeClr val="accent2"/>
-          </a:lnRef>
-          <a:fillRef idx="0">
-            <a:schemeClr val="accent2"/>
-          </a:fillRef>
-          <a:effectRef idx="0">
-            <a:schemeClr val="accent2"/>
-          </a:effectRef>
-          <a:fontRef idx="minor">
-            <a:schemeClr val="tx1"/>
-          </a:fontRef>
-        </p:style>
-      </p:cxnSp>
-      <p:cxnSp>
-        <p:nvCxnSpPr>
-          <p:cNvPr id="30" name="Conexão reta unidirecional 29">
-            <a:extLst>
-              <a:ext uri="{FF2B5EF4-FFF2-40B4-BE49-F238E27FC236}">
-                <a16:creationId xmlns:a16="http://schemas.microsoft.com/office/drawing/2014/main" id="{CB8822AE-87B7-4FBE-B4E7-C1A0A9E3206A}"/>
-              </a:ext>
-            </a:extLst>
-          </p:cNvPr>
-          <p:cNvCxnSpPr/>
-          <p:nvPr/>
-        </p:nvCxnSpPr>
-        <p:spPr>
-          <a:xfrm>
-            <a:off x="10046464" y="2250692"/>
-            <a:ext cx="1162004" cy="0"/>
-          </a:xfrm>
-          <a:prstGeom prst="straightConnector1">
-            <a:avLst/>
-          </a:prstGeom>
-          <a:ln>
-            <a:headEnd type="triangle"/>
-            <a:tailEnd type="triangle"/>
-          </a:ln>
-        </p:spPr>
-        <p:style>
-          <a:lnRef idx="1">
-            <a:schemeClr val="accent2"/>
-          </a:lnRef>
-          <a:fillRef idx="0">
-            <a:schemeClr val="accent2"/>
-          </a:fillRef>
-          <a:effectRef idx="0">
-            <a:schemeClr val="accent2"/>
-          </a:effectRef>
-          <a:fontRef idx="minor">
-            <a:schemeClr val="tx1"/>
-          </a:fontRef>
-        </p:style>
-      </p:cxnSp>
-      <p:cxnSp>
-        <p:nvCxnSpPr>
-          <p:cNvPr id="32" name="Conexão reta unidirecional 31">
-            <a:extLst>
-              <a:ext uri="{FF2B5EF4-FFF2-40B4-BE49-F238E27FC236}">
-                <a16:creationId xmlns:a16="http://schemas.microsoft.com/office/drawing/2014/main" id="{80F89B48-EE78-4149-85D5-71D0E85133A4}"/>
-              </a:ext>
-            </a:extLst>
-          </p:cNvPr>
-          <p:cNvCxnSpPr>
-            <a:endCxn id="14" idx="2"/>
-          </p:cNvCxnSpPr>
-          <p:nvPr/>
-        </p:nvCxnSpPr>
-        <p:spPr>
-          <a:xfrm>
-            <a:off x="3457184" y="1607519"/>
-            <a:ext cx="27584" cy="1312743"/>
-          </a:xfrm>
-          <a:prstGeom prst="straightConnector1">
-            <a:avLst/>
-          </a:prstGeom>
-          <a:ln>
-            <a:headEnd type="triangle"/>
-            <a:tailEnd type="triangle"/>
-          </a:ln>
-        </p:spPr>
-        <p:style>
-          <a:lnRef idx="1">
-            <a:schemeClr val="dk1"/>
-          </a:lnRef>
-          <a:fillRef idx="0">
-            <a:schemeClr val="dk1"/>
-          </a:fillRef>
-          <a:effectRef idx="0">
-            <a:schemeClr val="dk1"/>
-          </a:effectRef>
-          <a:fontRef idx="minor">
-            <a:schemeClr val="tx1"/>
-          </a:fontRef>
-        </p:style>
-      </p:cxnSp>
-      <p:cxnSp>
-        <p:nvCxnSpPr>
-          <p:cNvPr id="34" name="Conexão reta 33">
-            <a:extLst>
-              <a:ext uri="{FF2B5EF4-FFF2-40B4-BE49-F238E27FC236}">
-                <a16:creationId xmlns:a16="http://schemas.microsoft.com/office/drawing/2014/main" id="{82C503D7-A2A9-41CB-AD27-9A20FF86FF29}"/>
-              </a:ext>
-            </a:extLst>
-          </p:cNvPr>
-          <p:cNvCxnSpPr/>
-          <p:nvPr/>
-        </p:nvCxnSpPr>
-        <p:spPr>
-          <a:xfrm flipV="1">
-            <a:off x="1653436" y="2290932"/>
-            <a:ext cx="1803748" cy="1138068"/>
-          </a:xfrm>
-          <a:prstGeom prst="line">
-            <a:avLst/>
-          </a:prstGeom>
-        </p:spPr>
-        <p:style>
-          <a:lnRef idx="1">
-            <a:schemeClr val="dk1"/>
-          </a:lnRef>
-          <a:fillRef idx="0">
-            <a:schemeClr val="dk1"/>
-          </a:fillRef>
-          <a:effectRef idx="0">
-            <a:schemeClr val="dk1"/>
-          </a:effectRef>
-          <a:fontRef idx="minor">
-            <a:schemeClr val="tx1"/>
-          </a:fontRef>
-        </p:style>
-      </p:cxnSp>
-      <p:sp>
-        <p:nvSpPr>
-          <p:cNvPr id="35" name="CaixaDeTexto 34">
-            <a:extLst>
-              <a:ext uri="{FF2B5EF4-FFF2-40B4-BE49-F238E27FC236}">
-                <a16:creationId xmlns:a16="http://schemas.microsoft.com/office/drawing/2014/main" id="{F094B53A-2C87-487B-8870-36CD22B027A1}"/>
+        <p:txBody>
+          <a:bodyPr rtlCol="0" anchor="ctr"/>
+          <a:lstStyle/>
+          <a:p>
+            <a:pPr algn="ctr"/>
+            <a:endParaRPr lang="pt-PT" dirty="0"/>
+          </a:p>
+        </p:txBody>
+      </p:sp>
+      <p:sp>
+        <p:nvSpPr>
+          <p:cNvPr id="33" name="CaixaDeTexto 32">
+            <a:extLst>
+              <a:ext uri="{FF2B5EF4-FFF2-40B4-BE49-F238E27FC236}">
+                <a16:creationId xmlns:a16="http://schemas.microsoft.com/office/drawing/2014/main" id="{43CBC24E-6833-4A71-A809-BAA76D671287}"/>
               </a:ext>
             </a:extLst>
           </p:cNvPr>
@@ -6415,8 +5577,8 @@
         </p:nvSpPr>
         <p:spPr>
           <a:xfrm>
-            <a:off x="542493" y="3275111"/>
-            <a:ext cx="1229821" cy="307777"/>
+            <a:off x="2091605" y="763499"/>
+            <a:ext cx="1791849" cy="276999"/>
           </a:xfrm>
           <a:prstGeom prst="rect">
             <a:avLst/>
@@ -6430,129 +5592,228 @@
           <a:lstStyle/>
           <a:p>
             <a:r>
-              <a:rPr lang="pt-PT" sz="1400" dirty="0"/>
-              <a:t>Altura: 40px?</a:t>
-            </a:r>
-          </a:p>
-        </p:txBody>
-      </p:sp>
-      <p:cxnSp>
-        <p:nvCxnSpPr>
-          <p:cNvPr id="37" name="Conexão reta unidirecional 36">
-            <a:extLst>
-              <a:ext uri="{FF2B5EF4-FFF2-40B4-BE49-F238E27FC236}">
-                <a16:creationId xmlns:a16="http://schemas.microsoft.com/office/drawing/2014/main" id="{E979E460-8DAB-4CC0-9789-C622ABD26A30}"/>
-              </a:ext>
-            </a:extLst>
-          </p:cNvPr>
-          <p:cNvCxnSpPr/>
-          <p:nvPr/>
-        </p:nvCxnSpPr>
-        <p:spPr>
-          <a:xfrm>
-            <a:off x="5068886" y="1439180"/>
-            <a:ext cx="887028" cy="0"/>
-          </a:xfrm>
-          <a:prstGeom prst="straightConnector1">
-            <a:avLst/>
-          </a:prstGeom>
-          <a:ln w="9525" cap="flat" cmpd="sng" algn="ctr">
-            <a:solidFill>
-              <a:srgbClr val="FF0000"/>
-            </a:solidFill>
-            <a:prstDash val="solid"/>
-            <a:round/>
-            <a:headEnd type="arrow" w="med" len="med"/>
-            <a:tailEnd type="arrow" w="med" len="med"/>
+              <a:rPr lang="pt-PT" sz="1200" dirty="0">
+                <a:solidFill>
+                  <a:schemeClr val="bg1"/>
+                </a:solidFill>
+                <a:latin typeface="Lato" panose="020F0502020204030203" pitchFamily="34" charset="0"/>
+                <a:cs typeface="Lato" panose="020F0502020204030203" pitchFamily="34" charset="0"/>
+              </a:rPr>
+              <a:t>Hóquei em patins</a:t>
+            </a:r>
+          </a:p>
+        </p:txBody>
+      </p:sp>
+      <p:sp>
+        <p:nvSpPr>
+          <p:cNvPr id="36" name="Retângulo 35">
+            <a:extLst>
+              <a:ext uri="{FF2B5EF4-FFF2-40B4-BE49-F238E27FC236}">
+                <a16:creationId xmlns:a16="http://schemas.microsoft.com/office/drawing/2014/main" id="{F87D1009-6D70-44F2-8504-DDAC888DE5BC}"/>
+              </a:ext>
+            </a:extLst>
+          </p:cNvPr>
+          <p:cNvSpPr/>
+          <p:nvPr/>
+        </p:nvSpPr>
+        <p:spPr>
+          <a:xfrm>
+            <a:off x="7567920" y="698183"/>
+            <a:ext cx="851769" cy="438411"/>
+          </a:xfrm>
+          <a:prstGeom prst="rect">
+            <a:avLst/>
+          </a:prstGeom>
+          <a:noFill/>
+          <a:ln w="12700">
+            <a:noFill/>
           </a:ln>
         </p:spPr>
         <p:style>
-          <a:lnRef idx="0">
-            <a:scrgbClr r="0" g="0" b="0"/>
+          <a:lnRef idx="2">
+            <a:schemeClr val="accent1">
+              <a:shade val="50000"/>
+            </a:schemeClr>
           </a:lnRef>
-          <a:fillRef idx="0">
-            <a:scrgbClr r="0" g="0" b="0"/>
+          <a:fillRef idx="1">
+            <a:schemeClr val="accent1"/>
           </a:fillRef>
           <a:effectRef idx="0">
-            <a:scrgbClr r="0" g="0" b="0"/>
+            <a:schemeClr val="accent1"/>
           </a:effectRef>
           <a:fontRef idx="minor">
-            <a:schemeClr val="tx1"/>
+            <a:schemeClr val="lt1"/>
           </a:fontRef>
         </p:style>
-      </p:cxnSp>
-      <p:cxnSp>
-        <p:nvCxnSpPr>
-          <p:cNvPr id="39" name="Conexão reta 38">
-            <a:extLst>
-              <a:ext uri="{FF2B5EF4-FFF2-40B4-BE49-F238E27FC236}">
-                <a16:creationId xmlns:a16="http://schemas.microsoft.com/office/drawing/2014/main" id="{301B739C-64C9-47D6-9993-BFB504A85053}"/>
-              </a:ext>
-            </a:extLst>
-          </p:cNvPr>
-          <p:cNvCxnSpPr/>
-          <p:nvPr/>
-        </p:nvCxnSpPr>
-        <p:spPr>
-          <a:xfrm flipV="1">
-            <a:off x="5367377" y="433005"/>
-            <a:ext cx="0" cy="1006175"/>
-          </a:xfrm>
-          <a:prstGeom prst="line">
-            <a:avLst/>
-          </a:prstGeom>
+        <p:txBody>
+          <a:bodyPr rtlCol="0" anchor="ctr"/>
+          <a:lstStyle/>
+          <a:p>
+            <a:pPr algn="ctr"/>
+            <a:r>
+              <a:rPr lang="pt-PT" sz="1200" dirty="0"/>
+              <a:t>O que é?</a:t>
+            </a:r>
+          </a:p>
+        </p:txBody>
+      </p:sp>
+      <p:sp>
+        <p:nvSpPr>
+          <p:cNvPr id="38" name="Retângulo 37">
+            <a:extLst>
+              <a:ext uri="{FF2B5EF4-FFF2-40B4-BE49-F238E27FC236}">
+                <a16:creationId xmlns:a16="http://schemas.microsoft.com/office/drawing/2014/main" id="{1C491E9B-313F-4B96-9CC0-5C9297B5E105}"/>
+              </a:ext>
+            </a:extLst>
+          </p:cNvPr>
+          <p:cNvSpPr/>
+          <p:nvPr/>
+        </p:nvSpPr>
+        <p:spPr>
+          <a:xfrm>
+            <a:off x="8427385" y="698183"/>
+            <a:ext cx="1002082" cy="438411"/>
+          </a:xfrm>
+          <a:prstGeom prst="rect">
+            <a:avLst/>
+          </a:prstGeom>
+          <a:solidFill>
+            <a:srgbClr val="44546A"/>
+          </a:solidFill>
           <a:ln>
-            <a:solidFill>
-              <a:srgbClr val="FF0000"/>
-            </a:solidFill>
+            <a:noFill/>
           </a:ln>
         </p:spPr>
         <p:style>
-          <a:lnRef idx="1">
-            <a:schemeClr val="accent1"/>
+          <a:lnRef idx="2">
+            <a:schemeClr val="accent1">
+              <a:shade val="50000"/>
+            </a:schemeClr>
           </a:lnRef>
-          <a:fillRef idx="0">
+          <a:fillRef idx="1">
             <a:schemeClr val="accent1"/>
           </a:fillRef>
           <a:effectRef idx="0">
             <a:schemeClr val="accent1"/>
           </a:effectRef>
           <a:fontRef idx="minor">
-            <a:schemeClr val="tx1"/>
+            <a:schemeClr val="lt1"/>
           </a:fontRef>
         </p:style>
-      </p:cxnSp>
-      <p:sp>
-        <p:nvSpPr>
-          <p:cNvPr id="40" name="CaixaDeTexto 39">
-            <a:extLst>
-              <a:ext uri="{FF2B5EF4-FFF2-40B4-BE49-F238E27FC236}">
-                <a16:creationId xmlns:a16="http://schemas.microsoft.com/office/drawing/2014/main" id="{336D77CE-6054-476D-A355-328C65A5E1D3}"/>
-              </a:ext>
-            </a:extLst>
-          </p:cNvPr>
-          <p:cNvSpPr txBox="1"/>
-          <p:nvPr/>
-        </p:nvSpPr>
-        <p:spPr>
-          <a:xfrm>
-            <a:off x="4291801" y="158915"/>
-            <a:ext cx="5974914" cy="307777"/>
+        <p:txBody>
+          <a:bodyPr rtlCol="0" anchor="ctr"/>
+          <a:lstStyle/>
+          <a:p>
+            <a:pPr algn="ctr"/>
+            <a:r>
+              <a:rPr lang="pt-PT" sz="1200" dirty="0"/>
+              <a:t>Minha Experiencia</a:t>
+            </a:r>
+          </a:p>
+        </p:txBody>
+      </p:sp>
+      <p:sp>
+        <p:nvSpPr>
+          <p:cNvPr id="41" name="Retângulo 40">
+            <a:extLst>
+              <a:ext uri="{FF2B5EF4-FFF2-40B4-BE49-F238E27FC236}">
+                <a16:creationId xmlns:a16="http://schemas.microsoft.com/office/drawing/2014/main" id="{B147C3F3-EFAC-40D4-89C6-AEF86A7E82FF}"/>
+              </a:ext>
+            </a:extLst>
+          </p:cNvPr>
+          <p:cNvSpPr/>
+          <p:nvPr/>
+        </p:nvSpPr>
+        <p:spPr>
+          <a:xfrm>
+            <a:off x="9444858" y="698183"/>
+            <a:ext cx="851769" cy="438411"/>
           </a:xfrm>
           <a:prstGeom prst="rect">
             <a:avLst/>
           </a:prstGeom>
           <a:noFill/>
-        </p:spPr>
-        <p:txBody>
-          <a:bodyPr wrap="square" rtlCol="0">
-            <a:spAutoFit/>
-          </a:bodyPr>
-          <a:lstStyle/>
-          <a:p>
-            <a:r>
-              <a:rPr lang="pt-PT" sz="1400" dirty="0"/>
-              <a:t>Largura de imagens iguais</a:t>
+          <a:ln>
+            <a:noFill/>
+          </a:ln>
+        </p:spPr>
+        <p:style>
+          <a:lnRef idx="2">
+            <a:schemeClr val="accent1">
+              <a:shade val="50000"/>
+            </a:schemeClr>
+          </a:lnRef>
+          <a:fillRef idx="1">
+            <a:schemeClr val="accent1"/>
+          </a:fillRef>
+          <a:effectRef idx="0">
+            <a:schemeClr val="accent1"/>
+          </a:effectRef>
+          <a:fontRef idx="minor">
+            <a:schemeClr val="lt1"/>
+          </a:fontRef>
+        </p:style>
+        <p:txBody>
+          <a:bodyPr rtlCol="0" anchor="ctr"/>
+          <a:lstStyle/>
+          <a:p>
+            <a:pPr algn="ctr"/>
+            <a:r>
+              <a:rPr lang="pt-PT" sz="1200" dirty="0"/>
+              <a:t>Equipas</a:t>
+            </a:r>
+          </a:p>
+        </p:txBody>
+      </p:sp>
+      <p:sp>
+        <p:nvSpPr>
+          <p:cNvPr id="42" name="Retângulo 41">
+            <a:extLst>
+              <a:ext uri="{FF2B5EF4-FFF2-40B4-BE49-F238E27FC236}">
+                <a16:creationId xmlns:a16="http://schemas.microsoft.com/office/drawing/2014/main" id="{6B1C0F4C-1D79-4560-80E5-3123438C7465}"/>
+              </a:ext>
+            </a:extLst>
+          </p:cNvPr>
+          <p:cNvSpPr/>
+          <p:nvPr/>
+        </p:nvSpPr>
+        <p:spPr>
+          <a:xfrm>
+            <a:off x="10312019" y="698183"/>
+            <a:ext cx="896449" cy="438411"/>
+          </a:xfrm>
+          <a:prstGeom prst="rect">
+            <a:avLst/>
+          </a:prstGeom>
+          <a:noFill/>
+          <a:ln>
+            <a:noFill/>
+          </a:ln>
+        </p:spPr>
+        <p:style>
+          <a:lnRef idx="2">
+            <a:schemeClr val="accent1">
+              <a:shade val="50000"/>
+            </a:schemeClr>
+          </a:lnRef>
+          <a:fillRef idx="1">
+            <a:schemeClr val="accent1"/>
+          </a:fillRef>
+          <a:effectRef idx="0">
+            <a:schemeClr val="accent1"/>
+          </a:effectRef>
+          <a:fontRef idx="minor">
+            <a:schemeClr val="lt1"/>
+          </a:fontRef>
+        </p:style>
+        <p:txBody>
+          <a:bodyPr rtlCol="0" anchor="ctr"/>
+          <a:lstStyle/>
+          <a:p>
+            <a:pPr algn="ctr"/>
+            <a:r>
+              <a:rPr lang="pt-PT" sz="1200" dirty="0"/>
+              <a:t>Downloads</a:t>
             </a:r>
           </a:p>
         </p:txBody>
@@ -6623,12 +5884,420 @@
           </a:prstGeom>
         </p:spPr>
       </p:pic>
-      <p:sp>
-        <p:nvSpPr>
-          <p:cNvPr id="4" name="Retângulo 3">
-            <a:extLst>
-              <a:ext uri="{FF2B5EF4-FFF2-40B4-BE49-F238E27FC236}">
-                <a16:creationId xmlns:a16="http://schemas.microsoft.com/office/drawing/2014/main" id="{F30834A1-1CFB-4922-9069-6347ABAD06D4}"/>
+      <p:pic>
+        <p:nvPicPr>
+          <p:cNvPr id="3" name="Imagem 2" descr="Uma imagem com texto&#10;&#10;Descrição gerada automaticamente">
+            <a:extLst>
+              <a:ext uri="{FF2B5EF4-FFF2-40B4-BE49-F238E27FC236}">
+                <a16:creationId xmlns:a16="http://schemas.microsoft.com/office/drawing/2014/main" id="{024E6994-3ED6-4384-8188-2D7E9FC0742F}"/>
+              </a:ext>
+            </a:extLst>
+          </p:cNvPr>
+          <p:cNvPicPr>
+            <a:picLocks noChangeAspect="1"/>
+          </p:cNvPicPr>
+          <p:nvPr/>
+        </p:nvPicPr>
+        <p:blipFill>
+          <a:blip r:embed="rId3">
+            <a:extLst>
+              <a:ext uri="{28A0092B-C50C-407E-A947-70E740481C1C}">
+                <a14:useLocalDpi xmlns:a14="http://schemas.microsoft.com/office/drawing/2010/main" val="0"/>
+              </a:ext>
+            </a:extLst>
+          </a:blip>
+          <a:stretch>
+            <a:fillRect/>
+          </a:stretch>
+        </p:blipFill>
+        <p:spPr>
+          <a:xfrm>
+            <a:off x="3091622" y="1576327"/>
+            <a:ext cx="994190" cy="1320488"/>
+          </a:xfrm>
+          <a:prstGeom prst="rect">
+            <a:avLst/>
+          </a:prstGeom>
+        </p:spPr>
+      </p:pic>
+      <p:sp>
+        <p:nvSpPr>
+          <p:cNvPr id="11" name="CaixaDeTexto 10">
+            <a:extLst>
+              <a:ext uri="{FF2B5EF4-FFF2-40B4-BE49-F238E27FC236}">
+                <a16:creationId xmlns:a16="http://schemas.microsoft.com/office/drawing/2014/main" id="{460A2775-7848-4225-AB76-169FC082497D}"/>
+              </a:ext>
+            </a:extLst>
+          </p:cNvPr>
+          <p:cNvSpPr txBox="1"/>
+          <p:nvPr/>
+        </p:nvSpPr>
+        <p:spPr>
+          <a:xfrm>
+            <a:off x="3750263" y="3383378"/>
+            <a:ext cx="5599134" cy="1169551"/>
+          </a:xfrm>
+          <a:prstGeom prst="rect">
+            <a:avLst/>
+          </a:prstGeom>
+          <a:noFill/>
+        </p:spPr>
+        <p:txBody>
+          <a:bodyPr wrap="square" rtlCol="0">
+            <a:spAutoFit/>
+          </a:bodyPr>
+          <a:lstStyle/>
+          <a:p>
+            <a:pPr algn="just"/>
+            <a:r>
+              <a:rPr lang="pt-PT" sz="1400" dirty="0">
+                <a:latin typeface="Times New Roman" panose="02020603050405020304" pitchFamily="18" charset="0"/>
+                <a:cs typeface="Times New Roman" panose="02020603050405020304" pitchFamily="18" charset="0"/>
+              </a:rPr>
+              <a:t>Esta foi a casa que me acolheu durante todos esses anos como jogador e à qual devo todo o meu desenvolvimento durante essa etapa.</a:t>
+            </a:r>
+            <a:br>
+              <a:rPr lang="pt-PT" sz="1400" dirty="0">
+                <a:latin typeface="Times New Roman" panose="02020603050405020304" pitchFamily="18" charset="0"/>
+                <a:cs typeface="Times New Roman" panose="02020603050405020304" pitchFamily="18" charset="0"/>
+              </a:rPr>
+            </a:br>
+            <a:r>
+              <a:rPr lang="pt-PT" sz="1400" dirty="0">
+                <a:latin typeface="Times New Roman" panose="02020603050405020304" pitchFamily="18" charset="0"/>
+                <a:cs typeface="Times New Roman" panose="02020603050405020304" pitchFamily="18" charset="0"/>
+              </a:rPr>
+              <a:t>Foi aqui que criei memorias e relações que ultrapassaram as fronteiras de colegas de equipa, treinadores e assistentes, formando assim uma grande família. </a:t>
+            </a:r>
+          </a:p>
+        </p:txBody>
+      </p:sp>
+      <p:sp>
+        <p:nvSpPr>
+          <p:cNvPr id="13" name="CaixaDeTexto 12">
+            <a:extLst>
+              <a:ext uri="{FF2B5EF4-FFF2-40B4-BE49-F238E27FC236}">
+                <a16:creationId xmlns:a16="http://schemas.microsoft.com/office/drawing/2014/main" id="{5E414EBF-395F-4C44-A781-BC1AD729F068}"/>
+              </a:ext>
+            </a:extLst>
+          </p:cNvPr>
+          <p:cNvSpPr txBox="1"/>
+          <p:nvPr/>
+        </p:nvSpPr>
+        <p:spPr>
+          <a:xfrm>
+            <a:off x="4279275" y="1974961"/>
+            <a:ext cx="5378292" cy="523220"/>
+          </a:xfrm>
+          <a:prstGeom prst="rect">
+            <a:avLst/>
+          </a:prstGeom>
+          <a:noFill/>
+        </p:spPr>
+        <p:txBody>
+          <a:bodyPr wrap="square" rtlCol="0">
+            <a:spAutoFit/>
+          </a:bodyPr>
+          <a:lstStyle/>
+          <a:p>
+            <a:r>
+              <a:rPr lang="pt-PT" sz="2800" b="1" dirty="0">
+                <a:latin typeface="Aharoni" panose="020B0604020202020204" pitchFamily="2" charset="-79"/>
+                <a:cs typeface="Aharoni" panose="020B0604020202020204" pitchFamily="2" charset="-79"/>
+              </a:rPr>
+              <a:t>Clube Académico de Bragança</a:t>
+            </a:r>
+          </a:p>
+        </p:txBody>
+      </p:sp>
+      <p:cxnSp>
+        <p:nvCxnSpPr>
+          <p:cNvPr id="17" name="Conexão reta unidirecional 16">
+            <a:extLst>
+              <a:ext uri="{FF2B5EF4-FFF2-40B4-BE49-F238E27FC236}">
+                <a16:creationId xmlns:a16="http://schemas.microsoft.com/office/drawing/2014/main" id="{3ACF927B-C421-40DF-B963-F94A810BEDE5}"/>
+              </a:ext>
+            </a:extLst>
+          </p:cNvPr>
+          <p:cNvCxnSpPr/>
+          <p:nvPr/>
+        </p:nvCxnSpPr>
+        <p:spPr>
+          <a:xfrm>
+            <a:off x="3091622" y="1625547"/>
+            <a:ext cx="0" cy="1271268"/>
+          </a:xfrm>
+          <a:prstGeom prst="straightConnector1">
+            <a:avLst/>
+          </a:prstGeom>
+          <a:ln>
+            <a:headEnd type="triangle"/>
+            <a:tailEnd type="triangle"/>
+          </a:ln>
+        </p:spPr>
+        <p:style>
+          <a:lnRef idx="1">
+            <a:schemeClr val="accent1"/>
+          </a:lnRef>
+          <a:fillRef idx="0">
+            <a:schemeClr val="accent1"/>
+          </a:fillRef>
+          <a:effectRef idx="0">
+            <a:schemeClr val="accent1"/>
+          </a:effectRef>
+          <a:fontRef idx="minor">
+            <a:schemeClr val="tx1"/>
+          </a:fontRef>
+        </p:style>
+      </p:cxnSp>
+      <p:cxnSp>
+        <p:nvCxnSpPr>
+          <p:cNvPr id="21" name="Conexão reta unidirecional 20">
+            <a:extLst>
+              <a:ext uri="{FF2B5EF4-FFF2-40B4-BE49-F238E27FC236}">
+                <a16:creationId xmlns:a16="http://schemas.microsoft.com/office/drawing/2014/main" id="{2B4BD59C-C5D6-4DF6-98B1-551CA3100C01}"/>
+              </a:ext>
+            </a:extLst>
+          </p:cNvPr>
+          <p:cNvCxnSpPr/>
+          <p:nvPr/>
+        </p:nvCxnSpPr>
+        <p:spPr>
+          <a:xfrm>
+            <a:off x="3091622" y="1576327"/>
+            <a:ext cx="879129" cy="0"/>
+          </a:xfrm>
+          <a:prstGeom prst="straightConnector1">
+            <a:avLst/>
+          </a:prstGeom>
+          <a:ln>
+            <a:headEnd type="triangle"/>
+            <a:tailEnd type="triangle"/>
+          </a:ln>
+        </p:spPr>
+        <p:style>
+          <a:lnRef idx="1">
+            <a:schemeClr val="accent1"/>
+          </a:lnRef>
+          <a:fillRef idx="0">
+            <a:schemeClr val="accent1"/>
+          </a:fillRef>
+          <a:effectRef idx="0">
+            <a:schemeClr val="accent1"/>
+          </a:effectRef>
+          <a:fontRef idx="minor">
+            <a:schemeClr val="tx1"/>
+          </a:fontRef>
+        </p:style>
+      </p:cxnSp>
+      <p:sp>
+        <p:nvSpPr>
+          <p:cNvPr id="24" name="CaixaDeTexto 23">
+            <a:extLst>
+              <a:ext uri="{FF2B5EF4-FFF2-40B4-BE49-F238E27FC236}">
+                <a16:creationId xmlns:a16="http://schemas.microsoft.com/office/drawing/2014/main" id="{0CBBF18F-4034-42EA-A08B-2B054917A956}"/>
+              </a:ext>
+            </a:extLst>
+          </p:cNvPr>
+          <p:cNvSpPr txBox="1"/>
+          <p:nvPr/>
+        </p:nvSpPr>
+        <p:spPr>
+          <a:xfrm>
+            <a:off x="2705622" y="1974961"/>
+            <a:ext cx="385998" cy="369332"/>
+          </a:xfrm>
+          <a:prstGeom prst="rect">
+            <a:avLst/>
+          </a:prstGeom>
+          <a:noFill/>
+        </p:spPr>
+        <p:txBody>
+          <a:bodyPr wrap="square" rtlCol="0">
+            <a:spAutoFit/>
+          </a:bodyPr>
+          <a:lstStyle/>
+          <a:p>
+            <a:r>
+              <a:rPr lang="pt-PT" dirty="0"/>
+              <a:t>Y</a:t>
+            </a:r>
+          </a:p>
+        </p:txBody>
+      </p:sp>
+      <p:sp>
+        <p:nvSpPr>
+          <p:cNvPr id="25" name="CaixaDeTexto 24">
+            <a:extLst>
+              <a:ext uri="{FF2B5EF4-FFF2-40B4-BE49-F238E27FC236}">
+                <a16:creationId xmlns:a16="http://schemas.microsoft.com/office/drawing/2014/main" id="{DB95423D-8B10-4CD9-96F6-5737CB10F533}"/>
+              </a:ext>
+            </a:extLst>
+          </p:cNvPr>
+          <p:cNvSpPr txBox="1"/>
+          <p:nvPr/>
+        </p:nvSpPr>
+        <p:spPr>
+          <a:xfrm>
+            <a:off x="3272181" y="1242987"/>
+            <a:ext cx="713984" cy="369332"/>
+          </a:xfrm>
+          <a:prstGeom prst="rect">
+            <a:avLst/>
+          </a:prstGeom>
+          <a:noFill/>
+        </p:spPr>
+        <p:txBody>
+          <a:bodyPr wrap="square" rtlCol="0">
+            <a:spAutoFit/>
+          </a:bodyPr>
+          <a:lstStyle/>
+          <a:p>
+            <a:r>
+              <a:rPr lang="pt-PT" dirty="0"/>
+              <a:t>¾ Y</a:t>
+            </a:r>
+          </a:p>
+        </p:txBody>
+      </p:sp>
+      <p:sp>
+        <p:nvSpPr>
+          <p:cNvPr id="26" name="CaixaDeTexto 25">
+            <a:extLst>
+              <a:ext uri="{FF2B5EF4-FFF2-40B4-BE49-F238E27FC236}">
+                <a16:creationId xmlns:a16="http://schemas.microsoft.com/office/drawing/2014/main" id="{E24F5397-12E8-459E-946B-6F0AAE817BB9}"/>
+              </a:ext>
+            </a:extLst>
+          </p:cNvPr>
+          <p:cNvSpPr txBox="1"/>
+          <p:nvPr/>
+        </p:nvSpPr>
+        <p:spPr>
+          <a:xfrm>
+            <a:off x="216925" y="275573"/>
+            <a:ext cx="1528111" cy="954107"/>
+          </a:xfrm>
+          <a:prstGeom prst="rect">
+            <a:avLst/>
+          </a:prstGeom>
+          <a:noFill/>
+        </p:spPr>
+        <p:txBody>
+          <a:bodyPr wrap="square" rtlCol="0">
+            <a:spAutoFit/>
+          </a:bodyPr>
+          <a:lstStyle/>
+          <a:p>
+            <a:r>
+              <a:rPr lang="pt-PT" sz="1400" dirty="0" err="1"/>
+              <a:t>Header</a:t>
+            </a:r>
+            <a:r>
+              <a:rPr lang="pt-PT" sz="1400" dirty="0"/>
+              <a:t>: </a:t>
+            </a:r>
+            <a:br>
+              <a:rPr lang="pt-PT" sz="1400" dirty="0"/>
+            </a:br>
+            <a:r>
+              <a:rPr lang="pt-PT" sz="1400" dirty="0"/>
+              <a:t>Font: </a:t>
+            </a:r>
+            <a:r>
+              <a:rPr lang="pt-PT" sz="1400" dirty="0" err="1"/>
+              <a:t>Aharoni</a:t>
+            </a:r>
+            <a:br>
+              <a:rPr lang="pt-PT" sz="1400" dirty="0"/>
+            </a:br>
+            <a:r>
+              <a:rPr lang="pt-PT" sz="1400" dirty="0"/>
+              <a:t>Tamanho: 28pt</a:t>
+            </a:r>
+            <a:br>
+              <a:rPr lang="pt-PT" sz="1400" dirty="0"/>
+            </a:br>
+            <a:r>
+              <a:rPr lang="pt-PT" sz="1400" dirty="0"/>
+              <a:t>H2 em html?</a:t>
+            </a:r>
+          </a:p>
+        </p:txBody>
+      </p:sp>
+      <p:sp>
+        <p:nvSpPr>
+          <p:cNvPr id="27" name="CaixaDeTexto 26">
+            <a:extLst>
+              <a:ext uri="{FF2B5EF4-FFF2-40B4-BE49-F238E27FC236}">
+                <a16:creationId xmlns:a16="http://schemas.microsoft.com/office/drawing/2014/main" id="{2E82B745-6F81-44AD-9232-172173DAF5F0}"/>
+              </a:ext>
+            </a:extLst>
+          </p:cNvPr>
+          <p:cNvSpPr txBox="1"/>
+          <p:nvPr/>
+        </p:nvSpPr>
+        <p:spPr>
+          <a:xfrm>
+            <a:off x="2705622" y="5473874"/>
+            <a:ext cx="7828767" cy="1200329"/>
+          </a:xfrm>
+          <a:prstGeom prst="rect">
+            <a:avLst/>
+          </a:prstGeom>
+          <a:noFill/>
+        </p:spPr>
+        <p:txBody>
+          <a:bodyPr wrap="square" rtlCol="0">
+            <a:spAutoFit/>
+          </a:bodyPr>
+          <a:lstStyle/>
+          <a:p>
+            <a:r>
+              <a:rPr lang="pt-PT" dirty="0"/>
+              <a:t>Texto: </a:t>
+            </a:r>
+            <a:br>
+              <a:rPr lang="pt-PT" dirty="0"/>
+            </a:br>
+            <a:r>
+              <a:rPr lang="pt-PT" dirty="0"/>
+              <a:t>Font: </a:t>
+            </a:r>
+            <a:r>
+              <a:rPr lang="pt-PT" dirty="0" err="1"/>
+              <a:t>Arial</a:t>
+            </a:r>
+            <a:r>
+              <a:rPr lang="pt-PT" dirty="0"/>
+              <a:t>, </a:t>
+            </a:r>
+            <a:r>
+              <a:rPr lang="pt-PT" dirty="0" err="1"/>
+              <a:t>Helvetica</a:t>
+            </a:r>
+            <a:br>
+              <a:rPr lang="pt-PT" dirty="0"/>
+            </a:br>
+            <a:r>
+              <a:rPr lang="pt-PT" dirty="0"/>
+              <a:t>tamanho: 12pt</a:t>
+            </a:r>
+            <a:br>
+              <a:rPr lang="pt-PT" dirty="0"/>
+            </a:br>
+            <a:r>
+              <a:rPr lang="pt-PT" dirty="0"/>
+              <a:t>Justificado</a:t>
+            </a:r>
+          </a:p>
+        </p:txBody>
+      </p:sp>
+      <p:sp>
+        <p:nvSpPr>
+          <p:cNvPr id="19" name="Retângulo 18">
+            <a:extLst>
+              <a:ext uri="{FF2B5EF4-FFF2-40B4-BE49-F238E27FC236}">
+                <a16:creationId xmlns:a16="http://schemas.microsoft.com/office/drawing/2014/main" id="{D8481C80-44AA-4F90-9E9B-8B599FDE3DBB}"/>
               </a:ext>
             </a:extLst>
           </p:cNvPr>
@@ -6637,7 +6306,7 @@
         </p:nvSpPr>
         <p:spPr>
           <a:xfrm>
-            <a:off x="1878279" y="650868"/>
+            <a:off x="1891193" y="682682"/>
             <a:ext cx="9317275" cy="438411"/>
           </a:xfrm>
           <a:prstGeom prst="rect">
@@ -6683,10 +6352,10 @@
       </p:sp>
       <p:sp>
         <p:nvSpPr>
-          <p:cNvPr id="5" name="CaixaDeTexto 4">
-            <a:extLst>
-              <a:ext uri="{FF2B5EF4-FFF2-40B4-BE49-F238E27FC236}">
-                <a16:creationId xmlns:a16="http://schemas.microsoft.com/office/drawing/2014/main" id="{9B8F34BE-D8B6-4BAF-8B56-998FB2F9293B}"/>
+          <p:cNvPr id="20" name="CaixaDeTexto 19">
+            <a:extLst>
+              <a:ext uri="{FF2B5EF4-FFF2-40B4-BE49-F238E27FC236}">
+                <a16:creationId xmlns:a16="http://schemas.microsoft.com/office/drawing/2014/main" id="{FE724011-1F5E-46D2-A9DD-B1202C21A87D}"/>
               </a:ext>
             </a:extLst>
           </p:cNvPr>
@@ -6695,7 +6364,7 @@
         </p:nvSpPr>
         <p:spPr>
           <a:xfrm>
-            <a:off x="2078691" y="729195"/>
+            <a:off x="2091605" y="747998"/>
             <a:ext cx="1791849" cy="276999"/>
           </a:xfrm>
           <a:prstGeom prst="rect">
@@ -6724,10 +6393,10 @@
       </p:sp>
       <p:sp>
         <p:nvSpPr>
-          <p:cNvPr id="6" name="Retângulo 5">
-            <a:extLst>
-              <a:ext uri="{FF2B5EF4-FFF2-40B4-BE49-F238E27FC236}">
-                <a16:creationId xmlns:a16="http://schemas.microsoft.com/office/drawing/2014/main" id="{1598D755-3DAB-4315-82C8-9152EB500191}"/>
+          <p:cNvPr id="22" name="Retângulo 21">
+            <a:extLst>
+              <a:ext uri="{FF2B5EF4-FFF2-40B4-BE49-F238E27FC236}">
+                <a16:creationId xmlns:a16="http://schemas.microsoft.com/office/drawing/2014/main" id="{7B3F4F6C-0949-4D27-839A-CD8832C5E145}"/>
               </a:ext>
             </a:extLst>
           </p:cNvPr>
@@ -6736,21 +6405,15 @@
         </p:nvSpPr>
         <p:spPr>
           <a:xfrm>
-            <a:off x="8367335" y="648488"/>
-            <a:ext cx="1002082" cy="438411"/>
-          </a:xfrm>
-          <a:prstGeom prst="rect">
-            <a:avLst/>
-          </a:prstGeom>
-          <a:solidFill>
-            <a:schemeClr val="accent3">
-              <a:lumMod val="75000"/>
-            </a:schemeClr>
-          </a:solidFill>
-          <a:ln w="57150">
-            <a:solidFill>
-              <a:srgbClr val="DDC6B1"/>
-            </a:solidFill>
+            <a:off x="7567920" y="682682"/>
+            <a:ext cx="851769" cy="438411"/>
+          </a:xfrm>
+          <a:prstGeom prst="rect">
+            <a:avLst/>
+          </a:prstGeom>
+          <a:noFill/>
+          <a:ln w="12700">
+            <a:noFill/>
           </a:ln>
         </p:spPr>
         <p:style>
@@ -6775,21 +6438,18 @@
           <a:p>
             <a:pPr algn="ctr"/>
             <a:r>
-              <a:rPr lang="pt-PT" sz="1200" dirty="0">
-                <a:latin typeface="Lato" panose="020F0502020204030203" pitchFamily="34" charset="0"/>
-                <a:cs typeface="Lato" panose="020F0502020204030203" pitchFamily="34" charset="0"/>
-              </a:rPr>
-              <a:t>Minha Experiência</a:t>
-            </a:r>
-          </a:p>
-        </p:txBody>
-      </p:sp>
-      <p:sp>
-        <p:nvSpPr>
-          <p:cNvPr id="7" name="Retângulo 6">
-            <a:extLst>
-              <a:ext uri="{FF2B5EF4-FFF2-40B4-BE49-F238E27FC236}">
-                <a16:creationId xmlns:a16="http://schemas.microsoft.com/office/drawing/2014/main" id="{CEFE3F5E-BBB6-4B5C-8F34-CC31B85DC9E8}"/>
+              <a:rPr lang="pt-PT" sz="1200" dirty="0"/>
+              <a:t>O que é?</a:t>
+            </a:r>
+          </a:p>
+        </p:txBody>
+      </p:sp>
+      <p:sp>
+        <p:nvSpPr>
+          <p:cNvPr id="23" name="Retângulo 22">
+            <a:extLst>
+              <a:ext uri="{FF2B5EF4-FFF2-40B4-BE49-F238E27FC236}">
+                <a16:creationId xmlns:a16="http://schemas.microsoft.com/office/drawing/2014/main" id="{60409AC7-FACE-43E3-A87D-52C436315700}"/>
               </a:ext>
             </a:extLst>
           </p:cNvPr>
@@ -6798,23 +6458,17 @@
         </p:nvSpPr>
         <p:spPr>
           <a:xfrm>
-            <a:off x="7494819" y="648488"/>
-            <a:ext cx="826643" cy="438411"/>
+            <a:off x="8427385" y="682682"/>
+            <a:ext cx="1002082" cy="438411"/>
           </a:xfrm>
           <a:prstGeom prst="rect">
             <a:avLst/>
           </a:prstGeom>
           <a:solidFill>
-            <a:schemeClr val="accent3">
-              <a:lumMod val="75000"/>
-            </a:schemeClr>
+            <a:srgbClr val="44546A"/>
           </a:solidFill>
           <a:ln>
-            <a:solidFill>
-              <a:schemeClr val="bg2">
-                <a:lumMod val="50000"/>
-              </a:schemeClr>
-            </a:solidFill>
+            <a:noFill/>
           </a:ln>
         </p:spPr>
         <p:style>
@@ -6839,21 +6493,18 @@
           <a:p>
             <a:pPr algn="ctr"/>
             <a:r>
-              <a:rPr lang="pt-PT" sz="1200" dirty="0">
-                <a:latin typeface="Lato" panose="020F0502020204030203" pitchFamily="34" charset="0"/>
-                <a:cs typeface="Lato" panose="020F0502020204030203" pitchFamily="34" charset="0"/>
-              </a:rPr>
-              <a:t>O que é?</a:t>
-            </a:r>
-          </a:p>
-        </p:txBody>
-      </p:sp>
-      <p:sp>
-        <p:nvSpPr>
-          <p:cNvPr id="8" name="Retângulo 7">
-            <a:extLst>
-              <a:ext uri="{FF2B5EF4-FFF2-40B4-BE49-F238E27FC236}">
-                <a16:creationId xmlns:a16="http://schemas.microsoft.com/office/drawing/2014/main" id="{AFE8AF0B-679A-4314-93A3-25E3B1009932}"/>
+              <a:rPr lang="pt-PT" sz="1200" dirty="0"/>
+              <a:t>Minha Experiencia</a:t>
+            </a:r>
+          </a:p>
+        </p:txBody>
+      </p:sp>
+      <p:sp>
+        <p:nvSpPr>
+          <p:cNvPr id="28" name="Retângulo 27">
+            <a:extLst>
+              <a:ext uri="{FF2B5EF4-FFF2-40B4-BE49-F238E27FC236}">
+                <a16:creationId xmlns:a16="http://schemas.microsoft.com/office/drawing/2014/main" id="{069480AD-F645-4403-8641-B9320259ECB9}"/>
               </a:ext>
             </a:extLst>
           </p:cNvPr>
@@ -6862,23 +6513,15 @@
         </p:nvSpPr>
         <p:spPr>
           <a:xfrm>
-            <a:off x="9402032" y="651353"/>
+            <a:off x="9444858" y="682682"/>
             <a:ext cx="851769" cy="438411"/>
           </a:xfrm>
           <a:prstGeom prst="rect">
             <a:avLst/>
           </a:prstGeom>
-          <a:solidFill>
-            <a:schemeClr val="accent3">
-              <a:lumMod val="75000"/>
-            </a:schemeClr>
-          </a:solidFill>
+          <a:noFill/>
           <a:ln>
-            <a:solidFill>
-              <a:schemeClr val="bg2">
-                <a:lumMod val="50000"/>
-              </a:schemeClr>
-            </a:solidFill>
+            <a:noFill/>
           </a:ln>
         </p:spPr>
         <p:style>
@@ -6903,10 +6546,7 @@
           <a:p>
             <a:pPr algn="ctr"/>
             <a:r>
-              <a:rPr lang="pt-PT" sz="1200" dirty="0">
-                <a:latin typeface="Lato" panose="020F0502020204030203" pitchFamily="34" charset="0"/>
-                <a:cs typeface="Lato" panose="020F0502020204030203" pitchFamily="34" charset="0"/>
-              </a:rPr>
+              <a:rPr lang="pt-PT" sz="1200" dirty="0"/>
               <a:t>Equipas</a:t>
             </a:r>
           </a:p>
@@ -6914,10 +6554,10 @@
       </p:sp>
       <p:sp>
         <p:nvSpPr>
-          <p:cNvPr id="9" name="Retângulo 8">
-            <a:extLst>
-              <a:ext uri="{FF2B5EF4-FFF2-40B4-BE49-F238E27FC236}">
-                <a16:creationId xmlns:a16="http://schemas.microsoft.com/office/drawing/2014/main" id="{1465D493-958B-410B-BCFA-9840194C85C6}"/>
+          <p:cNvPr id="29" name="Retângulo 28">
+            <a:extLst>
+              <a:ext uri="{FF2B5EF4-FFF2-40B4-BE49-F238E27FC236}">
+                <a16:creationId xmlns:a16="http://schemas.microsoft.com/office/drawing/2014/main" id="{01698593-EE7A-4337-962B-97A5EA294C48}"/>
               </a:ext>
             </a:extLst>
           </p:cNvPr>
@@ -6926,23 +6566,15 @@
         </p:nvSpPr>
         <p:spPr>
           <a:xfrm>
-            <a:off x="10266715" y="648488"/>
-            <a:ext cx="941753" cy="438411"/>
-          </a:xfrm>
-          <a:prstGeom prst="rect">
-            <a:avLst/>
-          </a:prstGeom>
-          <a:solidFill>
-            <a:schemeClr val="accent3">
-              <a:lumMod val="75000"/>
-            </a:schemeClr>
-          </a:solidFill>
+            <a:off x="10312019" y="682682"/>
+            <a:ext cx="896449" cy="438411"/>
+          </a:xfrm>
+          <a:prstGeom prst="rect">
+            <a:avLst/>
+          </a:prstGeom>
+          <a:noFill/>
           <a:ln>
-            <a:solidFill>
-              <a:schemeClr val="bg2">
-                <a:lumMod val="50000"/>
-              </a:schemeClr>
-            </a:solidFill>
+            <a:noFill/>
           </a:ln>
         </p:spPr>
         <p:style>
@@ -6967,455 +6599,8 @@
           <a:p>
             <a:pPr algn="ctr"/>
             <a:r>
-              <a:rPr lang="pt-PT" sz="1200" dirty="0">
-                <a:latin typeface="Lato" panose="020F0502020204030203" pitchFamily="34" charset="0"/>
-                <a:cs typeface="Lato" panose="020F0502020204030203" pitchFamily="34" charset="0"/>
-              </a:rPr>
+              <a:rPr lang="pt-PT" sz="1200" dirty="0"/>
               <a:t>Downloads</a:t>
-            </a:r>
-          </a:p>
-        </p:txBody>
-      </p:sp>
-      <p:pic>
-        <p:nvPicPr>
-          <p:cNvPr id="10" name="Imagem 9" descr="Uma imagem com texto, verme&#10;&#10;Descrição gerada automaticamente">
-            <a:extLst>
-              <a:ext uri="{FF2B5EF4-FFF2-40B4-BE49-F238E27FC236}">
-                <a16:creationId xmlns:a16="http://schemas.microsoft.com/office/drawing/2014/main" id="{DEDA43EE-1201-434A-86EB-35D4D5AA98E9}"/>
-              </a:ext>
-            </a:extLst>
-          </p:cNvPr>
-          <p:cNvPicPr>
-            <a:picLocks noChangeAspect="1"/>
-          </p:cNvPicPr>
-          <p:nvPr/>
-        </p:nvPicPr>
-        <p:blipFill>
-          <a:blip r:embed="rId3">
-            <a:extLst>
-              <a:ext uri="{28A0092B-C50C-407E-A947-70E740481C1C}">
-                <a14:useLocalDpi xmlns:a14="http://schemas.microsoft.com/office/drawing/2010/main" val="0"/>
-              </a:ext>
-            </a:extLst>
-          </a:blip>
-          <a:stretch>
-            <a:fillRect/>
-          </a:stretch>
-        </p:blipFill>
-        <p:spPr>
-          <a:xfrm rot="20117334">
-            <a:off x="4682168" y="348768"/>
-            <a:ext cx="1370419" cy="1037851"/>
-          </a:xfrm>
-          <a:prstGeom prst="rect">
-            <a:avLst/>
-          </a:prstGeom>
-        </p:spPr>
-      </p:pic>
-      <p:pic>
-        <p:nvPicPr>
-          <p:cNvPr id="3" name="Imagem 2" descr="Uma imagem com texto&#10;&#10;Descrição gerada automaticamente">
-            <a:extLst>
-              <a:ext uri="{FF2B5EF4-FFF2-40B4-BE49-F238E27FC236}">
-                <a16:creationId xmlns:a16="http://schemas.microsoft.com/office/drawing/2014/main" id="{024E6994-3ED6-4384-8188-2D7E9FC0742F}"/>
-              </a:ext>
-            </a:extLst>
-          </p:cNvPr>
-          <p:cNvPicPr>
-            <a:picLocks noChangeAspect="1"/>
-          </p:cNvPicPr>
-          <p:nvPr/>
-        </p:nvPicPr>
-        <p:blipFill>
-          <a:blip r:embed="rId4">
-            <a:extLst>
-              <a:ext uri="{28A0092B-C50C-407E-A947-70E740481C1C}">
-                <a14:useLocalDpi xmlns:a14="http://schemas.microsoft.com/office/drawing/2010/main" val="0"/>
-              </a:ext>
-            </a:extLst>
-          </a:blip>
-          <a:stretch>
-            <a:fillRect/>
-          </a:stretch>
-        </p:blipFill>
-        <p:spPr>
-          <a:xfrm>
-            <a:off x="3091622" y="1576327"/>
-            <a:ext cx="994190" cy="1320488"/>
-          </a:xfrm>
-          <a:prstGeom prst="rect">
-            <a:avLst/>
-          </a:prstGeom>
-        </p:spPr>
-      </p:pic>
-      <p:sp>
-        <p:nvSpPr>
-          <p:cNvPr id="11" name="CaixaDeTexto 10">
-            <a:extLst>
-              <a:ext uri="{FF2B5EF4-FFF2-40B4-BE49-F238E27FC236}">
-                <a16:creationId xmlns:a16="http://schemas.microsoft.com/office/drawing/2014/main" id="{460A2775-7848-4225-AB76-169FC082497D}"/>
-              </a:ext>
-            </a:extLst>
-          </p:cNvPr>
-          <p:cNvSpPr txBox="1"/>
-          <p:nvPr/>
-        </p:nvSpPr>
-        <p:spPr>
-          <a:xfrm>
-            <a:off x="3750263" y="3383378"/>
-            <a:ext cx="5599134" cy="1169551"/>
-          </a:xfrm>
-          <a:prstGeom prst="rect">
-            <a:avLst/>
-          </a:prstGeom>
-          <a:noFill/>
-        </p:spPr>
-        <p:txBody>
-          <a:bodyPr wrap="square" rtlCol="0">
-            <a:spAutoFit/>
-          </a:bodyPr>
-          <a:lstStyle/>
-          <a:p>
-            <a:pPr algn="just"/>
-            <a:r>
-              <a:rPr lang="pt-PT" sz="1400" dirty="0">
-                <a:latin typeface="Times New Roman" panose="02020603050405020304" pitchFamily="18" charset="0"/>
-                <a:cs typeface="Times New Roman" panose="02020603050405020304" pitchFamily="18" charset="0"/>
-              </a:rPr>
-              <a:t>Esta foi a casa que me acolheu durante todos esses anos como jogador e à qual devo todo o meu desenvolvimento durante essa etapa.</a:t>
-            </a:r>
-            <a:br>
-              <a:rPr lang="pt-PT" sz="1400" dirty="0">
-                <a:latin typeface="Times New Roman" panose="02020603050405020304" pitchFamily="18" charset="0"/>
-                <a:cs typeface="Times New Roman" panose="02020603050405020304" pitchFamily="18" charset="0"/>
-              </a:rPr>
-            </a:br>
-            <a:r>
-              <a:rPr lang="pt-PT" sz="1400" dirty="0">
-                <a:latin typeface="Times New Roman" panose="02020603050405020304" pitchFamily="18" charset="0"/>
-                <a:cs typeface="Times New Roman" panose="02020603050405020304" pitchFamily="18" charset="0"/>
-              </a:rPr>
-              <a:t>Foi aqui que criei memorias e relações que ultrapassaram as fronteiras de colegas de equipa, treinadores e assistentes, formando assim uma grande família. </a:t>
-            </a:r>
-          </a:p>
-        </p:txBody>
-      </p:sp>
-      <p:sp>
-        <p:nvSpPr>
-          <p:cNvPr id="13" name="CaixaDeTexto 12">
-            <a:extLst>
-              <a:ext uri="{FF2B5EF4-FFF2-40B4-BE49-F238E27FC236}">
-                <a16:creationId xmlns:a16="http://schemas.microsoft.com/office/drawing/2014/main" id="{5E414EBF-395F-4C44-A781-BC1AD729F068}"/>
-              </a:ext>
-            </a:extLst>
-          </p:cNvPr>
-          <p:cNvSpPr txBox="1"/>
-          <p:nvPr/>
-        </p:nvSpPr>
-        <p:spPr>
-          <a:xfrm>
-            <a:off x="4279275" y="1974961"/>
-            <a:ext cx="5378292" cy="523220"/>
-          </a:xfrm>
-          <a:prstGeom prst="rect">
-            <a:avLst/>
-          </a:prstGeom>
-          <a:noFill/>
-        </p:spPr>
-        <p:txBody>
-          <a:bodyPr wrap="square" rtlCol="0">
-            <a:spAutoFit/>
-          </a:bodyPr>
-          <a:lstStyle/>
-          <a:p>
-            <a:r>
-              <a:rPr lang="pt-PT" sz="2800" b="1" dirty="0">
-                <a:latin typeface="Aharoni" panose="020B0604020202020204" pitchFamily="2" charset="-79"/>
-                <a:cs typeface="Aharoni" panose="020B0604020202020204" pitchFamily="2" charset="-79"/>
-              </a:rPr>
-              <a:t>Clube Académico de Bragança</a:t>
-            </a:r>
-          </a:p>
-        </p:txBody>
-      </p:sp>
-      <p:cxnSp>
-        <p:nvCxnSpPr>
-          <p:cNvPr id="17" name="Conexão reta unidirecional 16">
-            <a:extLst>
-              <a:ext uri="{FF2B5EF4-FFF2-40B4-BE49-F238E27FC236}">
-                <a16:creationId xmlns:a16="http://schemas.microsoft.com/office/drawing/2014/main" id="{3ACF927B-C421-40DF-B963-F94A810BEDE5}"/>
-              </a:ext>
-            </a:extLst>
-          </p:cNvPr>
-          <p:cNvCxnSpPr/>
-          <p:nvPr/>
-        </p:nvCxnSpPr>
-        <p:spPr>
-          <a:xfrm>
-            <a:off x="3091622" y="1625547"/>
-            <a:ext cx="0" cy="1271268"/>
-          </a:xfrm>
-          <a:prstGeom prst="straightConnector1">
-            <a:avLst/>
-          </a:prstGeom>
-          <a:ln>
-            <a:headEnd type="triangle"/>
-            <a:tailEnd type="triangle"/>
-          </a:ln>
-        </p:spPr>
-        <p:style>
-          <a:lnRef idx="1">
-            <a:schemeClr val="accent1"/>
-          </a:lnRef>
-          <a:fillRef idx="0">
-            <a:schemeClr val="accent1"/>
-          </a:fillRef>
-          <a:effectRef idx="0">
-            <a:schemeClr val="accent1"/>
-          </a:effectRef>
-          <a:fontRef idx="minor">
-            <a:schemeClr val="tx1"/>
-          </a:fontRef>
-        </p:style>
-      </p:cxnSp>
-      <p:cxnSp>
-        <p:nvCxnSpPr>
-          <p:cNvPr id="21" name="Conexão reta unidirecional 20">
-            <a:extLst>
-              <a:ext uri="{FF2B5EF4-FFF2-40B4-BE49-F238E27FC236}">
-                <a16:creationId xmlns:a16="http://schemas.microsoft.com/office/drawing/2014/main" id="{2B4BD59C-C5D6-4DF6-98B1-551CA3100C01}"/>
-              </a:ext>
-            </a:extLst>
-          </p:cNvPr>
-          <p:cNvCxnSpPr/>
-          <p:nvPr/>
-        </p:nvCxnSpPr>
-        <p:spPr>
-          <a:xfrm>
-            <a:off x="3091622" y="1576327"/>
-            <a:ext cx="879129" cy="0"/>
-          </a:xfrm>
-          <a:prstGeom prst="straightConnector1">
-            <a:avLst/>
-          </a:prstGeom>
-          <a:ln>
-            <a:headEnd type="triangle"/>
-            <a:tailEnd type="triangle"/>
-          </a:ln>
-        </p:spPr>
-        <p:style>
-          <a:lnRef idx="1">
-            <a:schemeClr val="accent1"/>
-          </a:lnRef>
-          <a:fillRef idx="0">
-            <a:schemeClr val="accent1"/>
-          </a:fillRef>
-          <a:effectRef idx="0">
-            <a:schemeClr val="accent1"/>
-          </a:effectRef>
-          <a:fontRef idx="minor">
-            <a:schemeClr val="tx1"/>
-          </a:fontRef>
-        </p:style>
-      </p:cxnSp>
-      <p:sp>
-        <p:nvSpPr>
-          <p:cNvPr id="24" name="CaixaDeTexto 23">
-            <a:extLst>
-              <a:ext uri="{FF2B5EF4-FFF2-40B4-BE49-F238E27FC236}">
-                <a16:creationId xmlns:a16="http://schemas.microsoft.com/office/drawing/2014/main" id="{0CBBF18F-4034-42EA-A08B-2B054917A956}"/>
-              </a:ext>
-            </a:extLst>
-          </p:cNvPr>
-          <p:cNvSpPr txBox="1"/>
-          <p:nvPr/>
-        </p:nvSpPr>
-        <p:spPr>
-          <a:xfrm>
-            <a:off x="2705622" y="1974961"/>
-            <a:ext cx="385998" cy="369332"/>
-          </a:xfrm>
-          <a:prstGeom prst="rect">
-            <a:avLst/>
-          </a:prstGeom>
-          <a:noFill/>
-        </p:spPr>
-        <p:txBody>
-          <a:bodyPr wrap="square" rtlCol="0">
-            <a:spAutoFit/>
-          </a:bodyPr>
-          <a:lstStyle/>
-          <a:p>
-            <a:r>
-              <a:rPr lang="pt-PT" dirty="0"/>
-              <a:t>Y</a:t>
-            </a:r>
-          </a:p>
-        </p:txBody>
-      </p:sp>
-      <p:sp>
-        <p:nvSpPr>
-          <p:cNvPr id="25" name="CaixaDeTexto 24">
-            <a:extLst>
-              <a:ext uri="{FF2B5EF4-FFF2-40B4-BE49-F238E27FC236}">
-                <a16:creationId xmlns:a16="http://schemas.microsoft.com/office/drawing/2014/main" id="{DB95423D-8B10-4CD9-96F6-5737CB10F533}"/>
-              </a:ext>
-            </a:extLst>
-          </p:cNvPr>
-          <p:cNvSpPr txBox="1"/>
-          <p:nvPr/>
-        </p:nvSpPr>
-        <p:spPr>
-          <a:xfrm>
-            <a:off x="3272181" y="1242987"/>
-            <a:ext cx="713984" cy="369332"/>
-          </a:xfrm>
-          <a:prstGeom prst="rect">
-            <a:avLst/>
-          </a:prstGeom>
-          <a:noFill/>
-        </p:spPr>
-        <p:txBody>
-          <a:bodyPr wrap="square" rtlCol="0">
-            <a:spAutoFit/>
-          </a:bodyPr>
-          <a:lstStyle/>
-          <a:p>
-            <a:r>
-              <a:rPr lang="pt-PT" dirty="0"/>
-              <a:t>¾ Y</a:t>
-            </a:r>
-          </a:p>
-        </p:txBody>
-      </p:sp>
-      <p:sp>
-        <p:nvSpPr>
-          <p:cNvPr id="26" name="CaixaDeTexto 25">
-            <a:extLst>
-              <a:ext uri="{FF2B5EF4-FFF2-40B4-BE49-F238E27FC236}">
-                <a16:creationId xmlns:a16="http://schemas.microsoft.com/office/drawing/2014/main" id="{E24F5397-12E8-459E-946B-6F0AAE817BB9}"/>
-              </a:ext>
-            </a:extLst>
-          </p:cNvPr>
-          <p:cNvSpPr txBox="1"/>
-          <p:nvPr/>
-        </p:nvSpPr>
-        <p:spPr>
-          <a:xfrm>
-            <a:off x="216925" y="275573"/>
-            <a:ext cx="1528111" cy="954107"/>
-          </a:xfrm>
-          <a:prstGeom prst="rect">
-            <a:avLst/>
-          </a:prstGeom>
-          <a:noFill/>
-        </p:spPr>
-        <p:txBody>
-          <a:bodyPr wrap="square" rtlCol="0">
-            <a:spAutoFit/>
-          </a:bodyPr>
-          <a:lstStyle/>
-          <a:p>
-            <a:r>
-              <a:rPr lang="pt-PT" sz="1400" dirty="0" err="1"/>
-              <a:t>Header</a:t>
-            </a:r>
-            <a:r>
-              <a:rPr lang="pt-PT" sz="1400" dirty="0"/>
-              <a:t>: </a:t>
-            </a:r>
-            <a:br>
-              <a:rPr lang="pt-PT" sz="1400" dirty="0"/>
-            </a:br>
-            <a:r>
-              <a:rPr lang="pt-PT" sz="1400" dirty="0"/>
-              <a:t>Font: </a:t>
-            </a:r>
-            <a:r>
-              <a:rPr lang="pt-PT" sz="1400" dirty="0" err="1"/>
-              <a:t>Aharoni</a:t>
-            </a:r>
-            <a:br>
-              <a:rPr lang="pt-PT" sz="1400" dirty="0"/>
-            </a:br>
-            <a:r>
-              <a:rPr lang="pt-PT" sz="1400" dirty="0"/>
-              <a:t>Tamanho: 28pt</a:t>
-            </a:r>
-            <a:br>
-              <a:rPr lang="pt-PT" sz="1400" dirty="0"/>
-            </a:br>
-            <a:r>
-              <a:rPr lang="pt-PT" sz="1400" dirty="0"/>
-              <a:t>H2 em html?</a:t>
-            </a:r>
-          </a:p>
-        </p:txBody>
-      </p:sp>
-      <p:sp>
-        <p:nvSpPr>
-          <p:cNvPr id="27" name="CaixaDeTexto 26">
-            <a:extLst>
-              <a:ext uri="{FF2B5EF4-FFF2-40B4-BE49-F238E27FC236}">
-                <a16:creationId xmlns:a16="http://schemas.microsoft.com/office/drawing/2014/main" id="{2E82B745-6F81-44AD-9232-172173DAF5F0}"/>
-              </a:ext>
-            </a:extLst>
-          </p:cNvPr>
-          <p:cNvSpPr txBox="1"/>
-          <p:nvPr/>
-        </p:nvSpPr>
-        <p:spPr>
-          <a:xfrm>
-            <a:off x="2705622" y="5473874"/>
-            <a:ext cx="7828767" cy="1200329"/>
-          </a:xfrm>
-          <a:prstGeom prst="rect">
-            <a:avLst/>
-          </a:prstGeom>
-          <a:noFill/>
-        </p:spPr>
-        <p:txBody>
-          <a:bodyPr wrap="square" rtlCol="0">
-            <a:spAutoFit/>
-          </a:bodyPr>
-          <a:lstStyle/>
-          <a:p>
-            <a:r>
-              <a:rPr lang="pt-PT" dirty="0"/>
-              <a:t>Texto: </a:t>
-            </a:r>
-            <a:br>
-              <a:rPr lang="pt-PT" dirty="0"/>
-            </a:br>
-            <a:r>
-              <a:rPr lang="pt-PT" dirty="0"/>
-              <a:t>Font: Times </a:t>
-            </a:r>
-            <a:r>
-              <a:rPr lang="pt-PT" dirty="0" err="1"/>
-              <a:t>new</a:t>
-            </a:r>
-            <a:r>
-              <a:rPr lang="pt-PT" dirty="0"/>
-              <a:t> </a:t>
-            </a:r>
-            <a:r>
-              <a:rPr lang="pt-PT" dirty="0" err="1"/>
-              <a:t>roman</a:t>
-            </a:r>
-            <a:br>
-              <a:rPr lang="pt-PT" dirty="0"/>
-            </a:br>
-            <a:r>
-              <a:rPr lang="pt-PT" dirty="0"/>
-              <a:t>tamanho: 12pt</a:t>
-            </a:r>
-            <a:br>
-              <a:rPr lang="pt-PT" dirty="0"/>
-            </a:br>
-            <a:r>
-              <a:rPr lang="pt-PT" dirty="0"/>
-              <a:t>Justificado</a:t>
             </a:r>
           </a:p>
         </p:txBody>
@@ -7488,395 +6673,6 @@
       </p:pic>
       <p:sp>
         <p:nvSpPr>
-          <p:cNvPr id="4" name="Retângulo 3">
-            <a:extLst>
-              <a:ext uri="{FF2B5EF4-FFF2-40B4-BE49-F238E27FC236}">
-                <a16:creationId xmlns:a16="http://schemas.microsoft.com/office/drawing/2014/main" id="{F30834A1-1CFB-4922-9069-6347ABAD06D4}"/>
-              </a:ext>
-            </a:extLst>
-          </p:cNvPr>
-          <p:cNvSpPr/>
-          <p:nvPr/>
-        </p:nvSpPr>
-        <p:spPr>
-          <a:xfrm>
-            <a:off x="1878279" y="650868"/>
-            <a:ext cx="9317275" cy="438411"/>
-          </a:xfrm>
-          <a:prstGeom prst="rect">
-            <a:avLst/>
-          </a:prstGeom>
-          <a:solidFill>
-            <a:schemeClr val="bg2">
-              <a:lumMod val="25000"/>
-            </a:schemeClr>
-          </a:solidFill>
-          <a:ln>
-            <a:solidFill>
-              <a:schemeClr val="bg2">
-                <a:lumMod val="25000"/>
-              </a:schemeClr>
-            </a:solidFill>
-          </a:ln>
-        </p:spPr>
-        <p:style>
-          <a:lnRef idx="2">
-            <a:schemeClr val="accent1">
-              <a:shade val="50000"/>
-            </a:schemeClr>
-          </a:lnRef>
-          <a:fillRef idx="1">
-            <a:schemeClr val="accent1"/>
-          </a:fillRef>
-          <a:effectRef idx="0">
-            <a:schemeClr val="accent1"/>
-          </a:effectRef>
-          <a:fontRef idx="minor">
-            <a:schemeClr val="lt1"/>
-          </a:fontRef>
-        </p:style>
-        <p:txBody>
-          <a:bodyPr rtlCol="0" anchor="ctr"/>
-          <a:lstStyle/>
-          <a:p>
-            <a:pPr algn="ctr"/>
-            <a:endParaRPr lang="pt-PT" dirty="0"/>
-          </a:p>
-        </p:txBody>
-      </p:sp>
-      <p:sp>
-        <p:nvSpPr>
-          <p:cNvPr id="5" name="CaixaDeTexto 4">
-            <a:extLst>
-              <a:ext uri="{FF2B5EF4-FFF2-40B4-BE49-F238E27FC236}">
-                <a16:creationId xmlns:a16="http://schemas.microsoft.com/office/drawing/2014/main" id="{9B8F34BE-D8B6-4BAF-8B56-998FB2F9293B}"/>
-              </a:ext>
-            </a:extLst>
-          </p:cNvPr>
-          <p:cNvSpPr txBox="1"/>
-          <p:nvPr/>
-        </p:nvSpPr>
-        <p:spPr>
-          <a:xfrm>
-            <a:off x="2078691" y="729195"/>
-            <a:ext cx="1791849" cy="276999"/>
-          </a:xfrm>
-          <a:prstGeom prst="rect">
-            <a:avLst/>
-          </a:prstGeom>
-          <a:noFill/>
-        </p:spPr>
-        <p:txBody>
-          <a:bodyPr wrap="square" rtlCol="0">
-            <a:spAutoFit/>
-          </a:bodyPr>
-          <a:lstStyle/>
-          <a:p>
-            <a:r>
-              <a:rPr lang="pt-PT" sz="1200" dirty="0">
-                <a:solidFill>
-                  <a:schemeClr val="bg1"/>
-                </a:solidFill>
-                <a:latin typeface="Lato" panose="020F0502020204030203" pitchFamily="34" charset="0"/>
-                <a:cs typeface="Lato" panose="020F0502020204030203" pitchFamily="34" charset="0"/>
-              </a:rPr>
-              <a:t>Hóquei em patins</a:t>
-            </a:r>
-          </a:p>
-        </p:txBody>
-      </p:sp>
-      <p:sp>
-        <p:nvSpPr>
-          <p:cNvPr id="6" name="Retângulo 5">
-            <a:extLst>
-              <a:ext uri="{FF2B5EF4-FFF2-40B4-BE49-F238E27FC236}">
-                <a16:creationId xmlns:a16="http://schemas.microsoft.com/office/drawing/2014/main" id="{1598D755-3DAB-4315-82C8-9152EB500191}"/>
-              </a:ext>
-            </a:extLst>
-          </p:cNvPr>
-          <p:cNvSpPr/>
-          <p:nvPr/>
-        </p:nvSpPr>
-        <p:spPr>
-          <a:xfrm>
-            <a:off x="8367335" y="648488"/>
-            <a:ext cx="1002082" cy="438411"/>
-          </a:xfrm>
-          <a:prstGeom prst="rect">
-            <a:avLst/>
-          </a:prstGeom>
-          <a:solidFill>
-            <a:schemeClr val="accent3">
-              <a:lumMod val="75000"/>
-            </a:schemeClr>
-          </a:solidFill>
-          <a:ln w="57150">
-            <a:solidFill>
-              <a:srgbClr val="DDC6B1"/>
-            </a:solidFill>
-          </a:ln>
-        </p:spPr>
-        <p:style>
-          <a:lnRef idx="2">
-            <a:schemeClr val="accent1">
-              <a:shade val="50000"/>
-            </a:schemeClr>
-          </a:lnRef>
-          <a:fillRef idx="1">
-            <a:schemeClr val="accent1"/>
-          </a:fillRef>
-          <a:effectRef idx="0">
-            <a:schemeClr val="accent1"/>
-          </a:effectRef>
-          <a:fontRef idx="minor">
-            <a:schemeClr val="lt1"/>
-          </a:fontRef>
-        </p:style>
-        <p:txBody>
-          <a:bodyPr rtlCol="0" anchor="ctr"/>
-          <a:lstStyle/>
-          <a:p>
-            <a:pPr algn="ctr"/>
-            <a:r>
-              <a:rPr lang="pt-PT" sz="1200" dirty="0">
-                <a:latin typeface="Lato" panose="020F0502020204030203" pitchFamily="34" charset="0"/>
-                <a:cs typeface="Lato" panose="020F0502020204030203" pitchFamily="34" charset="0"/>
-              </a:rPr>
-              <a:t>Minha Experiência</a:t>
-            </a:r>
-          </a:p>
-        </p:txBody>
-      </p:sp>
-      <p:sp>
-        <p:nvSpPr>
-          <p:cNvPr id="7" name="Retângulo 6">
-            <a:extLst>
-              <a:ext uri="{FF2B5EF4-FFF2-40B4-BE49-F238E27FC236}">
-                <a16:creationId xmlns:a16="http://schemas.microsoft.com/office/drawing/2014/main" id="{CEFE3F5E-BBB6-4B5C-8F34-CC31B85DC9E8}"/>
-              </a:ext>
-            </a:extLst>
-          </p:cNvPr>
-          <p:cNvSpPr/>
-          <p:nvPr/>
-        </p:nvSpPr>
-        <p:spPr>
-          <a:xfrm>
-            <a:off x="7494819" y="648488"/>
-            <a:ext cx="826643" cy="438411"/>
-          </a:xfrm>
-          <a:prstGeom prst="rect">
-            <a:avLst/>
-          </a:prstGeom>
-          <a:solidFill>
-            <a:schemeClr val="accent3">
-              <a:lumMod val="75000"/>
-            </a:schemeClr>
-          </a:solidFill>
-          <a:ln>
-            <a:solidFill>
-              <a:schemeClr val="bg2">
-                <a:lumMod val="50000"/>
-              </a:schemeClr>
-            </a:solidFill>
-          </a:ln>
-        </p:spPr>
-        <p:style>
-          <a:lnRef idx="2">
-            <a:schemeClr val="accent1">
-              <a:shade val="50000"/>
-            </a:schemeClr>
-          </a:lnRef>
-          <a:fillRef idx="1">
-            <a:schemeClr val="accent1"/>
-          </a:fillRef>
-          <a:effectRef idx="0">
-            <a:schemeClr val="accent1"/>
-          </a:effectRef>
-          <a:fontRef idx="minor">
-            <a:schemeClr val="lt1"/>
-          </a:fontRef>
-        </p:style>
-        <p:txBody>
-          <a:bodyPr rtlCol="0" anchor="ctr"/>
-          <a:lstStyle/>
-          <a:p>
-            <a:pPr algn="ctr"/>
-            <a:r>
-              <a:rPr lang="pt-PT" sz="1200" dirty="0">
-                <a:latin typeface="Lato" panose="020F0502020204030203" pitchFamily="34" charset="0"/>
-                <a:cs typeface="Lato" panose="020F0502020204030203" pitchFamily="34" charset="0"/>
-              </a:rPr>
-              <a:t>O que é?</a:t>
-            </a:r>
-          </a:p>
-        </p:txBody>
-      </p:sp>
-      <p:sp>
-        <p:nvSpPr>
-          <p:cNvPr id="8" name="Retângulo 7">
-            <a:extLst>
-              <a:ext uri="{FF2B5EF4-FFF2-40B4-BE49-F238E27FC236}">
-                <a16:creationId xmlns:a16="http://schemas.microsoft.com/office/drawing/2014/main" id="{AFE8AF0B-679A-4314-93A3-25E3B1009932}"/>
-              </a:ext>
-            </a:extLst>
-          </p:cNvPr>
-          <p:cNvSpPr/>
-          <p:nvPr/>
-        </p:nvSpPr>
-        <p:spPr>
-          <a:xfrm>
-            <a:off x="9402032" y="651353"/>
-            <a:ext cx="851769" cy="438411"/>
-          </a:xfrm>
-          <a:prstGeom prst="rect">
-            <a:avLst/>
-          </a:prstGeom>
-          <a:solidFill>
-            <a:schemeClr val="accent3">
-              <a:lumMod val="75000"/>
-            </a:schemeClr>
-          </a:solidFill>
-          <a:ln>
-            <a:solidFill>
-              <a:schemeClr val="bg2">
-                <a:lumMod val="50000"/>
-              </a:schemeClr>
-            </a:solidFill>
-          </a:ln>
-        </p:spPr>
-        <p:style>
-          <a:lnRef idx="2">
-            <a:schemeClr val="accent1">
-              <a:shade val="50000"/>
-            </a:schemeClr>
-          </a:lnRef>
-          <a:fillRef idx="1">
-            <a:schemeClr val="accent1"/>
-          </a:fillRef>
-          <a:effectRef idx="0">
-            <a:schemeClr val="accent1"/>
-          </a:effectRef>
-          <a:fontRef idx="minor">
-            <a:schemeClr val="lt1"/>
-          </a:fontRef>
-        </p:style>
-        <p:txBody>
-          <a:bodyPr rtlCol="0" anchor="ctr"/>
-          <a:lstStyle/>
-          <a:p>
-            <a:pPr algn="ctr"/>
-            <a:r>
-              <a:rPr lang="pt-PT" sz="1200" dirty="0">
-                <a:latin typeface="Lato" panose="020F0502020204030203" pitchFamily="34" charset="0"/>
-                <a:cs typeface="Lato" panose="020F0502020204030203" pitchFamily="34" charset="0"/>
-              </a:rPr>
-              <a:t>Equipas</a:t>
-            </a:r>
-          </a:p>
-        </p:txBody>
-      </p:sp>
-      <p:sp>
-        <p:nvSpPr>
-          <p:cNvPr id="9" name="Retângulo 8">
-            <a:extLst>
-              <a:ext uri="{FF2B5EF4-FFF2-40B4-BE49-F238E27FC236}">
-                <a16:creationId xmlns:a16="http://schemas.microsoft.com/office/drawing/2014/main" id="{1465D493-958B-410B-BCFA-9840194C85C6}"/>
-              </a:ext>
-            </a:extLst>
-          </p:cNvPr>
-          <p:cNvSpPr/>
-          <p:nvPr/>
-        </p:nvSpPr>
-        <p:spPr>
-          <a:xfrm>
-            <a:off x="10266715" y="648488"/>
-            <a:ext cx="941753" cy="438411"/>
-          </a:xfrm>
-          <a:prstGeom prst="rect">
-            <a:avLst/>
-          </a:prstGeom>
-          <a:solidFill>
-            <a:schemeClr val="accent3">
-              <a:lumMod val="75000"/>
-            </a:schemeClr>
-          </a:solidFill>
-          <a:ln>
-            <a:solidFill>
-              <a:schemeClr val="bg2">
-                <a:lumMod val="50000"/>
-              </a:schemeClr>
-            </a:solidFill>
-          </a:ln>
-        </p:spPr>
-        <p:style>
-          <a:lnRef idx="2">
-            <a:schemeClr val="accent1">
-              <a:shade val="50000"/>
-            </a:schemeClr>
-          </a:lnRef>
-          <a:fillRef idx="1">
-            <a:schemeClr val="accent1"/>
-          </a:fillRef>
-          <a:effectRef idx="0">
-            <a:schemeClr val="accent1"/>
-          </a:effectRef>
-          <a:fontRef idx="minor">
-            <a:schemeClr val="lt1"/>
-          </a:fontRef>
-        </p:style>
-        <p:txBody>
-          <a:bodyPr rtlCol="0" anchor="ctr"/>
-          <a:lstStyle/>
-          <a:p>
-            <a:pPr algn="ctr"/>
-            <a:r>
-              <a:rPr lang="pt-PT" sz="1200" dirty="0">
-                <a:latin typeface="Lato" panose="020F0502020204030203" pitchFamily="34" charset="0"/>
-                <a:cs typeface="Lato" panose="020F0502020204030203" pitchFamily="34" charset="0"/>
-              </a:rPr>
-              <a:t>Downloads</a:t>
-            </a:r>
-          </a:p>
-        </p:txBody>
-      </p:sp>
-      <p:pic>
-        <p:nvPicPr>
-          <p:cNvPr id="10" name="Imagem 9" descr="Uma imagem com texto, verme&#10;&#10;Descrição gerada automaticamente">
-            <a:extLst>
-              <a:ext uri="{FF2B5EF4-FFF2-40B4-BE49-F238E27FC236}">
-                <a16:creationId xmlns:a16="http://schemas.microsoft.com/office/drawing/2014/main" id="{DEDA43EE-1201-434A-86EB-35D4D5AA98E9}"/>
-              </a:ext>
-            </a:extLst>
-          </p:cNvPr>
-          <p:cNvPicPr>
-            <a:picLocks noChangeAspect="1"/>
-          </p:cNvPicPr>
-          <p:nvPr/>
-        </p:nvPicPr>
-        <p:blipFill>
-          <a:blip r:embed="rId3">
-            <a:extLst>
-              <a:ext uri="{28A0092B-C50C-407E-A947-70E740481C1C}">
-                <a14:useLocalDpi xmlns:a14="http://schemas.microsoft.com/office/drawing/2010/main" val="0"/>
-              </a:ext>
-            </a:extLst>
-          </a:blip>
-          <a:stretch>
-            <a:fillRect/>
-          </a:stretch>
-        </p:blipFill>
-        <p:spPr>
-          <a:xfrm rot="20117334">
-            <a:off x="4682168" y="348768"/>
-            <a:ext cx="1370419" cy="1037851"/>
-          </a:xfrm>
-          <a:prstGeom prst="rect">
-            <a:avLst/>
-          </a:prstGeom>
-        </p:spPr>
-      </p:pic>
-      <p:sp>
-        <p:nvSpPr>
           <p:cNvPr id="2" name="CaixaDeTexto 1">
             <a:extLst>
               <a:ext uri="{FF2B5EF4-FFF2-40B4-BE49-F238E27FC236}">
@@ -7983,7 +6779,7 @@
           <p:nvPr/>
         </p:nvPicPr>
         <p:blipFill>
-          <a:blip r:embed="rId4">
+          <a:blip r:embed="rId3">
             <a:extLst>
               <a:ext uri="{28A0092B-C50C-407E-A947-70E740481C1C}">
                 <a14:useLocalDpi xmlns:a14="http://schemas.microsoft.com/office/drawing/2010/main" val="0"/>
@@ -8073,7 +6869,7 @@
           <p:nvPr/>
         </p:nvPicPr>
         <p:blipFill>
-          <a:blip r:embed="rId5">
+          <a:blip r:embed="rId4">
             <a:extLst>
               <a:ext uri="{28A0092B-C50C-407E-A947-70E740481C1C}">
                 <a14:useLocalDpi xmlns:a14="http://schemas.microsoft.com/office/drawing/2010/main" val="0"/>
@@ -8163,7 +6959,7 @@
           <p:nvPr/>
         </p:nvPicPr>
         <p:blipFill>
-          <a:blip r:embed="rId6">
+          <a:blip r:embed="rId5">
             <a:extLst>
               <a:ext uri="{28A0092B-C50C-407E-A947-70E740481C1C}">
                 <a14:useLocalDpi xmlns:a14="http://schemas.microsoft.com/office/drawing/2010/main" val="0"/>
@@ -8774,6 +7570,319 @@
           </a:fontRef>
         </p:style>
       </p:cxnSp>
+      <p:sp>
+        <p:nvSpPr>
+          <p:cNvPr id="31" name="Retângulo 30">
+            <a:extLst>
+              <a:ext uri="{FF2B5EF4-FFF2-40B4-BE49-F238E27FC236}">
+                <a16:creationId xmlns:a16="http://schemas.microsoft.com/office/drawing/2014/main" id="{42C85971-483A-4C74-9E99-F4A0177D4335}"/>
+              </a:ext>
+            </a:extLst>
+          </p:cNvPr>
+          <p:cNvSpPr/>
+          <p:nvPr/>
+        </p:nvSpPr>
+        <p:spPr>
+          <a:xfrm>
+            <a:off x="1893330" y="657340"/>
+            <a:ext cx="9317275" cy="438411"/>
+          </a:xfrm>
+          <a:prstGeom prst="rect">
+            <a:avLst/>
+          </a:prstGeom>
+          <a:solidFill>
+            <a:schemeClr val="bg2">
+              <a:lumMod val="25000"/>
+            </a:schemeClr>
+          </a:solidFill>
+          <a:ln>
+            <a:solidFill>
+              <a:schemeClr val="bg2">
+                <a:lumMod val="25000"/>
+              </a:schemeClr>
+            </a:solidFill>
+          </a:ln>
+        </p:spPr>
+        <p:style>
+          <a:lnRef idx="2">
+            <a:schemeClr val="accent1">
+              <a:shade val="50000"/>
+            </a:schemeClr>
+          </a:lnRef>
+          <a:fillRef idx="1">
+            <a:schemeClr val="accent1"/>
+          </a:fillRef>
+          <a:effectRef idx="0">
+            <a:schemeClr val="accent1"/>
+          </a:effectRef>
+          <a:fontRef idx="minor">
+            <a:schemeClr val="lt1"/>
+          </a:fontRef>
+        </p:style>
+        <p:txBody>
+          <a:bodyPr rtlCol="0" anchor="ctr"/>
+          <a:lstStyle/>
+          <a:p>
+            <a:pPr algn="ctr"/>
+            <a:endParaRPr lang="pt-PT" dirty="0"/>
+          </a:p>
+        </p:txBody>
+      </p:sp>
+      <p:sp>
+        <p:nvSpPr>
+          <p:cNvPr id="33" name="CaixaDeTexto 32">
+            <a:extLst>
+              <a:ext uri="{FF2B5EF4-FFF2-40B4-BE49-F238E27FC236}">
+                <a16:creationId xmlns:a16="http://schemas.microsoft.com/office/drawing/2014/main" id="{96734426-C154-4B54-A516-B496FC682C55}"/>
+              </a:ext>
+            </a:extLst>
+          </p:cNvPr>
+          <p:cNvSpPr txBox="1"/>
+          <p:nvPr/>
+        </p:nvSpPr>
+        <p:spPr>
+          <a:xfrm>
+            <a:off x="2093742" y="722656"/>
+            <a:ext cx="1791849" cy="276999"/>
+          </a:xfrm>
+          <a:prstGeom prst="rect">
+            <a:avLst/>
+          </a:prstGeom>
+          <a:noFill/>
+        </p:spPr>
+        <p:txBody>
+          <a:bodyPr wrap="square" rtlCol="0">
+            <a:spAutoFit/>
+          </a:bodyPr>
+          <a:lstStyle/>
+          <a:p>
+            <a:r>
+              <a:rPr lang="pt-PT" sz="1200" dirty="0">
+                <a:solidFill>
+                  <a:schemeClr val="bg1"/>
+                </a:solidFill>
+                <a:latin typeface="Lato" panose="020F0502020204030203" pitchFamily="34" charset="0"/>
+                <a:cs typeface="Lato" panose="020F0502020204030203" pitchFamily="34" charset="0"/>
+              </a:rPr>
+              <a:t>Hóquei em patins</a:t>
+            </a:r>
+          </a:p>
+        </p:txBody>
+      </p:sp>
+      <p:sp>
+        <p:nvSpPr>
+          <p:cNvPr id="35" name="Retângulo 34">
+            <a:extLst>
+              <a:ext uri="{FF2B5EF4-FFF2-40B4-BE49-F238E27FC236}">
+                <a16:creationId xmlns:a16="http://schemas.microsoft.com/office/drawing/2014/main" id="{01FF48CF-79A3-4DDD-B406-557957A4054F}"/>
+              </a:ext>
+            </a:extLst>
+          </p:cNvPr>
+          <p:cNvSpPr/>
+          <p:nvPr/>
+        </p:nvSpPr>
+        <p:spPr>
+          <a:xfrm>
+            <a:off x="7570057" y="657340"/>
+            <a:ext cx="851769" cy="438411"/>
+          </a:xfrm>
+          <a:prstGeom prst="rect">
+            <a:avLst/>
+          </a:prstGeom>
+          <a:noFill/>
+          <a:ln w="12700">
+            <a:noFill/>
+          </a:ln>
+        </p:spPr>
+        <p:style>
+          <a:lnRef idx="2">
+            <a:schemeClr val="accent1">
+              <a:shade val="50000"/>
+            </a:schemeClr>
+          </a:lnRef>
+          <a:fillRef idx="1">
+            <a:schemeClr val="accent1"/>
+          </a:fillRef>
+          <a:effectRef idx="0">
+            <a:schemeClr val="accent1"/>
+          </a:effectRef>
+          <a:fontRef idx="minor">
+            <a:schemeClr val="lt1"/>
+          </a:fontRef>
+        </p:style>
+        <p:txBody>
+          <a:bodyPr rtlCol="0" anchor="ctr"/>
+          <a:lstStyle/>
+          <a:p>
+            <a:pPr algn="ctr"/>
+            <a:r>
+              <a:rPr lang="pt-PT" sz="1200" dirty="0"/>
+              <a:t>O que é?</a:t>
+            </a:r>
+          </a:p>
+        </p:txBody>
+      </p:sp>
+      <p:sp>
+        <p:nvSpPr>
+          <p:cNvPr id="37" name="Retângulo 36">
+            <a:extLst>
+              <a:ext uri="{FF2B5EF4-FFF2-40B4-BE49-F238E27FC236}">
+                <a16:creationId xmlns:a16="http://schemas.microsoft.com/office/drawing/2014/main" id="{B9856348-58FF-4E93-A87E-E772BE7AD174}"/>
+              </a:ext>
+            </a:extLst>
+          </p:cNvPr>
+          <p:cNvSpPr/>
+          <p:nvPr/>
+        </p:nvSpPr>
+        <p:spPr>
+          <a:xfrm>
+            <a:off x="8429522" y="657340"/>
+            <a:ext cx="1002082" cy="438411"/>
+          </a:xfrm>
+          <a:prstGeom prst="rect">
+            <a:avLst/>
+          </a:prstGeom>
+          <a:solidFill>
+            <a:srgbClr val="44546A"/>
+          </a:solidFill>
+          <a:ln>
+            <a:noFill/>
+          </a:ln>
+        </p:spPr>
+        <p:style>
+          <a:lnRef idx="2">
+            <a:schemeClr val="accent1">
+              <a:shade val="50000"/>
+            </a:schemeClr>
+          </a:lnRef>
+          <a:fillRef idx="1">
+            <a:schemeClr val="accent1"/>
+          </a:fillRef>
+          <a:effectRef idx="0">
+            <a:schemeClr val="accent1"/>
+          </a:effectRef>
+          <a:fontRef idx="minor">
+            <a:schemeClr val="lt1"/>
+          </a:fontRef>
+        </p:style>
+        <p:txBody>
+          <a:bodyPr rtlCol="0" anchor="ctr"/>
+          <a:lstStyle/>
+          <a:p>
+            <a:pPr algn="ctr"/>
+            <a:r>
+              <a:rPr lang="pt-PT" sz="1200" dirty="0"/>
+              <a:t>Minha Experiencia</a:t>
+            </a:r>
+          </a:p>
+        </p:txBody>
+      </p:sp>
+      <p:sp>
+        <p:nvSpPr>
+          <p:cNvPr id="39" name="Retângulo 38">
+            <a:extLst>
+              <a:ext uri="{FF2B5EF4-FFF2-40B4-BE49-F238E27FC236}">
+                <a16:creationId xmlns:a16="http://schemas.microsoft.com/office/drawing/2014/main" id="{B6D39D1B-72DB-4354-9B41-49FA8E68CCB3}"/>
+              </a:ext>
+            </a:extLst>
+          </p:cNvPr>
+          <p:cNvSpPr/>
+          <p:nvPr/>
+        </p:nvSpPr>
+        <p:spPr>
+          <a:xfrm>
+            <a:off x="9446995" y="657340"/>
+            <a:ext cx="851769" cy="438411"/>
+          </a:xfrm>
+          <a:prstGeom prst="rect">
+            <a:avLst/>
+          </a:prstGeom>
+          <a:noFill/>
+          <a:ln>
+            <a:noFill/>
+          </a:ln>
+        </p:spPr>
+        <p:style>
+          <a:lnRef idx="2">
+            <a:schemeClr val="accent1">
+              <a:shade val="50000"/>
+            </a:schemeClr>
+          </a:lnRef>
+          <a:fillRef idx="1">
+            <a:schemeClr val="accent1"/>
+          </a:fillRef>
+          <a:effectRef idx="0">
+            <a:schemeClr val="accent1"/>
+          </a:effectRef>
+          <a:fontRef idx="minor">
+            <a:schemeClr val="lt1"/>
+          </a:fontRef>
+        </p:style>
+        <p:txBody>
+          <a:bodyPr rtlCol="0" anchor="ctr"/>
+          <a:lstStyle/>
+          <a:p>
+            <a:pPr algn="ctr"/>
+            <a:r>
+              <a:rPr lang="pt-PT" sz="1200" dirty="0"/>
+              <a:t>Equipas</a:t>
+            </a:r>
+          </a:p>
+        </p:txBody>
+      </p:sp>
+      <p:sp>
+        <p:nvSpPr>
+          <p:cNvPr id="40" name="Retângulo 39">
+            <a:extLst>
+              <a:ext uri="{FF2B5EF4-FFF2-40B4-BE49-F238E27FC236}">
+                <a16:creationId xmlns:a16="http://schemas.microsoft.com/office/drawing/2014/main" id="{A9C93204-8E35-4979-9F5C-44758B2B6EBC}"/>
+              </a:ext>
+            </a:extLst>
+          </p:cNvPr>
+          <p:cNvSpPr/>
+          <p:nvPr/>
+        </p:nvSpPr>
+        <p:spPr>
+          <a:xfrm>
+            <a:off x="10314156" y="657340"/>
+            <a:ext cx="896449" cy="438411"/>
+          </a:xfrm>
+          <a:prstGeom prst="rect">
+            <a:avLst/>
+          </a:prstGeom>
+          <a:noFill/>
+          <a:ln>
+            <a:noFill/>
+          </a:ln>
+        </p:spPr>
+        <p:style>
+          <a:lnRef idx="2">
+            <a:schemeClr val="accent1">
+              <a:shade val="50000"/>
+            </a:schemeClr>
+          </a:lnRef>
+          <a:fillRef idx="1">
+            <a:schemeClr val="accent1"/>
+          </a:fillRef>
+          <a:effectRef idx="0">
+            <a:schemeClr val="accent1"/>
+          </a:effectRef>
+          <a:fontRef idx="minor">
+            <a:schemeClr val="lt1"/>
+          </a:fontRef>
+        </p:style>
+        <p:txBody>
+          <a:bodyPr rtlCol="0" anchor="ctr"/>
+          <a:lstStyle/>
+          <a:p>
+            <a:pPr algn="ctr"/>
+            <a:r>
+              <a:rPr lang="pt-PT" sz="1200" dirty="0"/>
+              <a:t>Downloads</a:t>
+            </a:r>
+          </a:p>
+        </p:txBody>
+      </p:sp>
     </p:spTree>
     <p:extLst>
       <p:ext uri="{BB962C8B-B14F-4D97-AF65-F5344CB8AC3E}">
@@ -8840,365 +7949,12 @@
           </a:prstGeom>
         </p:spPr>
       </p:pic>
-      <p:sp>
-        <p:nvSpPr>
-          <p:cNvPr id="4" name="Retângulo 3">
-            <a:extLst>
-              <a:ext uri="{FF2B5EF4-FFF2-40B4-BE49-F238E27FC236}">
-                <a16:creationId xmlns:a16="http://schemas.microsoft.com/office/drawing/2014/main" id="{F30834A1-1CFB-4922-9069-6347ABAD06D4}"/>
-              </a:ext>
-            </a:extLst>
-          </p:cNvPr>
-          <p:cNvSpPr/>
-          <p:nvPr/>
-        </p:nvSpPr>
-        <p:spPr>
-          <a:xfrm>
-            <a:off x="1878279" y="650868"/>
-            <a:ext cx="9317275" cy="438411"/>
-          </a:xfrm>
-          <a:prstGeom prst="rect">
-            <a:avLst/>
-          </a:prstGeom>
-          <a:solidFill>
-            <a:schemeClr val="bg2">
-              <a:lumMod val="25000"/>
-            </a:schemeClr>
-          </a:solidFill>
-          <a:ln>
-            <a:solidFill>
-              <a:schemeClr val="bg2">
-                <a:lumMod val="25000"/>
-              </a:schemeClr>
-            </a:solidFill>
-          </a:ln>
-        </p:spPr>
-        <p:style>
-          <a:lnRef idx="2">
-            <a:schemeClr val="accent1">
-              <a:shade val="50000"/>
-            </a:schemeClr>
-          </a:lnRef>
-          <a:fillRef idx="1">
-            <a:schemeClr val="accent1"/>
-          </a:fillRef>
-          <a:effectRef idx="0">
-            <a:schemeClr val="accent1"/>
-          </a:effectRef>
-          <a:fontRef idx="minor">
-            <a:schemeClr val="lt1"/>
-          </a:fontRef>
-        </p:style>
-        <p:txBody>
-          <a:bodyPr rtlCol="0" anchor="ctr"/>
-          <a:lstStyle/>
-          <a:p>
-            <a:pPr algn="ctr"/>
-            <a:endParaRPr lang="pt-PT" dirty="0"/>
-          </a:p>
-        </p:txBody>
-      </p:sp>
-      <p:sp>
-        <p:nvSpPr>
-          <p:cNvPr id="5" name="CaixaDeTexto 4">
-            <a:extLst>
-              <a:ext uri="{FF2B5EF4-FFF2-40B4-BE49-F238E27FC236}">
-                <a16:creationId xmlns:a16="http://schemas.microsoft.com/office/drawing/2014/main" id="{9B8F34BE-D8B6-4BAF-8B56-998FB2F9293B}"/>
-              </a:ext>
-            </a:extLst>
-          </p:cNvPr>
-          <p:cNvSpPr txBox="1"/>
-          <p:nvPr/>
-        </p:nvSpPr>
-        <p:spPr>
-          <a:xfrm>
-            <a:off x="2078691" y="729195"/>
-            <a:ext cx="1791849" cy="276999"/>
-          </a:xfrm>
-          <a:prstGeom prst="rect">
-            <a:avLst/>
-          </a:prstGeom>
-          <a:noFill/>
-        </p:spPr>
-        <p:txBody>
-          <a:bodyPr wrap="square" rtlCol="0">
-            <a:spAutoFit/>
-          </a:bodyPr>
-          <a:lstStyle/>
-          <a:p>
-            <a:r>
-              <a:rPr lang="pt-PT" sz="1200" dirty="0">
-                <a:solidFill>
-                  <a:schemeClr val="bg1"/>
-                </a:solidFill>
-                <a:latin typeface="Lato" panose="020F0502020204030203" pitchFamily="34" charset="0"/>
-                <a:cs typeface="Lato" panose="020F0502020204030203" pitchFamily="34" charset="0"/>
-              </a:rPr>
-              <a:t>Hóquei em patins</a:t>
-            </a:r>
-          </a:p>
-        </p:txBody>
-      </p:sp>
-      <p:sp>
-        <p:nvSpPr>
-          <p:cNvPr id="6" name="Retângulo 5">
-            <a:extLst>
-              <a:ext uri="{FF2B5EF4-FFF2-40B4-BE49-F238E27FC236}">
-                <a16:creationId xmlns:a16="http://schemas.microsoft.com/office/drawing/2014/main" id="{1598D755-3DAB-4315-82C8-9152EB500191}"/>
-              </a:ext>
-            </a:extLst>
-          </p:cNvPr>
-          <p:cNvSpPr/>
-          <p:nvPr/>
-        </p:nvSpPr>
-        <p:spPr>
-          <a:xfrm>
-            <a:off x="8367163" y="656973"/>
-            <a:ext cx="1002082" cy="438411"/>
-          </a:xfrm>
-          <a:prstGeom prst="rect">
-            <a:avLst/>
-          </a:prstGeom>
-          <a:solidFill>
-            <a:schemeClr val="accent3">
-              <a:lumMod val="75000"/>
-            </a:schemeClr>
-          </a:solidFill>
-          <a:ln w="3175">
-            <a:solidFill>
-              <a:schemeClr val="accent3">
-                <a:lumMod val="75000"/>
-              </a:schemeClr>
-            </a:solidFill>
-          </a:ln>
-        </p:spPr>
-        <p:style>
-          <a:lnRef idx="2">
-            <a:schemeClr val="accent1">
-              <a:shade val="50000"/>
-            </a:schemeClr>
-          </a:lnRef>
-          <a:fillRef idx="1">
-            <a:schemeClr val="accent1"/>
-          </a:fillRef>
-          <a:effectRef idx="0">
-            <a:schemeClr val="accent1"/>
-          </a:effectRef>
-          <a:fontRef idx="minor">
-            <a:schemeClr val="lt1"/>
-          </a:fontRef>
-        </p:style>
-        <p:txBody>
-          <a:bodyPr rtlCol="0" anchor="ctr"/>
-          <a:lstStyle/>
-          <a:p>
-            <a:pPr algn="ctr"/>
-            <a:r>
-              <a:rPr lang="pt-PT" sz="1200" dirty="0">
-                <a:latin typeface="Lato" panose="020F0502020204030203" pitchFamily="34" charset="0"/>
-                <a:cs typeface="Lato" panose="020F0502020204030203" pitchFamily="34" charset="0"/>
-              </a:rPr>
-              <a:t>Minha Experiência</a:t>
-            </a:r>
-          </a:p>
-        </p:txBody>
-      </p:sp>
-      <p:sp>
-        <p:nvSpPr>
-          <p:cNvPr id="7" name="Retângulo 6">
-            <a:extLst>
-              <a:ext uri="{FF2B5EF4-FFF2-40B4-BE49-F238E27FC236}">
-                <a16:creationId xmlns:a16="http://schemas.microsoft.com/office/drawing/2014/main" id="{CEFE3F5E-BBB6-4B5C-8F34-CC31B85DC9E8}"/>
-              </a:ext>
-            </a:extLst>
-          </p:cNvPr>
-          <p:cNvSpPr/>
-          <p:nvPr/>
-        </p:nvSpPr>
-        <p:spPr>
-          <a:xfrm>
-            <a:off x="7534063" y="648488"/>
-            <a:ext cx="826643" cy="438411"/>
-          </a:xfrm>
-          <a:prstGeom prst="rect">
-            <a:avLst/>
-          </a:prstGeom>
-          <a:solidFill>
-            <a:schemeClr val="accent3">
-              <a:lumMod val="75000"/>
-            </a:schemeClr>
-          </a:solidFill>
-          <a:ln>
-            <a:solidFill>
-              <a:schemeClr val="bg2">
-                <a:lumMod val="50000"/>
-              </a:schemeClr>
-            </a:solidFill>
-          </a:ln>
-        </p:spPr>
-        <p:style>
-          <a:lnRef idx="2">
-            <a:schemeClr val="accent1">
-              <a:shade val="50000"/>
-            </a:schemeClr>
-          </a:lnRef>
-          <a:fillRef idx="1">
-            <a:schemeClr val="accent1"/>
-          </a:fillRef>
-          <a:effectRef idx="0">
-            <a:schemeClr val="accent1"/>
-          </a:effectRef>
-          <a:fontRef idx="minor">
-            <a:schemeClr val="lt1"/>
-          </a:fontRef>
-        </p:style>
-        <p:txBody>
-          <a:bodyPr rtlCol="0" anchor="ctr"/>
-          <a:lstStyle/>
-          <a:p>
-            <a:pPr algn="ctr"/>
-            <a:r>
-              <a:rPr lang="pt-PT" sz="1200" dirty="0">
-                <a:latin typeface="Lato" panose="020F0502020204030203" pitchFamily="34" charset="0"/>
-                <a:cs typeface="Lato" panose="020F0502020204030203" pitchFamily="34" charset="0"/>
-              </a:rPr>
-              <a:t>O que é?</a:t>
-            </a:r>
-          </a:p>
-        </p:txBody>
-      </p:sp>
-      <p:sp>
-        <p:nvSpPr>
-          <p:cNvPr id="8" name="Retângulo 7">
-            <a:extLst>
-              <a:ext uri="{FF2B5EF4-FFF2-40B4-BE49-F238E27FC236}">
-                <a16:creationId xmlns:a16="http://schemas.microsoft.com/office/drawing/2014/main" id="{AFE8AF0B-679A-4314-93A3-25E3B1009932}"/>
-              </a:ext>
-            </a:extLst>
-          </p:cNvPr>
-          <p:cNvSpPr/>
-          <p:nvPr/>
-        </p:nvSpPr>
-        <p:spPr>
-          <a:xfrm>
-            <a:off x="9369245" y="648488"/>
-            <a:ext cx="851769" cy="438411"/>
-          </a:xfrm>
-          <a:prstGeom prst="rect">
-            <a:avLst/>
-          </a:prstGeom>
-          <a:solidFill>
-            <a:schemeClr val="accent3">
-              <a:lumMod val="75000"/>
-            </a:schemeClr>
-          </a:solidFill>
-          <a:ln w="57150">
-            <a:solidFill>
-              <a:srgbClr val="DDC6B1"/>
-            </a:solidFill>
-          </a:ln>
-        </p:spPr>
-        <p:style>
-          <a:lnRef idx="2">
-            <a:schemeClr val="accent1">
-              <a:shade val="50000"/>
-            </a:schemeClr>
-          </a:lnRef>
-          <a:fillRef idx="1">
-            <a:schemeClr val="accent1"/>
-          </a:fillRef>
-          <a:effectRef idx="0">
-            <a:schemeClr val="accent1"/>
-          </a:effectRef>
-          <a:fontRef idx="minor">
-            <a:schemeClr val="lt1"/>
-          </a:fontRef>
-        </p:style>
-        <p:txBody>
-          <a:bodyPr rtlCol="0" anchor="ctr"/>
-          <a:lstStyle/>
-          <a:p>
-            <a:pPr algn="ctr"/>
-            <a:r>
-              <a:rPr lang="pt-PT" sz="1200" dirty="0">
-                <a:latin typeface="Lato" panose="020F0502020204030203" pitchFamily="34" charset="0"/>
-                <a:cs typeface="Lato" panose="020F0502020204030203" pitchFamily="34" charset="0"/>
-              </a:rPr>
-              <a:t>Equipas</a:t>
-            </a:r>
-          </a:p>
-        </p:txBody>
-      </p:sp>
-      <p:sp>
-        <p:nvSpPr>
-          <p:cNvPr id="9" name="Retângulo 8">
-            <a:extLst>
-              <a:ext uri="{FF2B5EF4-FFF2-40B4-BE49-F238E27FC236}">
-                <a16:creationId xmlns:a16="http://schemas.microsoft.com/office/drawing/2014/main" id="{1465D493-958B-410B-BCFA-9840194C85C6}"/>
-              </a:ext>
-            </a:extLst>
-          </p:cNvPr>
-          <p:cNvSpPr/>
-          <p:nvPr/>
-        </p:nvSpPr>
-        <p:spPr>
-          <a:xfrm>
-            <a:off x="10266715" y="648488"/>
-            <a:ext cx="941753" cy="438411"/>
-          </a:xfrm>
-          <a:prstGeom prst="rect">
-            <a:avLst/>
-          </a:prstGeom>
-          <a:solidFill>
-            <a:schemeClr val="accent3">
-              <a:lumMod val="75000"/>
-            </a:schemeClr>
-          </a:solidFill>
-          <a:ln>
-            <a:solidFill>
-              <a:schemeClr val="bg2">
-                <a:lumMod val="50000"/>
-              </a:schemeClr>
-            </a:solidFill>
-          </a:ln>
-        </p:spPr>
-        <p:style>
-          <a:lnRef idx="2">
-            <a:schemeClr val="accent1">
-              <a:shade val="50000"/>
-            </a:schemeClr>
-          </a:lnRef>
-          <a:fillRef idx="1">
-            <a:schemeClr val="accent1"/>
-          </a:fillRef>
-          <a:effectRef idx="0">
-            <a:schemeClr val="accent1"/>
-          </a:effectRef>
-          <a:fontRef idx="minor">
-            <a:schemeClr val="lt1"/>
-          </a:fontRef>
-        </p:style>
-        <p:txBody>
-          <a:bodyPr rtlCol="0" anchor="ctr"/>
-          <a:lstStyle/>
-          <a:p>
-            <a:pPr algn="ctr"/>
-            <a:r>
-              <a:rPr lang="pt-PT" sz="1200" dirty="0">
-                <a:latin typeface="Lato" panose="020F0502020204030203" pitchFamily="34" charset="0"/>
-                <a:cs typeface="Lato" panose="020F0502020204030203" pitchFamily="34" charset="0"/>
-              </a:rPr>
-              <a:t>Downloads</a:t>
-            </a:r>
-          </a:p>
-        </p:txBody>
-      </p:sp>
       <p:pic>
         <p:nvPicPr>
-          <p:cNvPr id="10" name="Imagem 9" descr="Uma imagem com texto, verme&#10;&#10;Descrição gerada automaticamente">
-            <a:extLst>
-              <a:ext uri="{FF2B5EF4-FFF2-40B4-BE49-F238E27FC236}">
-                <a16:creationId xmlns:a16="http://schemas.microsoft.com/office/drawing/2014/main" id="{DEDA43EE-1201-434A-86EB-35D4D5AA98E9}"/>
+          <p:cNvPr id="14" name="Imagem 13">
+            <a:extLst>
+              <a:ext uri="{FF2B5EF4-FFF2-40B4-BE49-F238E27FC236}">
+                <a16:creationId xmlns:a16="http://schemas.microsoft.com/office/drawing/2014/main" id="{8B58277F-1FE0-43E6-8BC3-F13B22D2733E}"/>
               </a:ext>
             </a:extLst>
           </p:cNvPr>
@@ -9220,9 +7976,9 @@
           </a:stretch>
         </p:blipFill>
         <p:spPr>
-          <a:xfrm rot="20117334">
-            <a:off x="4682168" y="348768"/>
-            <a:ext cx="1370419" cy="1037851"/>
+          <a:xfrm>
+            <a:off x="3191149" y="1412896"/>
+            <a:ext cx="1358781" cy="1358781"/>
           </a:xfrm>
           <a:prstGeom prst="rect">
             <a:avLst/>
@@ -9231,10 +7987,10 @@
       </p:pic>
       <p:pic>
         <p:nvPicPr>
-          <p:cNvPr id="14" name="Imagem 13">
-            <a:extLst>
-              <a:ext uri="{FF2B5EF4-FFF2-40B4-BE49-F238E27FC236}">
-                <a16:creationId xmlns:a16="http://schemas.microsoft.com/office/drawing/2014/main" id="{8B58277F-1FE0-43E6-8BC3-F13B22D2733E}"/>
+          <p:cNvPr id="28" name="Imagem 27">
+            <a:extLst>
+              <a:ext uri="{FF2B5EF4-FFF2-40B4-BE49-F238E27FC236}">
+                <a16:creationId xmlns:a16="http://schemas.microsoft.com/office/drawing/2014/main" id="{147367CA-4ADC-4EDD-9357-7E958F734034}"/>
               </a:ext>
             </a:extLst>
           </p:cNvPr>
@@ -9244,7 +8000,7 @@
           <p:nvPr/>
         </p:nvPicPr>
         <p:blipFill>
-          <a:blip r:embed="rId4">
+          <a:blip r:embed="rId3">
             <a:extLst>
               <a:ext uri="{28A0092B-C50C-407E-A947-70E740481C1C}">
                 <a14:useLocalDpi xmlns:a14="http://schemas.microsoft.com/office/drawing/2010/main" val="0"/>
@@ -9257,7 +8013,7 @@
         </p:blipFill>
         <p:spPr>
           <a:xfrm>
-            <a:off x="3191149" y="1412896"/>
+            <a:off x="5870439" y="1419453"/>
             <a:ext cx="1358781" cy="1358781"/>
           </a:xfrm>
           <a:prstGeom prst="rect">
@@ -9267,10 +8023,10 @@
       </p:pic>
       <p:pic>
         <p:nvPicPr>
-          <p:cNvPr id="28" name="Imagem 27">
-            <a:extLst>
-              <a:ext uri="{FF2B5EF4-FFF2-40B4-BE49-F238E27FC236}">
-                <a16:creationId xmlns:a16="http://schemas.microsoft.com/office/drawing/2014/main" id="{147367CA-4ADC-4EDD-9357-7E958F734034}"/>
+          <p:cNvPr id="29" name="Imagem 28">
+            <a:extLst>
+              <a:ext uri="{FF2B5EF4-FFF2-40B4-BE49-F238E27FC236}">
+                <a16:creationId xmlns:a16="http://schemas.microsoft.com/office/drawing/2014/main" id="{E06FF94C-5052-4606-93F9-C573FBACC8D4}"/>
               </a:ext>
             </a:extLst>
           </p:cNvPr>
@@ -9280,7 +8036,7 @@
           <p:nvPr/>
         </p:nvPicPr>
         <p:blipFill>
-          <a:blip r:embed="rId4">
+          <a:blip r:embed="rId3">
             <a:extLst>
               <a:ext uri="{28A0092B-C50C-407E-A947-70E740481C1C}">
                 <a14:useLocalDpi xmlns:a14="http://schemas.microsoft.com/office/drawing/2010/main" val="0"/>
@@ -9293,42 +8049,6 @@
         </p:blipFill>
         <p:spPr>
           <a:xfrm>
-            <a:off x="5870439" y="1419453"/>
-            <a:ext cx="1358781" cy="1358781"/>
-          </a:xfrm>
-          <a:prstGeom prst="rect">
-            <a:avLst/>
-          </a:prstGeom>
-        </p:spPr>
-      </p:pic>
-      <p:pic>
-        <p:nvPicPr>
-          <p:cNvPr id="29" name="Imagem 28">
-            <a:extLst>
-              <a:ext uri="{FF2B5EF4-FFF2-40B4-BE49-F238E27FC236}">
-                <a16:creationId xmlns:a16="http://schemas.microsoft.com/office/drawing/2014/main" id="{E06FF94C-5052-4606-93F9-C573FBACC8D4}"/>
-              </a:ext>
-            </a:extLst>
-          </p:cNvPr>
-          <p:cNvPicPr>
-            <a:picLocks noChangeAspect="1"/>
-          </p:cNvPicPr>
-          <p:nvPr/>
-        </p:nvPicPr>
-        <p:blipFill>
-          <a:blip r:embed="rId4">
-            <a:extLst>
-              <a:ext uri="{28A0092B-C50C-407E-A947-70E740481C1C}">
-                <a14:useLocalDpi xmlns:a14="http://schemas.microsoft.com/office/drawing/2010/main" val="0"/>
-              </a:ext>
-            </a:extLst>
-          </a:blip>
-          <a:stretch>
-            <a:fillRect/>
-          </a:stretch>
-        </p:blipFill>
-        <p:spPr>
-          <a:xfrm>
             <a:off x="8529177" y="1419453"/>
             <a:ext cx="1358781" cy="1358781"/>
           </a:xfrm>
@@ -9337,131 +8057,6 @@
           </a:prstGeom>
         </p:spPr>
       </p:pic>
-      <p:sp>
-        <p:nvSpPr>
-          <p:cNvPr id="27" name="Retângulo 26">
-            <a:extLst>
-              <a:ext uri="{FF2B5EF4-FFF2-40B4-BE49-F238E27FC236}">
-                <a16:creationId xmlns:a16="http://schemas.microsoft.com/office/drawing/2014/main" id="{FBCDAD2D-7137-482B-B3B7-E252F3C77C76}"/>
-              </a:ext>
-            </a:extLst>
-          </p:cNvPr>
-          <p:cNvSpPr/>
-          <p:nvPr/>
-        </p:nvSpPr>
-        <p:spPr>
-          <a:xfrm>
-            <a:off x="9369647" y="1597655"/>
-            <a:ext cx="851769" cy="438411"/>
-          </a:xfrm>
-          <a:prstGeom prst="rect">
-            <a:avLst/>
-          </a:prstGeom>
-          <a:solidFill>
-            <a:schemeClr val="accent3">
-              <a:lumMod val="75000"/>
-            </a:schemeClr>
-          </a:solidFill>
-          <a:ln w="57150">
-            <a:solidFill>
-              <a:srgbClr val="DDC6B1"/>
-            </a:solidFill>
-          </a:ln>
-        </p:spPr>
-        <p:style>
-          <a:lnRef idx="2">
-            <a:schemeClr val="accent1">
-              <a:shade val="50000"/>
-            </a:schemeClr>
-          </a:lnRef>
-          <a:fillRef idx="1">
-            <a:schemeClr val="accent1"/>
-          </a:fillRef>
-          <a:effectRef idx="0">
-            <a:schemeClr val="accent1"/>
-          </a:effectRef>
-          <a:fontRef idx="minor">
-            <a:schemeClr val="lt1"/>
-          </a:fontRef>
-        </p:style>
-        <p:txBody>
-          <a:bodyPr rtlCol="0" anchor="ctr"/>
-          <a:lstStyle/>
-          <a:p>
-            <a:pPr algn="ctr"/>
-            <a:r>
-              <a:rPr lang="pt-PT" sz="1200" dirty="0">
-                <a:latin typeface="Lato" panose="020F0502020204030203" pitchFamily="34" charset="0"/>
-                <a:cs typeface="Lato" panose="020F0502020204030203" pitchFamily="34" charset="0"/>
-              </a:rPr>
-              <a:t>Seleções</a:t>
-            </a:r>
-          </a:p>
-        </p:txBody>
-      </p:sp>
-      <p:sp>
-        <p:nvSpPr>
-          <p:cNvPr id="26" name="Retângulo 25">
-            <a:extLst>
-              <a:ext uri="{FF2B5EF4-FFF2-40B4-BE49-F238E27FC236}">
-                <a16:creationId xmlns:a16="http://schemas.microsoft.com/office/drawing/2014/main" id="{087EB56D-6133-423D-804F-CCF54EFF3CF3}"/>
-              </a:ext>
-            </a:extLst>
-          </p:cNvPr>
-          <p:cNvSpPr/>
-          <p:nvPr/>
-        </p:nvSpPr>
-        <p:spPr>
-          <a:xfrm>
-            <a:off x="9369245" y="1102584"/>
-            <a:ext cx="851769" cy="438411"/>
-          </a:xfrm>
-          <a:prstGeom prst="rect">
-            <a:avLst/>
-          </a:prstGeom>
-          <a:solidFill>
-            <a:schemeClr val="tx1">
-              <a:lumMod val="85000"/>
-              <a:lumOff val="15000"/>
-            </a:schemeClr>
-          </a:solidFill>
-          <a:ln w="57150">
-            <a:solidFill>
-              <a:srgbClr val="DDC6B1"/>
-            </a:solidFill>
-          </a:ln>
-        </p:spPr>
-        <p:style>
-          <a:lnRef idx="2">
-            <a:schemeClr val="accent1">
-              <a:shade val="50000"/>
-            </a:schemeClr>
-          </a:lnRef>
-          <a:fillRef idx="1">
-            <a:schemeClr val="accent1"/>
-          </a:fillRef>
-          <a:effectRef idx="0">
-            <a:schemeClr val="accent1"/>
-          </a:effectRef>
-          <a:fontRef idx="minor">
-            <a:schemeClr val="lt1"/>
-          </a:fontRef>
-        </p:style>
-        <p:txBody>
-          <a:bodyPr rtlCol="0" anchor="ctr"/>
-          <a:lstStyle/>
-          <a:p>
-            <a:pPr algn="ctr"/>
-            <a:r>
-              <a:rPr lang="pt-PT" sz="1200" dirty="0">
-                <a:latin typeface="Lato" panose="020F0502020204030203" pitchFamily="34" charset="0"/>
-                <a:cs typeface="Lato" panose="020F0502020204030203" pitchFamily="34" charset="0"/>
-              </a:rPr>
-              <a:t>Clubes</a:t>
-            </a:r>
-          </a:p>
-        </p:txBody>
-      </p:sp>
       <p:graphicFrame>
         <p:nvGraphicFramePr>
           <p:cNvPr id="18" name="Tabela 29">
@@ -10155,6 +8750,319 @@
           </a:p>
         </p:txBody>
       </p:sp>
+      <p:sp>
+        <p:nvSpPr>
+          <p:cNvPr id="24" name="Retângulo 23">
+            <a:extLst>
+              <a:ext uri="{FF2B5EF4-FFF2-40B4-BE49-F238E27FC236}">
+                <a16:creationId xmlns:a16="http://schemas.microsoft.com/office/drawing/2014/main" id="{0826360D-F8B7-46FA-9CA0-B717D63AC3FE}"/>
+              </a:ext>
+            </a:extLst>
+          </p:cNvPr>
+          <p:cNvSpPr/>
+          <p:nvPr/>
+        </p:nvSpPr>
+        <p:spPr>
+          <a:xfrm>
+            <a:off x="1891193" y="688677"/>
+            <a:ext cx="9317275" cy="438411"/>
+          </a:xfrm>
+          <a:prstGeom prst="rect">
+            <a:avLst/>
+          </a:prstGeom>
+          <a:solidFill>
+            <a:schemeClr val="bg2">
+              <a:lumMod val="25000"/>
+            </a:schemeClr>
+          </a:solidFill>
+          <a:ln>
+            <a:solidFill>
+              <a:schemeClr val="bg2">
+                <a:lumMod val="25000"/>
+              </a:schemeClr>
+            </a:solidFill>
+          </a:ln>
+        </p:spPr>
+        <p:style>
+          <a:lnRef idx="2">
+            <a:schemeClr val="accent1">
+              <a:shade val="50000"/>
+            </a:schemeClr>
+          </a:lnRef>
+          <a:fillRef idx="1">
+            <a:schemeClr val="accent1"/>
+          </a:fillRef>
+          <a:effectRef idx="0">
+            <a:schemeClr val="accent1"/>
+          </a:effectRef>
+          <a:fontRef idx="minor">
+            <a:schemeClr val="lt1"/>
+          </a:fontRef>
+        </p:style>
+        <p:txBody>
+          <a:bodyPr rtlCol="0" anchor="ctr"/>
+          <a:lstStyle/>
+          <a:p>
+            <a:pPr algn="ctr"/>
+            <a:endParaRPr lang="pt-PT" dirty="0"/>
+          </a:p>
+        </p:txBody>
+      </p:sp>
+      <p:sp>
+        <p:nvSpPr>
+          <p:cNvPr id="25" name="CaixaDeTexto 24">
+            <a:extLst>
+              <a:ext uri="{FF2B5EF4-FFF2-40B4-BE49-F238E27FC236}">
+                <a16:creationId xmlns:a16="http://schemas.microsoft.com/office/drawing/2014/main" id="{511D35AF-5241-4521-A306-40AAE928EBF0}"/>
+              </a:ext>
+            </a:extLst>
+          </p:cNvPr>
+          <p:cNvSpPr txBox="1"/>
+          <p:nvPr/>
+        </p:nvSpPr>
+        <p:spPr>
+          <a:xfrm>
+            <a:off x="2091605" y="753993"/>
+            <a:ext cx="1791849" cy="276999"/>
+          </a:xfrm>
+          <a:prstGeom prst="rect">
+            <a:avLst/>
+          </a:prstGeom>
+          <a:noFill/>
+        </p:spPr>
+        <p:txBody>
+          <a:bodyPr wrap="square" rtlCol="0">
+            <a:spAutoFit/>
+          </a:bodyPr>
+          <a:lstStyle/>
+          <a:p>
+            <a:r>
+              <a:rPr lang="pt-PT" sz="1200" dirty="0">
+                <a:solidFill>
+                  <a:schemeClr val="bg1"/>
+                </a:solidFill>
+                <a:latin typeface="Lato" panose="020F0502020204030203" pitchFamily="34" charset="0"/>
+                <a:cs typeface="Lato" panose="020F0502020204030203" pitchFamily="34" charset="0"/>
+              </a:rPr>
+              <a:t>Hóquei em patins</a:t>
+            </a:r>
+          </a:p>
+        </p:txBody>
+      </p:sp>
+      <p:sp>
+        <p:nvSpPr>
+          <p:cNvPr id="36" name="Retângulo 35">
+            <a:extLst>
+              <a:ext uri="{FF2B5EF4-FFF2-40B4-BE49-F238E27FC236}">
+                <a16:creationId xmlns:a16="http://schemas.microsoft.com/office/drawing/2014/main" id="{E7848E43-3168-4343-A615-48E837BD11B0}"/>
+              </a:ext>
+            </a:extLst>
+          </p:cNvPr>
+          <p:cNvSpPr/>
+          <p:nvPr/>
+        </p:nvSpPr>
+        <p:spPr>
+          <a:xfrm>
+            <a:off x="7567920" y="688677"/>
+            <a:ext cx="851769" cy="438411"/>
+          </a:xfrm>
+          <a:prstGeom prst="rect">
+            <a:avLst/>
+          </a:prstGeom>
+          <a:noFill/>
+          <a:ln w="12700">
+            <a:noFill/>
+          </a:ln>
+        </p:spPr>
+        <p:style>
+          <a:lnRef idx="2">
+            <a:schemeClr val="accent1">
+              <a:shade val="50000"/>
+            </a:schemeClr>
+          </a:lnRef>
+          <a:fillRef idx="1">
+            <a:schemeClr val="accent1"/>
+          </a:fillRef>
+          <a:effectRef idx="0">
+            <a:schemeClr val="accent1"/>
+          </a:effectRef>
+          <a:fontRef idx="minor">
+            <a:schemeClr val="lt1"/>
+          </a:fontRef>
+        </p:style>
+        <p:txBody>
+          <a:bodyPr rtlCol="0" anchor="ctr"/>
+          <a:lstStyle/>
+          <a:p>
+            <a:pPr algn="ctr"/>
+            <a:r>
+              <a:rPr lang="pt-PT" sz="1200" dirty="0"/>
+              <a:t>O que é?</a:t>
+            </a:r>
+          </a:p>
+        </p:txBody>
+      </p:sp>
+      <p:sp>
+        <p:nvSpPr>
+          <p:cNvPr id="38" name="Retângulo 37">
+            <a:extLst>
+              <a:ext uri="{FF2B5EF4-FFF2-40B4-BE49-F238E27FC236}">
+                <a16:creationId xmlns:a16="http://schemas.microsoft.com/office/drawing/2014/main" id="{DB707FFB-A2E3-47B5-A430-89327B9768B9}"/>
+              </a:ext>
+            </a:extLst>
+          </p:cNvPr>
+          <p:cNvSpPr/>
+          <p:nvPr/>
+        </p:nvSpPr>
+        <p:spPr>
+          <a:xfrm>
+            <a:off x="8427385" y="688677"/>
+            <a:ext cx="1002082" cy="438411"/>
+          </a:xfrm>
+          <a:prstGeom prst="rect">
+            <a:avLst/>
+          </a:prstGeom>
+          <a:noFill/>
+          <a:ln>
+            <a:noFill/>
+          </a:ln>
+        </p:spPr>
+        <p:style>
+          <a:lnRef idx="2">
+            <a:schemeClr val="accent1">
+              <a:shade val="50000"/>
+            </a:schemeClr>
+          </a:lnRef>
+          <a:fillRef idx="1">
+            <a:schemeClr val="accent1"/>
+          </a:fillRef>
+          <a:effectRef idx="0">
+            <a:schemeClr val="accent1"/>
+          </a:effectRef>
+          <a:fontRef idx="minor">
+            <a:schemeClr val="lt1"/>
+          </a:fontRef>
+        </p:style>
+        <p:txBody>
+          <a:bodyPr rtlCol="0" anchor="ctr"/>
+          <a:lstStyle/>
+          <a:p>
+            <a:pPr algn="ctr"/>
+            <a:r>
+              <a:rPr lang="pt-PT" sz="1200" dirty="0"/>
+              <a:t>Minha Experiencia</a:t>
+            </a:r>
+          </a:p>
+        </p:txBody>
+      </p:sp>
+      <p:sp>
+        <p:nvSpPr>
+          <p:cNvPr id="40" name="Retângulo 39">
+            <a:extLst>
+              <a:ext uri="{FF2B5EF4-FFF2-40B4-BE49-F238E27FC236}">
+                <a16:creationId xmlns:a16="http://schemas.microsoft.com/office/drawing/2014/main" id="{41E22738-0894-4920-A74F-61AB580D2F2A}"/>
+              </a:ext>
+            </a:extLst>
+          </p:cNvPr>
+          <p:cNvSpPr/>
+          <p:nvPr/>
+        </p:nvSpPr>
+        <p:spPr>
+          <a:xfrm>
+            <a:off x="9444858" y="688677"/>
+            <a:ext cx="851769" cy="438411"/>
+          </a:xfrm>
+          <a:prstGeom prst="rect">
+            <a:avLst/>
+          </a:prstGeom>
+          <a:solidFill>
+            <a:srgbClr val="44546A"/>
+          </a:solidFill>
+          <a:ln>
+            <a:noFill/>
+          </a:ln>
+        </p:spPr>
+        <p:style>
+          <a:lnRef idx="2">
+            <a:schemeClr val="accent1">
+              <a:shade val="50000"/>
+            </a:schemeClr>
+          </a:lnRef>
+          <a:fillRef idx="1">
+            <a:schemeClr val="accent1"/>
+          </a:fillRef>
+          <a:effectRef idx="0">
+            <a:schemeClr val="accent1"/>
+          </a:effectRef>
+          <a:fontRef idx="minor">
+            <a:schemeClr val="lt1"/>
+          </a:fontRef>
+        </p:style>
+        <p:txBody>
+          <a:bodyPr rtlCol="0" anchor="ctr"/>
+          <a:lstStyle/>
+          <a:p>
+            <a:pPr algn="ctr"/>
+            <a:r>
+              <a:rPr lang="pt-PT" sz="1200" dirty="0"/>
+              <a:t>Equipas</a:t>
+            </a:r>
+          </a:p>
+        </p:txBody>
+      </p:sp>
+      <p:sp>
+        <p:nvSpPr>
+          <p:cNvPr id="41" name="Retângulo 40">
+            <a:extLst>
+              <a:ext uri="{FF2B5EF4-FFF2-40B4-BE49-F238E27FC236}">
+                <a16:creationId xmlns:a16="http://schemas.microsoft.com/office/drawing/2014/main" id="{1E74E682-996C-4F03-908B-2CD969C863BC}"/>
+              </a:ext>
+            </a:extLst>
+          </p:cNvPr>
+          <p:cNvSpPr/>
+          <p:nvPr/>
+        </p:nvSpPr>
+        <p:spPr>
+          <a:xfrm>
+            <a:off x="10312019" y="688677"/>
+            <a:ext cx="896449" cy="438411"/>
+          </a:xfrm>
+          <a:prstGeom prst="rect">
+            <a:avLst/>
+          </a:prstGeom>
+          <a:noFill/>
+          <a:ln>
+            <a:noFill/>
+          </a:ln>
+        </p:spPr>
+        <p:style>
+          <a:lnRef idx="2">
+            <a:schemeClr val="accent1">
+              <a:shade val="50000"/>
+            </a:schemeClr>
+          </a:lnRef>
+          <a:fillRef idx="1">
+            <a:schemeClr val="accent1"/>
+          </a:fillRef>
+          <a:effectRef idx="0">
+            <a:schemeClr val="accent1"/>
+          </a:effectRef>
+          <a:fontRef idx="minor">
+            <a:schemeClr val="lt1"/>
+          </a:fontRef>
+        </p:style>
+        <p:txBody>
+          <a:bodyPr rtlCol="0" anchor="ctr"/>
+          <a:lstStyle/>
+          <a:p>
+            <a:pPr algn="ctr"/>
+            <a:r>
+              <a:rPr lang="pt-PT" sz="1200" dirty="0"/>
+              <a:t>Downloads</a:t>
+            </a:r>
+          </a:p>
+        </p:txBody>
+      </p:sp>
     </p:spTree>
     <p:extLst>
       <p:ext uri="{BB962C8B-B14F-4D97-AF65-F5344CB8AC3E}">
@@ -10221,12 +9129,482 @@
           </a:prstGeom>
         </p:spPr>
       </p:pic>
-      <p:sp>
-        <p:nvSpPr>
-          <p:cNvPr id="4" name="Retângulo 3">
-            <a:extLst>
-              <a:ext uri="{FF2B5EF4-FFF2-40B4-BE49-F238E27FC236}">
-                <a16:creationId xmlns:a16="http://schemas.microsoft.com/office/drawing/2014/main" id="{F30834A1-1CFB-4922-9069-6347ABAD06D4}"/>
+      <p:pic>
+        <p:nvPicPr>
+          <p:cNvPr id="3" name="Imagem 2">
+            <a:extLst>
+              <a:ext uri="{FF2B5EF4-FFF2-40B4-BE49-F238E27FC236}">
+                <a16:creationId xmlns:a16="http://schemas.microsoft.com/office/drawing/2014/main" id="{74669C5E-E8B1-43EB-904B-881BBF0A696F}"/>
+              </a:ext>
+            </a:extLst>
+          </p:cNvPr>
+          <p:cNvPicPr>
+            <a:picLocks noChangeAspect="1"/>
+          </p:cNvPicPr>
+          <p:nvPr/>
+        </p:nvPicPr>
+        <p:blipFill>
+          <a:blip r:embed="rId3">
+            <a:extLst>
+              <a:ext uri="{28A0092B-C50C-407E-A947-70E740481C1C}">
+                <a14:useLocalDpi xmlns:a14="http://schemas.microsoft.com/office/drawing/2010/main" val="0"/>
+              </a:ext>
+            </a:extLst>
+          </a:blip>
+          <a:stretch>
+            <a:fillRect/>
+          </a:stretch>
+        </p:blipFill>
+        <p:spPr>
+          <a:xfrm>
+            <a:off x="4128500" y="1283268"/>
+            <a:ext cx="1384443" cy="1384443"/>
+          </a:xfrm>
+          <a:prstGeom prst="rect">
+            <a:avLst/>
+          </a:prstGeom>
+        </p:spPr>
+      </p:pic>
+      <p:sp>
+        <p:nvSpPr>
+          <p:cNvPr id="11" name="CaixaDeTexto 10">
+            <a:extLst>
+              <a:ext uri="{FF2B5EF4-FFF2-40B4-BE49-F238E27FC236}">
+                <a16:creationId xmlns:a16="http://schemas.microsoft.com/office/drawing/2014/main" id="{988E496E-702F-4F70-9740-F5D187220851}"/>
+              </a:ext>
+            </a:extLst>
+          </p:cNvPr>
+          <p:cNvSpPr txBox="1"/>
+          <p:nvPr/>
+        </p:nvSpPr>
+        <p:spPr>
+          <a:xfrm>
+            <a:off x="5911867" y="1789163"/>
+            <a:ext cx="4897677" cy="523220"/>
+          </a:xfrm>
+          <a:prstGeom prst="rect">
+            <a:avLst/>
+          </a:prstGeom>
+          <a:noFill/>
+        </p:spPr>
+        <p:txBody>
+          <a:bodyPr wrap="square" rtlCol="0">
+            <a:spAutoFit/>
+          </a:bodyPr>
+          <a:lstStyle/>
+          <a:p>
+            <a:r>
+              <a:rPr lang="pt-PT" sz="2800" b="1" dirty="0">
+                <a:latin typeface="Aharoni" panose="020B0604020202020204" pitchFamily="2" charset="-79"/>
+                <a:cs typeface="Aharoni" panose="020B0604020202020204" pitchFamily="2" charset="-79"/>
+              </a:rPr>
+              <a:t>Sporting CP</a:t>
+            </a:r>
+          </a:p>
+        </p:txBody>
+      </p:sp>
+      <p:sp>
+        <p:nvSpPr>
+          <p:cNvPr id="13" name="CaixaDeTexto 12">
+            <a:extLst>
+              <a:ext uri="{FF2B5EF4-FFF2-40B4-BE49-F238E27FC236}">
+                <a16:creationId xmlns:a16="http://schemas.microsoft.com/office/drawing/2014/main" id="{675E05FA-EFE0-410F-8602-D0528D111E4A}"/>
+              </a:ext>
+            </a:extLst>
+          </p:cNvPr>
+          <p:cNvSpPr txBox="1"/>
+          <p:nvPr/>
+        </p:nvSpPr>
+        <p:spPr>
+          <a:xfrm>
+            <a:off x="3269293" y="2818356"/>
+            <a:ext cx="6613743" cy="646331"/>
+          </a:xfrm>
+          <a:prstGeom prst="rect">
+            <a:avLst/>
+          </a:prstGeom>
+          <a:noFill/>
+        </p:spPr>
+        <p:txBody>
+          <a:bodyPr wrap="square" rtlCol="0">
+            <a:spAutoFit/>
+          </a:bodyPr>
+          <a:lstStyle/>
+          <a:p>
+            <a:r>
+              <a:rPr lang="pt-PT" sz="1200" dirty="0">
+                <a:latin typeface="Times New Roman" panose="02020603050405020304" pitchFamily="18" charset="0"/>
+                <a:cs typeface="Times New Roman" panose="02020603050405020304" pitchFamily="18" charset="0"/>
+              </a:rPr>
+              <a:t>O Sporting Clube de Portugal é um clube português de hóquei em patins sediado em Lisboa. É uma das secções profissionais do clube eclético Sporting CP e representa uma das modalidades de alto rendimento praticadas no clube.</a:t>
+            </a:r>
+          </a:p>
+        </p:txBody>
+      </p:sp>
+      <p:sp>
+        <p:nvSpPr>
+          <p:cNvPr id="15" name="CaixaDeTexto 14">
+            <a:extLst>
+              <a:ext uri="{FF2B5EF4-FFF2-40B4-BE49-F238E27FC236}">
+                <a16:creationId xmlns:a16="http://schemas.microsoft.com/office/drawing/2014/main" id="{3F32F56C-7CC6-4000-9250-5BDF684241FE}"/>
+              </a:ext>
+            </a:extLst>
+          </p:cNvPr>
+          <p:cNvSpPr txBox="1"/>
+          <p:nvPr/>
+        </p:nvSpPr>
+        <p:spPr>
+          <a:xfrm>
+            <a:off x="3253131" y="3540247"/>
+            <a:ext cx="6187858" cy="646331"/>
+          </a:xfrm>
+          <a:prstGeom prst="rect">
+            <a:avLst/>
+          </a:prstGeom>
+          <a:noFill/>
+        </p:spPr>
+        <p:txBody>
+          <a:bodyPr wrap="square" rtlCol="0">
+            <a:spAutoFit/>
+          </a:bodyPr>
+          <a:lstStyle/>
+          <a:p>
+            <a:r>
+              <a:rPr lang="pt-PT" sz="1200" dirty="0">
+                <a:latin typeface="Times New Roman" panose="02020603050405020304" pitchFamily="18" charset="0"/>
+                <a:cs typeface="Times New Roman" panose="02020603050405020304" pitchFamily="18" charset="0"/>
+              </a:rPr>
+              <a:t>É um clube histórico no hóquei nacional e é detentor de vários títulos nacionais e internacionais, tendo sido o primeiro clube português a vencer a Taça dos Campeões Europeus, atual Liga Europeia de Hóquei em Patins.</a:t>
+            </a:r>
+          </a:p>
+        </p:txBody>
+      </p:sp>
+      <p:sp>
+        <p:nvSpPr>
+          <p:cNvPr id="16" name="CaixaDeTexto 15">
+            <a:extLst>
+              <a:ext uri="{FF2B5EF4-FFF2-40B4-BE49-F238E27FC236}">
+                <a16:creationId xmlns:a16="http://schemas.microsoft.com/office/drawing/2014/main" id="{6243CC01-35B0-419E-955D-A3F6193738AC}"/>
+              </a:ext>
+            </a:extLst>
+          </p:cNvPr>
+          <p:cNvSpPr txBox="1"/>
+          <p:nvPr/>
+        </p:nvSpPr>
+        <p:spPr>
+          <a:xfrm>
+            <a:off x="37261" y="0"/>
+            <a:ext cx="2417524" cy="923330"/>
+          </a:xfrm>
+          <a:prstGeom prst="rect">
+            <a:avLst/>
+          </a:prstGeom>
+          <a:noFill/>
+        </p:spPr>
+        <p:txBody>
+          <a:bodyPr wrap="square" rtlCol="0">
+            <a:spAutoFit/>
+          </a:bodyPr>
+          <a:lstStyle/>
+          <a:p>
+            <a:r>
+              <a:rPr lang="pt-PT" dirty="0" err="1"/>
+              <a:t>Template</a:t>
+            </a:r>
+            <a:r>
+              <a:rPr lang="pt-PT" dirty="0"/>
+              <a:t> para a pagina de apresentação de cada equipa</a:t>
+            </a:r>
+          </a:p>
+        </p:txBody>
+      </p:sp>
+      <p:sp>
+        <p:nvSpPr>
+          <p:cNvPr id="17" name="CaixaDeTexto 16">
+            <a:extLst>
+              <a:ext uri="{FF2B5EF4-FFF2-40B4-BE49-F238E27FC236}">
+                <a16:creationId xmlns:a16="http://schemas.microsoft.com/office/drawing/2014/main" id="{4D618724-7242-4049-85FA-5AA518504D49}"/>
+              </a:ext>
+            </a:extLst>
+          </p:cNvPr>
+          <p:cNvSpPr txBox="1"/>
+          <p:nvPr/>
+        </p:nvSpPr>
+        <p:spPr>
+          <a:xfrm>
+            <a:off x="3253131" y="4293453"/>
+            <a:ext cx="5962389" cy="646331"/>
+          </a:xfrm>
+          <a:prstGeom prst="rect">
+            <a:avLst/>
+          </a:prstGeom>
+          <a:noFill/>
+        </p:spPr>
+        <p:txBody>
+          <a:bodyPr wrap="square" rtlCol="0">
+            <a:spAutoFit/>
+          </a:bodyPr>
+          <a:lstStyle/>
+          <a:p>
+            <a:r>
+              <a:rPr lang="pt-PT" sz="1200" dirty="0">
+                <a:latin typeface="Times New Roman" panose="02020603050405020304" pitchFamily="18" charset="0"/>
+                <a:cs typeface="Times New Roman" panose="02020603050405020304" pitchFamily="18" charset="0"/>
+              </a:rPr>
+              <a:t>Internacionalmente, o Sporting venceu três Ligas Europeias e conquistou por duas vezes a Taça </a:t>
+            </a:r>
+            <a:r>
+              <a:rPr lang="pt-PT" sz="1200" dirty="0" err="1">
+                <a:latin typeface="Times New Roman" panose="02020603050405020304" pitchFamily="18" charset="0"/>
+                <a:cs typeface="Times New Roman" panose="02020603050405020304" pitchFamily="18" charset="0"/>
+              </a:rPr>
+              <a:t>World</a:t>
+            </a:r>
+            <a:r>
+              <a:rPr lang="pt-PT" sz="1200" dirty="0">
+                <a:latin typeface="Times New Roman" panose="02020603050405020304" pitchFamily="18" charset="0"/>
+                <a:cs typeface="Times New Roman" panose="02020603050405020304" pitchFamily="18" charset="0"/>
+              </a:rPr>
+              <a:t> Skate </a:t>
+            </a:r>
+            <a:r>
+              <a:rPr lang="pt-PT" sz="1200" dirty="0" err="1">
+                <a:latin typeface="Times New Roman" panose="02020603050405020304" pitchFamily="18" charset="0"/>
+                <a:cs typeface="Times New Roman" panose="02020603050405020304" pitchFamily="18" charset="0"/>
+              </a:rPr>
+              <a:t>Europe</a:t>
+            </a:r>
+            <a:r>
+              <a:rPr lang="pt-PT" sz="1200" dirty="0">
+                <a:latin typeface="Times New Roman" panose="02020603050405020304" pitchFamily="18" charset="0"/>
+                <a:cs typeface="Times New Roman" panose="02020603050405020304" pitchFamily="18" charset="0"/>
+              </a:rPr>
+              <a:t>. Ainda conta com três Taças dos Vencedores de Taças e duas Taças Continentais.</a:t>
+            </a:r>
+          </a:p>
+        </p:txBody>
+      </p:sp>
+      <p:cxnSp>
+        <p:nvCxnSpPr>
+          <p:cNvPr id="33" name="Conexão reta unidirecional 32">
+            <a:extLst>
+              <a:ext uri="{FF2B5EF4-FFF2-40B4-BE49-F238E27FC236}">
+                <a16:creationId xmlns:a16="http://schemas.microsoft.com/office/drawing/2014/main" id="{84CE01EB-1FE9-48A1-9BB1-3F2C31B5D06E}"/>
+              </a:ext>
+            </a:extLst>
+          </p:cNvPr>
+          <p:cNvCxnSpPr>
+            <a:cxnSpLocks/>
+          </p:cNvCxnSpPr>
+          <p:nvPr/>
+        </p:nvCxnSpPr>
+        <p:spPr>
+          <a:xfrm>
+            <a:off x="4354202" y="1363901"/>
+            <a:ext cx="0" cy="1201829"/>
+          </a:xfrm>
+          <a:prstGeom prst="straightConnector1">
+            <a:avLst/>
+          </a:prstGeom>
+          <a:ln>
+            <a:headEnd type="triangle"/>
+            <a:tailEnd type="triangle"/>
+          </a:ln>
+        </p:spPr>
+        <p:style>
+          <a:lnRef idx="1">
+            <a:schemeClr val="accent1"/>
+          </a:lnRef>
+          <a:fillRef idx="0">
+            <a:schemeClr val="accent1"/>
+          </a:fillRef>
+          <a:effectRef idx="0">
+            <a:schemeClr val="accent1"/>
+          </a:effectRef>
+          <a:fontRef idx="minor">
+            <a:schemeClr val="tx1"/>
+          </a:fontRef>
+        </p:style>
+      </p:cxnSp>
+      <p:cxnSp>
+        <p:nvCxnSpPr>
+          <p:cNvPr id="34" name="Conexão reta unidirecional 33">
+            <a:extLst>
+              <a:ext uri="{FF2B5EF4-FFF2-40B4-BE49-F238E27FC236}">
+                <a16:creationId xmlns:a16="http://schemas.microsoft.com/office/drawing/2014/main" id="{81C176BC-F307-49E6-941C-E1DB38A19A6B}"/>
+              </a:ext>
+            </a:extLst>
+          </p:cNvPr>
+          <p:cNvCxnSpPr>
+            <a:cxnSpLocks/>
+          </p:cNvCxnSpPr>
+          <p:nvPr/>
+        </p:nvCxnSpPr>
+        <p:spPr>
+          <a:xfrm>
+            <a:off x="4354202" y="1314681"/>
+            <a:ext cx="879129" cy="0"/>
+          </a:xfrm>
+          <a:prstGeom prst="straightConnector1">
+            <a:avLst/>
+          </a:prstGeom>
+          <a:ln>
+            <a:headEnd type="triangle"/>
+            <a:tailEnd type="triangle"/>
+          </a:ln>
+        </p:spPr>
+        <p:style>
+          <a:lnRef idx="1">
+            <a:schemeClr val="accent1"/>
+          </a:lnRef>
+          <a:fillRef idx="0">
+            <a:schemeClr val="accent1"/>
+          </a:fillRef>
+          <a:effectRef idx="0">
+            <a:schemeClr val="accent1"/>
+          </a:effectRef>
+          <a:fontRef idx="minor">
+            <a:schemeClr val="tx1"/>
+          </a:fontRef>
+        </p:style>
+      </p:cxnSp>
+      <p:sp>
+        <p:nvSpPr>
+          <p:cNvPr id="35" name="CaixaDeTexto 34">
+            <a:extLst>
+              <a:ext uri="{FF2B5EF4-FFF2-40B4-BE49-F238E27FC236}">
+                <a16:creationId xmlns:a16="http://schemas.microsoft.com/office/drawing/2014/main" id="{C1284A2C-7A96-44C1-93AA-4ED311249E4C}"/>
+              </a:ext>
+            </a:extLst>
+          </p:cNvPr>
+          <p:cNvSpPr txBox="1"/>
+          <p:nvPr/>
+        </p:nvSpPr>
+        <p:spPr>
+          <a:xfrm>
+            <a:off x="3968202" y="1713315"/>
+            <a:ext cx="385998" cy="369332"/>
+          </a:xfrm>
+          <a:prstGeom prst="rect">
+            <a:avLst/>
+          </a:prstGeom>
+          <a:noFill/>
+        </p:spPr>
+        <p:txBody>
+          <a:bodyPr wrap="square" rtlCol="0">
+            <a:spAutoFit/>
+          </a:bodyPr>
+          <a:lstStyle/>
+          <a:p>
+            <a:r>
+              <a:rPr lang="pt-PT" dirty="0"/>
+              <a:t>Y</a:t>
+            </a:r>
+          </a:p>
+        </p:txBody>
+      </p:sp>
+      <p:sp>
+        <p:nvSpPr>
+          <p:cNvPr id="36" name="CaixaDeTexto 35">
+            <a:extLst>
+              <a:ext uri="{FF2B5EF4-FFF2-40B4-BE49-F238E27FC236}">
+                <a16:creationId xmlns:a16="http://schemas.microsoft.com/office/drawing/2014/main" id="{0799D3DA-903C-4575-9983-4C0C699807B4}"/>
+              </a:ext>
+            </a:extLst>
+          </p:cNvPr>
+          <p:cNvSpPr txBox="1"/>
+          <p:nvPr/>
+        </p:nvSpPr>
+        <p:spPr>
+          <a:xfrm>
+            <a:off x="4534761" y="981341"/>
+            <a:ext cx="713984" cy="369332"/>
+          </a:xfrm>
+          <a:prstGeom prst="rect">
+            <a:avLst/>
+          </a:prstGeom>
+          <a:noFill/>
+        </p:spPr>
+        <p:txBody>
+          <a:bodyPr wrap="square" rtlCol="0">
+            <a:spAutoFit/>
+          </a:bodyPr>
+          <a:lstStyle/>
+          <a:p>
+            <a:r>
+              <a:rPr lang="pt-PT" dirty="0"/>
+              <a:t>¾ Y</a:t>
+            </a:r>
+          </a:p>
+        </p:txBody>
+      </p:sp>
+      <p:sp>
+        <p:nvSpPr>
+          <p:cNvPr id="21" name="CaixaDeTexto 20">
+            <a:extLst>
+              <a:ext uri="{FF2B5EF4-FFF2-40B4-BE49-F238E27FC236}">
+                <a16:creationId xmlns:a16="http://schemas.microsoft.com/office/drawing/2014/main" id="{47E0CEE9-8637-4573-BD0A-7CD76F7EFC2E}"/>
+              </a:ext>
+            </a:extLst>
+          </p:cNvPr>
+          <p:cNvSpPr txBox="1"/>
+          <p:nvPr/>
+        </p:nvSpPr>
+        <p:spPr>
+          <a:xfrm>
+            <a:off x="3253131" y="5950101"/>
+            <a:ext cx="6246852" cy="738664"/>
+          </a:xfrm>
+          <a:prstGeom prst="rect">
+            <a:avLst/>
+          </a:prstGeom>
+          <a:noFill/>
+        </p:spPr>
+        <p:txBody>
+          <a:bodyPr wrap="square" rtlCol="0">
+            <a:spAutoFit/>
+          </a:bodyPr>
+          <a:lstStyle/>
+          <a:p>
+            <a:r>
+              <a:rPr lang="pt-PT" sz="1400" dirty="0"/>
+              <a:t>Texto: </a:t>
+            </a:r>
+            <a:br>
+              <a:rPr lang="pt-PT" sz="1400" dirty="0"/>
+            </a:br>
+            <a:r>
+              <a:rPr lang="pt-PT" sz="1400" dirty="0"/>
+              <a:t>Fonte: times </a:t>
+            </a:r>
+            <a:r>
+              <a:rPr lang="pt-PT" sz="1400" dirty="0" err="1"/>
+              <a:t>new</a:t>
+            </a:r>
+            <a:r>
+              <a:rPr lang="pt-PT" sz="1400" dirty="0"/>
+              <a:t> </a:t>
+            </a:r>
+            <a:r>
+              <a:rPr lang="pt-PT" sz="1400" dirty="0" err="1"/>
+              <a:t>roman</a:t>
+            </a:r>
+            <a:br>
+              <a:rPr lang="pt-PT" sz="1400" dirty="0"/>
+            </a:br>
+            <a:r>
+              <a:rPr lang="pt-PT" sz="1400" dirty="0"/>
+              <a:t>Tamanho: 14pt</a:t>
+            </a:r>
+          </a:p>
+        </p:txBody>
+      </p:sp>
+      <p:sp>
+        <p:nvSpPr>
+          <p:cNvPr id="22" name="Retângulo 21">
+            <a:extLst>
+              <a:ext uri="{FF2B5EF4-FFF2-40B4-BE49-F238E27FC236}">
+                <a16:creationId xmlns:a16="http://schemas.microsoft.com/office/drawing/2014/main" id="{444C0F6E-EC90-46C0-AA30-2D241F34D523}"/>
               </a:ext>
             </a:extLst>
           </p:cNvPr>
@@ -10235,7 +9613,7 @@
         </p:nvSpPr>
         <p:spPr>
           <a:xfrm>
-            <a:off x="1878279" y="650868"/>
+            <a:off x="1891193" y="619285"/>
             <a:ext cx="9317275" cy="438411"/>
           </a:xfrm>
           <a:prstGeom prst="rect">
@@ -10281,10 +9659,10 @@
       </p:sp>
       <p:sp>
         <p:nvSpPr>
-          <p:cNvPr id="5" name="CaixaDeTexto 4">
-            <a:extLst>
-              <a:ext uri="{FF2B5EF4-FFF2-40B4-BE49-F238E27FC236}">
-                <a16:creationId xmlns:a16="http://schemas.microsoft.com/office/drawing/2014/main" id="{9B8F34BE-D8B6-4BAF-8B56-998FB2F9293B}"/>
+          <p:cNvPr id="23" name="CaixaDeTexto 22">
+            <a:extLst>
+              <a:ext uri="{FF2B5EF4-FFF2-40B4-BE49-F238E27FC236}">
+                <a16:creationId xmlns:a16="http://schemas.microsoft.com/office/drawing/2014/main" id="{53D30308-379E-4B6F-B05E-7F28BBFD7A67}"/>
               </a:ext>
             </a:extLst>
           </p:cNvPr>
@@ -10293,7 +9671,7 @@
         </p:nvSpPr>
         <p:spPr>
           <a:xfrm>
-            <a:off x="2078691" y="729195"/>
+            <a:off x="2091605" y="684601"/>
             <a:ext cx="1791849" cy="276999"/>
           </a:xfrm>
           <a:prstGeom prst="rect">
@@ -10322,10 +9700,10 @@
       </p:sp>
       <p:sp>
         <p:nvSpPr>
-          <p:cNvPr id="6" name="Retângulo 5">
-            <a:extLst>
-              <a:ext uri="{FF2B5EF4-FFF2-40B4-BE49-F238E27FC236}">
-                <a16:creationId xmlns:a16="http://schemas.microsoft.com/office/drawing/2014/main" id="{1598D755-3DAB-4315-82C8-9152EB500191}"/>
+          <p:cNvPr id="24" name="Retângulo 23">
+            <a:extLst>
+              <a:ext uri="{FF2B5EF4-FFF2-40B4-BE49-F238E27FC236}">
+                <a16:creationId xmlns:a16="http://schemas.microsoft.com/office/drawing/2014/main" id="{078A220D-78BD-4AB5-9D6D-DBD700A01921}"/>
               </a:ext>
             </a:extLst>
           </p:cNvPr>
@@ -10334,23 +9712,15 @@
         </p:nvSpPr>
         <p:spPr>
           <a:xfrm>
-            <a:off x="8367163" y="656973"/>
-            <a:ext cx="1002082" cy="438411"/>
-          </a:xfrm>
-          <a:prstGeom prst="rect">
-            <a:avLst/>
-          </a:prstGeom>
-          <a:solidFill>
-            <a:schemeClr val="accent3">
-              <a:lumMod val="75000"/>
-            </a:schemeClr>
-          </a:solidFill>
-          <a:ln w="3175">
-            <a:solidFill>
-              <a:schemeClr val="accent3">
-                <a:lumMod val="75000"/>
-              </a:schemeClr>
-            </a:solidFill>
+            <a:off x="7567920" y="619285"/>
+            <a:ext cx="851769" cy="438411"/>
+          </a:xfrm>
+          <a:prstGeom prst="rect">
+            <a:avLst/>
+          </a:prstGeom>
+          <a:noFill/>
+          <a:ln w="12700">
+            <a:noFill/>
           </a:ln>
         </p:spPr>
         <p:style>
@@ -10375,21 +9745,18 @@
           <a:p>
             <a:pPr algn="ctr"/>
             <a:r>
-              <a:rPr lang="pt-PT" sz="1200" dirty="0">
-                <a:latin typeface="Lato" panose="020F0502020204030203" pitchFamily="34" charset="0"/>
-                <a:cs typeface="Lato" panose="020F0502020204030203" pitchFamily="34" charset="0"/>
-              </a:rPr>
-              <a:t>Minha Experiência</a:t>
-            </a:r>
-          </a:p>
-        </p:txBody>
-      </p:sp>
-      <p:sp>
-        <p:nvSpPr>
-          <p:cNvPr id="7" name="Retângulo 6">
-            <a:extLst>
-              <a:ext uri="{FF2B5EF4-FFF2-40B4-BE49-F238E27FC236}">
-                <a16:creationId xmlns:a16="http://schemas.microsoft.com/office/drawing/2014/main" id="{CEFE3F5E-BBB6-4B5C-8F34-CC31B85DC9E8}"/>
+              <a:rPr lang="pt-PT" sz="1200" dirty="0"/>
+              <a:t>O que é?</a:t>
+            </a:r>
+          </a:p>
+        </p:txBody>
+      </p:sp>
+      <p:sp>
+        <p:nvSpPr>
+          <p:cNvPr id="25" name="Retângulo 24">
+            <a:extLst>
+              <a:ext uri="{FF2B5EF4-FFF2-40B4-BE49-F238E27FC236}">
+                <a16:creationId xmlns:a16="http://schemas.microsoft.com/office/drawing/2014/main" id="{BF252DD4-39F4-4D05-8D60-66845D02013A}"/>
               </a:ext>
             </a:extLst>
           </p:cNvPr>
@@ -10398,23 +9765,15 @@
         </p:nvSpPr>
         <p:spPr>
           <a:xfrm>
-            <a:off x="7534063" y="648488"/>
-            <a:ext cx="826643" cy="438411"/>
-          </a:xfrm>
-          <a:prstGeom prst="rect">
-            <a:avLst/>
-          </a:prstGeom>
-          <a:solidFill>
-            <a:schemeClr val="accent3">
-              <a:lumMod val="75000"/>
-            </a:schemeClr>
-          </a:solidFill>
+            <a:off x="8427385" y="619285"/>
+            <a:ext cx="1002082" cy="438411"/>
+          </a:xfrm>
+          <a:prstGeom prst="rect">
+            <a:avLst/>
+          </a:prstGeom>
+          <a:noFill/>
           <a:ln>
-            <a:solidFill>
-              <a:schemeClr val="bg2">
-                <a:lumMod val="50000"/>
-              </a:schemeClr>
-            </a:solidFill>
+            <a:noFill/>
           </a:ln>
         </p:spPr>
         <p:style>
@@ -10439,21 +9798,18 @@
           <a:p>
             <a:pPr algn="ctr"/>
             <a:r>
-              <a:rPr lang="pt-PT" sz="1200" dirty="0">
-                <a:latin typeface="Lato" panose="020F0502020204030203" pitchFamily="34" charset="0"/>
-                <a:cs typeface="Lato" panose="020F0502020204030203" pitchFamily="34" charset="0"/>
-              </a:rPr>
-              <a:t>O que é?</a:t>
-            </a:r>
-          </a:p>
-        </p:txBody>
-      </p:sp>
-      <p:sp>
-        <p:nvSpPr>
-          <p:cNvPr id="8" name="Retângulo 7">
-            <a:extLst>
-              <a:ext uri="{FF2B5EF4-FFF2-40B4-BE49-F238E27FC236}">
-                <a16:creationId xmlns:a16="http://schemas.microsoft.com/office/drawing/2014/main" id="{AFE8AF0B-679A-4314-93A3-25E3B1009932}"/>
+              <a:rPr lang="pt-PT" sz="1200" dirty="0"/>
+              <a:t>Minha Experiencia</a:t>
+            </a:r>
+          </a:p>
+        </p:txBody>
+      </p:sp>
+      <p:sp>
+        <p:nvSpPr>
+          <p:cNvPr id="26" name="Retângulo 25">
+            <a:extLst>
+              <a:ext uri="{FF2B5EF4-FFF2-40B4-BE49-F238E27FC236}">
+                <a16:creationId xmlns:a16="http://schemas.microsoft.com/office/drawing/2014/main" id="{10222194-9DF3-4327-A17B-D290FC2D372E}"/>
               </a:ext>
             </a:extLst>
           </p:cNvPr>
@@ -10462,21 +9818,17 @@
         </p:nvSpPr>
         <p:spPr>
           <a:xfrm>
-            <a:off x="9369245" y="648488"/>
+            <a:off x="9444858" y="619285"/>
             <a:ext cx="851769" cy="438411"/>
           </a:xfrm>
           <a:prstGeom prst="rect">
             <a:avLst/>
           </a:prstGeom>
           <a:solidFill>
-            <a:schemeClr val="accent3">
-              <a:lumMod val="75000"/>
-            </a:schemeClr>
+            <a:srgbClr val="44546A"/>
           </a:solidFill>
-          <a:ln w="57150">
-            <a:solidFill>
-              <a:srgbClr val="DDC6B1"/>
-            </a:solidFill>
+          <a:ln>
+            <a:noFill/>
           </a:ln>
         </p:spPr>
         <p:style>
@@ -10501,10 +9853,7 @@
           <a:p>
             <a:pPr algn="ctr"/>
             <a:r>
-              <a:rPr lang="pt-PT" sz="1200" dirty="0">
-                <a:latin typeface="Lato" panose="020F0502020204030203" pitchFamily="34" charset="0"/>
-                <a:cs typeface="Lato" panose="020F0502020204030203" pitchFamily="34" charset="0"/>
-              </a:rPr>
+              <a:rPr lang="pt-PT" sz="1200" dirty="0"/>
               <a:t>Equipas</a:t>
             </a:r>
           </a:p>
@@ -10512,10 +9861,10 @@
       </p:sp>
       <p:sp>
         <p:nvSpPr>
-          <p:cNvPr id="9" name="Retângulo 8">
-            <a:extLst>
-              <a:ext uri="{FF2B5EF4-FFF2-40B4-BE49-F238E27FC236}">
-                <a16:creationId xmlns:a16="http://schemas.microsoft.com/office/drawing/2014/main" id="{1465D493-958B-410B-BCFA-9840194C85C6}"/>
+          <p:cNvPr id="27" name="Retângulo 26">
+            <a:extLst>
+              <a:ext uri="{FF2B5EF4-FFF2-40B4-BE49-F238E27FC236}">
+                <a16:creationId xmlns:a16="http://schemas.microsoft.com/office/drawing/2014/main" id="{366BE688-51CA-492B-82E5-9430F32C5427}"/>
               </a:ext>
             </a:extLst>
           </p:cNvPr>
@@ -10524,23 +9873,15 @@
         </p:nvSpPr>
         <p:spPr>
           <a:xfrm>
-            <a:off x="10266715" y="648488"/>
-            <a:ext cx="941753" cy="438411"/>
-          </a:xfrm>
-          <a:prstGeom prst="rect">
-            <a:avLst/>
-          </a:prstGeom>
-          <a:solidFill>
-            <a:schemeClr val="accent3">
-              <a:lumMod val="75000"/>
-            </a:schemeClr>
-          </a:solidFill>
+            <a:off x="10312019" y="619285"/>
+            <a:ext cx="896449" cy="438411"/>
+          </a:xfrm>
+          <a:prstGeom prst="rect">
+            <a:avLst/>
+          </a:prstGeom>
+          <a:noFill/>
           <a:ln>
-            <a:solidFill>
-              <a:schemeClr val="bg2">
-                <a:lumMod val="50000"/>
-              </a:schemeClr>
-            </a:solidFill>
+            <a:noFill/>
           </a:ln>
         </p:spPr>
         <p:style>
@@ -10565,517 +9906,8 @@
           <a:p>
             <a:pPr algn="ctr"/>
             <a:r>
-              <a:rPr lang="pt-PT" sz="1200" dirty="0">
-                <a:latin typeface="Lato" panose="020F0502020204030203" pitchFamily="34" charset="0"/>
-                <a:cs typeface="Lato" panose="020F0502020204030203" pitchFamily="34" charset="0"/>
-              </a:rPr>
+              <a:rPr lang="pt-PT" sz="1200" dirty="0"/>
               <a:t>Downloads</a:t>
-            </a:r>
-          </a:p>
-        </p:txBody>
-      </p:sp>
-      <p:pic>
-        <p:nvPicPr>
-          <p:cNvPr id="10" name="Imagem 9" descr="Uma imagem com texto, verme&#10;&#10;Descrição gerada automaticamente">
-            <a:extLst>
-              <a:ext uri="{FF2B5EF4-FFF2-40B4-BE49-F238E27FC236}">
-                <a16:creationId xmlns:a16="http://schemas.microsoft.com/office/drawing/2014/main" id="{DEDA43EE-1201-434A-86EB-35D4D5AA98E9}"/>
-              </a:ext>
-            </a:extLst>
-          </p:cNvPr>
-          <p:cNvPicPr>
-            <a:picLocks noChangeAspect="1"/>
-          </p:cNvPicPr>
-          <p:nvPr/>
-        </p:nvPicPr>
-        <p:blipFill>
-          <a:blip r:embed="rId3">
-            <a:extLst>
-              <a:ext uri="{28A0092B-C50C-407E-A947-70E740481C1C}">
-                <a14:useLocalDpi xmlns:a14="http://schemas.microsoft.com/office/drawing/2010/main" val="0"/>
-              </a:ext>
-            </a:extLst>
-          </a:blip>
-          <a:stretch>
-            <a:fillRect/>
-          </a:stretch>
-        </p:blipFill>
-        <p:spPr>
-          <a:xfrm rot="20117334">
-            <a:off x="4682168" y="348768"/>
-            <a:ext cx="1370419" cy="1037851"/>
-          </a:xfrm>
-          <a:prstGeom prst="rect">
-            <a:avLst/>
-          </a:prstGeom>
-        </p:spPr>
-      </p:pic>
-      <p:pic>
-        <p:nvPicPr>
-          <p:cNvPr id="3" name="Imagem 2">
-            <a:extLst>
-              <a:ext uri="{FF2B5EF4-FFF2-40B4-BE49-F238E27FC236}">
-                <a16:creationId xmlns:a16="http://schemas.microsoft.com/office/drawing/2014/main" id="{74669C5E-E8B1-43EB-904B-881BBF0A696F}"/>
-              </a:ext>
-            </a:extLst>
-          </p:cNvPr>
-          <p:cNvPicPr>
-            <a:picLocks noChangeAspect="1"/>
-          </p:cNvPicPr>
-          <p:nvPr/>
-        </p:nvPicPr>
-        <p:blipFill>
-          <a:blip r:embed="rId4">
-            <a:extLst>
-              <a:ext uri="{28A0092B-C50C-407E-A947-70E740481C1C}">
-                <a14:useLocalDpi xmlns:a14="http://schemas.microsoft.com/office/drawing/2010/main" val="0"/>
-              </a:ext>
-            </a:extLst>
-          </a:blip>
-          <a:stretch>
-            <a:fillRect/>
-          </a:stretch>
-        </p:blipFill>
-        <p:spPr>
-          <a:xfrm>
-            <a:off x="4128500" y="1283268"/>
-            <a:ext cx="1384443" cy="1384443"/>
-          </a:xfrm>
-          <a:prstGeom prst="rect">
-            <a:avLst/>
-          </a:prstGeom>
-        </p:spPr>
-      </p:pic>
-      <p:sp>
-        <p:nvSpPr>
-          <p:cNvPr id="11" name="CaixaDeTexto 10">
-            <a:extLst>
-              <a:ext uri="{FF2B5EF4-FFF2-40B4-BE49-F238E27FC236}">
-                <a16:creationId xmlns:a16="http://schemas.microsoft.com/office/drawing/2014/main" id="{988E496E-702F-4F70-9740-F5D187220851}"/>
-              </a:ext>
-            </a:extLst>
-          </p:cNvPr>
-          <p:cNvSpPr txBox="1"/>
-          <p:nvPr/>
-        </p:nvSpPr>
-        <p:spPr>
-          <a:xfrm>
-            <a:off x="5911867" y="1789163"/>
-            <a:ext cx="4897677" cy="523220"/>
-          </a:xfrm>
-          <a:prstGeom prst="rect">
-            <a:avLst/>
-          </a:prstGeom>
-          <a:noFill/>
-        </p:spPr>
-        <p:txBody>
-          <a:bodyPr wrap="square" rtlCol="0">
-            <a:spAutoFit/>
-          </a:bodyPr>
-          <a:lstStyle/>
-          <a:p>
-            <a:r>
-              <a:rPr lang="pt-PT" sz="2800" b="1" dirty="0">
-                <a:latin typeface="Aharoni" panose="020B0604020202020204" pitchFamily="2" charset="-79"/>
-                <a:cs typeface="Aharoni" panose="020B0604020202020204" pitchFamily="2" charset="-79"/>
-              </a:rPr>
-              <a:t>Sporting CP</a:t>
-            </a:r>
-          </a:p>
-        </p:txBody>
-      </p:sp>
-      <p:sp>
-        <p:nvSpPr>
-          <p:cNvPr id="13" name="CaixaDeTexto 12">
-            <a:extLst>
-              <a:ext uri="{FF2B5EF4-FFF2-40B4-BE49-F238E27FC236}">
-                <a16:creationId xmlns:a16="http://schemas.microsoft.com/office/drawing/2014/main" id="{675E05FA-EFE0-410F-8602-D0528D111E4A}"/>
-              </a:ext>
-            </a:extLst>
-          </p:cNvPr>
-          <p:cNvSpPr txBox="1"/>
-          <p:nvPr/>
-        </p:nvSpPr>
-        <p:spPr>
-          <a:xfrm>
-            <a:off x="3269293" y="2818356"/>
-            <a:ext cx="6613743" cy="646331"/>
-          </a:xfrm>
-          <a:prstGeom prst="rect">
-            <a:avLst/>
-          </a:prstGeom>
-          <a:noFill/>
-        </p:spPr>
-        <p:txBody>
-          <a:bodyPr wrap="square" rtlCol="0">
-            <a:spAutoFit/>
-          </a:bodyPr>
-          <a:lstStyle/>
-          <a:p>
-            <a:r>
-              <a:rPr lang="pt-PT" sz="1200" dirty="0">
-                <a:latin typeface="Times New Roman" panose="02020603050405020304" pitchFamily="18" charset="0"/>
-                <a:cs typeface="Times New Roman" panose="02020603050405020304" pitchFamily="18" charset="0"/>
-              </a:rPr>
-              <a:t>O Sporting Clube de Portugal é um clube português de hóquei em patins sediado em Lisboa. É uma das secções profissionais do clube eclético Sporting CP e representa uma das modalidades de alto rendimento praticadas no clube.</a:t>
-            </a:r>
-          </a:p>
-        </p:txBody>
-      </p:sp>
-      <p:sp>
-        <p:nvSpPr>
-          <p:cNvPr id="15" name="CaixaDeTexto 14">
-            <a:extLst>
-              <a:ext uri="{FF2B5EF4-FFF2-40B4-BE49-F238E27FC236}">
-                <a16:creationId xmlns:a16="http://schemas.microsoft.com/office/drawing/2014/main" id="{3F32F56C-7CC6-4000-9250-5BDF684241FE}"/>
-              </a:ext>
-            </a:extLst>
-          </p:cNvPr>
-          <p:cNvSpPr txBox="1"/>
-          <p:nvPr/>
-        </p:nvSpPr>
-        <p:spPr>
-          <a:xfrm>
-            <a:off x="3253131" y="3540247"/>
-            <a:ext cx="6187858" cy="646331"/>
-          </a:xfrm>
-          <a:prstGeom prst="rect">
-            <a:avLst/>
-          </a:prstGeom>
-          <a:noFill/>
-        </p:spPr>
-        <p:txBody>
-          <a:bodyPr wrap="square" rtlCol="0">
-            <a:spAutoFit/>
-          </a:bodyPr>
-          <a:lstStyle/>
-          <a:p>
-            <a:r>
-              <a:rPr lang="pt-PT" sz="1200" dirty="0">
-                <a:latin typeface="Times New Roman" panose="02020603050405020304" pitchFamily="18" charset="0"/>
-                <a:cs typeface="Times New Roman" panose="02020603050405020304" pitchFamily="18" charset="0"/>
-              </a:rPr>
-              <a:t>É um clube histórico no hóquei nacional e é detentor de vários títulos nacionais e internacionais, tendo sido o primeiro clube português a vencer a Taça dos Campeões Europeus, atual Liga Europeia de Hóquei em Patins.</a:t>
-            </a:r>
-          </a:p>
-        </p:txBody>
-      </p:sp>
-      <p:sp>
-        <p:nvSpPr>
-          <p:cNvPr id="16" name="CaixaDeTexto 15">
-            <a:extLst>
-              <a:ext uri="{FF2B5EF4-FFF2-40B4-BE49-F238E27FC236}">
-                <a16:creationId xmlns:a16="http://schemas.microsoft.com/office/drawing/2014/main" id="{6243CC01-35B0-419E-955D-A3F6193738AC}"/>
-              </a:ext>
-            </a:extLst>
-          </p:cNvPr>
-          <p:cNvSpPr txBox="1"/>
-          <p:nvPr/>
-        </p:nvSpPr>
-        <p:spPr>
-          <a:xfrm>
-            <a:off x="37261" y="0"/>
-            <a:ext cx="2417524" cy="923330"/>
-          </a:xfrm>
-          <a:prstGeom prst="rect">
-            <a:avLst/>
-          </a:prstGeom>
-          <a:noFill/>
-        </p:spPr>
-        <p:txBody>
-          <a:bodyPr wrap="square" rtlCol="0">
-            <a:spAutoFit/>
-          </a:bodyPr>
-          <a:lstStyle/>
-          <a:p>
-            <a:r>
-              <a:rPr lang="pt-PT" dirty="0" err="1"/>
-              <a:t>Template</a:t>
-            </a:r>
-            <a:r>
-              <a:rPr lang="pt-PT" dirty="0"/>
-              <a:t> para a pagina de apresentação de cada equipa</a:t>
-            </a:r>
-          </a:p>
-        </p:txBody>
-      </p:sp>
-      <p:sp>
-        <p:nvSpPr>
-          <p:cNvPr id="17" name="CaixaDeTexto 16">
-            <a:extLst>
-              <a:ext uri="{FF2B5EF4-FFF2-40B4-BE49-F238E27FC236}">
-                <a16:creationId xmlns:a16="http://schemas.microsoft.com/office/drawing/2014/main" id="{4D618724-7242-4049-85FA-5AA518504D49}"/>
-              </a:ext>
-            </a:extLst>
-          </p:cNvPr>
-          <p:cNvSpPr txBox="1"/>
-          <p:nvPr/>
-        </p:nvSpPr>
-        <p:spPr>
-          <a:xfrm>
-            <a:off x="3253131" y="4293453"/>
-            <a:ext cx="5962389" cy="646331"/>
-          </a:xfrm>
-          <a:prstGeom prst="rect">
-            <a:avLst/>
-          </a:prstGeom>
-          <a:noFill/>
-        </p:spPr>
-        <p:txBody>
-          <a:bodyPr wrap="square" rtlCol="0">
-            <a:spAutoFit/>
-          </a:bodyPr>
-          <a:lstStyle/>
-          <a:p>
-            <a:r>
-              <a:rPr lang="pt-PT" sz="1200" dirty="0">
-                <a:latin typeface="Times New Roman" panose="02020603050405020304" pitchFamily="18" charset="0"/>
-                <a:cs typeface="Times New Roman" panose="02020603050405020304" pitchFamily="18" charset="0"/>
-              </a:rPr>
-              <a:t>Internacionalmente, o Sporting venceu três Ligas Europeias e conquistou por duas vezes a Taça </a:t>
-            </a:r>
-            <a:r>
-              <a:rPr lang="pt-PT" sz="1200" dirty="0" err="1">
-                <a:latin typeface="Times New Roman" panose="02020603050405020304" pitchFamily="18" charset="0"/>
-                <a:cs typeface="Times New Roman" panose="02020603050405020304" pitchFamily="18" charset="0"/>
-              </a:rPr>
-              <a:t>World</a:t>
-            </a:r>
-            <a:r>
-              <a:rPr lang="pt-PT" sz="1200" dirty="0">
-                <a:latin typeface="Times New Roman" panose="02020603050405020304" pitchFamily="18" charset="0"/>
-                <a:cs typeface="Times New Roman" panose="02020603050405020304" pitchFamily="18" charset="0"/>
-              </a:rPr>
-              <a:t> Skate </a:t>
-            </a:r>
-            <a:r>
-              <a:rPr lang="pt-PT" sz="1200" dirty="0" err="1">
-                <a:latin typeface="Times New Roman" panose="02020603050405020304" pitchFamily="18" charset="0"/>
-                <a:cs typeface="Times New Roman" panose="02020603050405020304" pitchFamily="18" charset="0"/>
-              </a:rPr>
-              <a:t>Europe</a:t>
-            </a:r>
-            <a:r>
-              <a:rPr lang="pt-PT" sz="1200" dirty="0">
-                <a:latin typeface="Times New Roman" panose="02020603050405020304" pitchFamily="18" charset="0"/>
-                <a:cs typeface="Times New Roman" panose="02020603050405020304" pitchFamily="18" charset="0"/>
-              </a:rPr>
-              <a:t>. Ainda conta com três Taças dos Vencedores de Taças e duas Taças Continentais.</a:t>
-            </a:r>
-          </a:p>
-        </p:txBody>
-      </p:sp>
-      <p:cxnSp>
-        <p:nvCxnSpPr>
-          <p:cNvPr id="33" name="Conexão reta unidirecional 32">
-            <a:extLst>
-              <a:ext uri="{FF2B5EF4-FFF2-40B4-BE49-F238E27FC236}">
-                <a16:creationId xmlns:a16="http://schemas.microsoft.com/office/drawing/2014/main" id="{84CE01EB-1FE9-48A1-9BB1-3F2C31B5D06E}"/>
-              </a:ext>
-            </a:extLst>
-          </p:cNvPr>
-          <p:cNvCxnSpPr>
-            <a:cxnSpLocks/>
-          </p:cNvCxnSpPr>
-          <p:nvPr/>
-        </p:nvCxnSpPr>
-        <p:spPr>
-          <a:xfrm>
-            <a:off x="4354202" y="1363901"/>
-            <a:ext cx="0" cy="1201829"/>
-          </a:xfrm>
-          <a:prstGeom prst="straightConnector1">
-            <a:avLst/>
-          </a:prstGeom>
-          <a:ln>
-            <a:headEnd type="triangle"/>
-            <a:tailEnd type="triangle"/>
-          </a:ln>
-        </p:spPr>
-        <p:style>
-          <a:lnRef idx="1">
-            <a:schemeClr val="accent1"/>
-          </a:lnRef>
-          <a:fillRef idx="0">
-            <a:schemeClr val="accent1"/>
-          </a:fillRef>
-          <a:effectRef idx="0">
-            <a:schemeClr val="accent1"/>
-          </a:effectRef>
-          <a:fontRef idx="minor">
-            <a:schemeClr val="tx1"/>
-          </a:fontRef>
-        </p:style>
-      </p:cxnSp>
-      <p:cxnSp>
-        <p:nvCxnSpPr>
-          <p:cNvPr id="34" name="Conexão reta unidirecional 33">
-            <a:extLst>
-              <a:ext uri="{FF2B5EF4-FFF2-40B4-BE49-F238E27FC236}">
-                <a16:creationId xmlns:a16="http://schemas.microsoft.com/office/drawing/2014/main" id="{81C176BC-F307-49E6-941C-E1DB38A19A6B}"/>
-              </a:ext>
-            </a:extLst>
-          </p:cNvPr>
-          <p:cNvCxnSpPr>
-            <a:cxnSpLocks/>
-          </p:cNvCxnSpPr>
-          <p:nvPr/>
-        </p:nvCxnSpPr>
-        <p:spPr>
-          <a:xfrm>
-            <a:off x="4354202" y="1314681"/>
-            <a:ext cx="879129" cy="0"/>
-          </a:xfrm>
-          <a:prstGeom prst="straightConnector1">
-            <a:avLst/>
-          </a:prstGeom>
-          <a:ln>
-            <a:headEnd type="triangle"/>
-            <a:tailEnd type="triangle"/>
-          </a:ln>
-        </p:spPr>
-        <p:style>
-          <a:lnRef idx="1">
-            <a:schemeClr val="accent1"/>
-          </a:lnRef>
-          <a:fillRef idx="0">
-            <a:schemeClr val="accent1"/>
-          </a:fillRef>
-          <a:effectRef idx="0">
-            <a:schemeClr val="accent1"/>
-          </a:effectRef>
-          <a:fontRef idx="minor">
-            <a:schemeClr val="tx1"/>
-          </a:fontRef>
-        </p:style>
-      </p:cxnSp>
-      <p:sp>
-        <p:nvSpPr>
-          <p:cNvPr id="35" name="CaixaDeTexto 34">
-            <a:extLst>
-              <a:ext uri="{FF2B5EF4-FFF2-40B4-BE49-F238E27FC236}">
-                <a16:creationId xmlns:a16="http://schemas.microsoft.com/office/drawing/2014/main" id="{C1284A2C-7A96-44C1-93AA-4ED311249E4C}"/>
-              </a:ext>
-            </a:extLst>
-          </p:cNvPr>
-          <p:cNvSpPr txBox="1"/>
-          <p:nvPr/>
-        </p:nvSpPr>
-        <p:spPr>
-          <a:xfrm>
-            <a:off x="3968202" y="1713315"/>
-            <a:ext cx="385998" cy="369332"/>
-          </a:xfrm>
-          <a:prstGeom prst="rect">
-            <a:avLst/>
-          </a:prstGeom>
-          <a:noFill/>
-        </p:spPr>
-        <p:txBody>
-          <a:bodyPr wrap="square" rtlCol="0">
-            <a:spAutoFit/>
-          </a:bodyPr>
-          <a:lstStyle/>
-          <a:p>
-            <a:r>
-              <a:rPr lang="pt-PT" dirty="0"/>
-              <a:t>Y</a:t>
-            </a:r>
-          </a:p>
-        </p:txBody>
-      </p:sp>
-      <p:sp>
-        <p:nvSpPr>
-          <p:cNvPr id="36" name="CaixaDeTexto 35">
-            <a:extLst>
-              <a:ext uri="{FF2B5EF4-FFF2-40B4-BE49-F238E27FC236}">
-                <a16:creationId xmlns:a16="http://schemas.microsoft.com/office/drawing/2014/main" id="{0799D3DA-903C-4575-9983-4C0C699807B4}"/>
-              </a:ext>
-            </a:extLst>
-          </p:cNvPr>
-          <p:cNvSpPr txBox="1"/>
-          <p:nvPr/>
-        </p:nvSpPr>
-        <p:spPr>
-          <a:xfrm>
-            <a:off x="4534761" y="981341"/>
-            <a:ext cx="713984" cy="369332"/>
-          </a:xfrm>
-          <a:prstGeom prst="rect">
-            <a:avLst/>
-          </a:prstGeom>
-          <a:noFill/>
-        </p:spPr>
-        <p:txBody>
-          <a:bodyPr wrap="square" rtlCol="0">
-            <a:spAutoFit/>
-          </a:bodyPr>
-          <a:lstStyle/>
-          <a:p>
-            <a:r>
-              <a:rPr lang="pt-PT" dirty="0"/>
-              <a:t>¾ Y</a:t>
-            </a:r>
-          </a:p>
-        </p:txBody>
-      </p:sp>
-      <p:sp>
-        <p:nvSpPr>
-          <p:cNvPr id="21" name="CaixaDeTexto 20">
-            <a:extLst>
-              <a:ext uri="{FF2B5EF4-FFF2-40B4-BE49-F238E27FC236}">
-                <a16:creationId xmlns:a16="http://schemas.microsoft.com/office/drawing/2014/main" id="{47E0CEE9-8637-4573-BD0A-7CD76F7EFC2E}"/>
-              </a:ext>
-            </a:extLst>
-          </p:cNvPr>
-          <p:cNvSpPr txBox="1"/>
-          <p:nvPr/>
-        </p:nvSpPr>
-        <p:spPr>
-          <a:xfrm>
-            <a:off x="3253131" y="5950101"/>
-            <a:ext cx="6246852" cy="738664"/>
-          </a:xfrm>
-          <a:prstGeom prst="rect">
-            <a:avLst/>
-          </a:prstGeom>
-          <a:noFill/>
-        </p:spPr>
-        <p:txBody>
-          <a:bodyPr wrap="square" rtlCol="0">
-            <a:spAutoFit/>
-          </a:bodyPr>
-          <a:lstStyle/>
-          <a:p>
-            <a:r>
-              <a:rPr lang="pt-PT" sz="1400" dirty="0"/>
-              <a:t>Texto: </a:t>
-            </a:r>
-            <a:br>
-              <a:rPr lang="pt-PT" sz="1400" dirty="0"/>
-            </a:br>
-            <a:r>
-              <a:rPr lang="pt-PT" sz="1400" dirty="0"/>
-              <a:t>Fonte: times </a:t>
-            </a:r>
-            <a:r>
-              <a:rPr lang="pt-PT" sz="1400" dirty="0" err="1"/>
-              <a:t>new</a:t>
-            </a:r>
-            <a:r>
-              <a:rPr lang="pt-PT" sz="1400" dirty="0"/>
-              <a:t> </a:t>
-            </a:r>
-            <a:r>
-              <a:rPr lang="pt-PT" sz="1400" dirty="0" err="1"/>
-              <a:t>roman</a:t>
-            </a:r>
-            <a:br>
-              <a:rPr lang="pt-PT" sz="1400" dirty="0"/>
-            </a:br>
-            <a:r>
-              <a:rPr lang="pt-PT" sz="1400" dirty="0"/>
-              <a:t>Tamanho: 14pt</a:t>
             </a:r>
           </a:p>
         </p:txBody>
@@ -11148,10 +9980,227 @@
       </p:pic>
       <p:sp>
         <p:nvSpPr>
-          <p:cNvPr id="4" name="Retângulo 3">
-            <a:extLst>
-              <a:ext uri="{FF2B5EF4-FFF2-40B4-BE49-F238E27FC236}">
-                <a16:creationId xmlns:a16="http://schemas.microsoft.com/office/drawing/2014/main" id="{F30834A1-1CFB-4922-9069-6347ABAD06D4}"/>
+          <p:cNvPr id="16" name="CaixaDeTexto 15">
+            <a:extLst>
+              <a:ext uri="{FF2B5EF4-FFF2-40B4-BE49-F238E27FC236}">
+                <a16:creationId xmlns:a16="http://schemas.microsoft.com/office/drawing/2014/main" id="{6243CC01-35B0-419E-955D-A3F6193738AC}"/>
+              </a:ext>
+            </a:extLst>
+          </p:cNvPr>
+          <p:cNvSpPr txBox="1"/>
+          <p:nvPr/>
+        </p:nvSpPr>
+        <p:spPr>
+          <a:xfrm>
+            <a:off x="37261" y="0"/>
+            <a:ext cx="2417524" cy="369332"/>
+          </a:xfrm>
+          <a:prstGeom prst="rect">
+            <a:avLst/>
+          </a:prstGeom>
+          <a:noFill/>
+        </p:spPr>
+        <p:txBody>
+          <a:bodyPr wrap="square" rtlCol="0">
+            <a:spAutoFit/>
+          </a:bodyPr>
+          <a:lstStyle/>
+          <a:p>
+            <a:r>
+              <a:rPr lang="pt-PT" dirty="0"/>
+              <a:t>Pagina downloads</a:t>
+            </a:r>
+          </a:p>
+        </p:txBody>
+      </p:sp>
+      <p:pic>
+        <p:nvPicPr>
+          <p:cNvPr id="14" name="Imagem 13">
+            <a:extLst>
+              <a:ext uri="{FF2B5EF4-FFF2-40B4-BE49-F238E27FC236}">
+                <a16:creationId xmlns:a16="http://schemas.microsoft.com/office/drawing/2014/main" id="{6E7F82FA-E3CF-4BD4-8400-F1119DF2D7E2}"/>
+              </a:ext>
+            </a:extLst>
+          </p:cNvPr>
+          <p:cNvPicPr>
+            <a:picLocks noChangeAspect="1"/>
+          </p:cNvPicPr>
+          <p:nvPr/>
+        </p:nvPicPr>
+        <p:blipFill>
+          <a:blip r:embed="rId3">
+            <a:extLst>
+              <a:ext uri="{28A0092B-C50C-407E-A947-70E740481C1C}">
+                <a14:useLocalDpi xmlns:a14="http://schemas.microsoft.com/office/drawing/2010/main" val="0"/>
+              </a:ext>
+            </a:extLst>
+          </a:blip>
+          <a:stretch>
+            <a:fillRect/>
+          </a:stretch>
+        </p:blipFill>
+        <p:spPr>
+          <a:xfrm>
+            <a:off x="5849888" y="3508396"/>
+            <a:ext cx="1054701" cy="1054701"/>
+          </a:xfrm>
+          <a:prstGeom prst="rect">
+            <a:avLst/>
+          </a:prstGeom>
+        </p:spPr>
+      </p:pic>
+      <p:pic>
+        <p:nvPicPr>
+          <p:cNvPr id="23" name="Imagem 22">
+            <a:extLst>
+              <a:ext uri="{FF2B5EF4-FFF2-40B4-BE49-F238E27FC236}">
+                <a16:creationId xmlns:a16="http://schemas.microsoft.com/office/drawing/2014/main" id="{2401583D-C48C-4B85-8438-7211617D47A8}"/>
+              </a:ext>
+            </a:extLst>
+          </p:cNvPr>
+          <p:cNvPicPr>
+            <a:picLocks noChangeAspect="1"/>
+          </p:cNvPicPr>
+          <p:nvPr/>
+        </p:nvPicPr>
+        <p:blipFill>
+          <a:blip r:embed="rId4">
+            <a:extLst>
+              <a:ext uri="{28A0092B-C50C-407E-A947-70E740481C1C}">
+                <a14:useLocalDpi xmlns:a14="http://schemas.microsoft.com/office/drawing/2010/main" val="0"/>
+              </a:ext>
+            </a:extLst>
+          </a:blip>
+          <a:stretch>
+            <a:fillRect/>
+          </a:stretch>
+        </p:blipFill>
+        <p:spPr>
+          <a:xfrm>
+            <a:off x="8360706" y="3429000"/>
+            <a:ext cx="1054701" cy="1054701"/>
+          </a:xfrm>
+          <a:prstGeom prst="rect">
+            <a:avLst/>
+          </a:prstGeom>
+        </p:spPr>
+      </p:pic>
+      <p:pic>
+        <p:nvPicPr>
+          <p:cNvPr id="25" name="Imagem 24" descr="Uma imagem com texto&#10;&#10;Descrição gerada automaticamente">
+            <a:extLst>
+              <a:ext uri="{FF2B5EF4-FFF2-40B4-BE49-F238E27FC236}">
+                <a16:creationId xmlns:a16="http://schemas.microsoft.com/office/drawing/2014/main" id="{2C6207B3-E66F-437E-AE5F-70591C628E6F}"/>
+              </a:ext>
+            </a:extLst>
+          </p:cNvPr>
+          <p:cNvPicPr>
+            <a:picLocks noChangeAspect="1"/>
+          </p:cNvPicPr>
+          <p:nvPr/>
+        </p:nvPicPr>
+        <p:blipFill>
+          <a:blip r:embed="rId5">
+            <a:extLst>
+              <a:ext uri="{28A0092B-C50C-407E-A947-70E740481C1C}">
+                <a14:useLocalDpi xmlns:a14="http://schemas.microsoft.com/office/drawing/2010/main" val="0"/>
+              </a:ext>
+            </a:extLst>
+          </a:blip>
+          <a:stretch>
+            <a:fillRect/>
+          </a:stretch>
+        </p:blipFill>
+        <p:spPr>
+          <a:xfrm>
+            <a:off x="3031144" y="3429000"/>
+            <a:ext cx="1678792" cy="1213494"/>
+          </a:xfrm>
+          <a:prstGeom prst="rect">
+            <a:avLst/>
+          </a:prstGeom>
+        </p:spPr>
+      </p:pic>
+      <p:sp>
+        <p:nvSpPr>
+          <p:cNvPr id="26" name="CaixaDeTexto 25">
+            <a:extLst>
+              <a:ext uri="{FF2B5EF4-FFF2-40B4-BE49-F238E27FC236}">
+                <a16:creationId xmlns:a16="http://schemas.microsoft.com/office/drawing/2014/main" id="{F0A41662-A497-4956-807F-1EDCADE8DD84}"/>
+              </a:ext>
+            </a:extLst>
+          </p:cNvPr>
+          <p:cNvSpPr txBox="1"/>
+          <p:nvPr/>
+        </p:nvSpPr>
+        <p:spPr>
+          <a:xfrm>
+            <a:off x="3652827" y="2005425"/>
+            <a:ext cx="5448822" cy="584775"/>
+          </a:xfrm>
+          <a:prstGeom prst="rect">
+            <a:avLst/>
+          </a:prstGeom>
+          <a:noFill/>
+        </p:spPr>
+        <p:txBody>
+          <a:bodyPr wrap="square" rtlCol="0">
+            <a:spAutoFit/>
+          </a:bodyPr>
+          <a:lstStyle/>
+          <a:p>
+            <a:pPr algn="ctr"/>
+            <a:r>
+              <a:rPr lang="pt-PT" sz="1600" dirty="0">
+                <a:latin typeface="Times New Roman" panose="02020603050405020304" pitchFamily="18" charset="0"/>
+                <a:cs typeface="Times New Roman" panose="02020603050405020304" pitchFamily="18" charset="0"/>
+              </a:rPr>
+              <a:t>Para fazer download dos diferentes ficheiros, carregar nos botões</a:t>
+            </a:r>
+          </a:p>
+        </p:txBody>
+      </p:sp>
+      <p:sp>
+        <p:nvSpPr>
+          <p:cNvPr id="27" name="CaixaDeTexto 26">
+            <a:extLst>
+              <a:ext uri="{FF2B5EF4-FFF2-40B4-BE49-F238E27FC236}">
+                <a16:creationId xmlns:a16="http://schemas.microsoft.com/office/drawing/2014/main" id="{F54FA80F-3F4F-48E3-8DA0-44E9E961F1D5}"/>
+              </a:ext>
+            </a:extLst>
+          </p:cNvPr>
+          <p:cNvSpPr txBox="1"/>
+          <p:nvPr/>
+        </p:nvSpPr>
+        <p:spPr>
+          <a:xfrm>
+            <a:off x="2217107" y="5947196"/>
+            <a:ext cx="8705589" cy="923330"/>
+          </a:xfrm>
+          <a:prstGeom prst="rect">
+            <a:avLst/>
+          </a:prstGeom>
+          <a:noFill/>
+        </p:spPr>
+        <p:txBody>
+          <a:bodyPr wrap="square" rtlCol="0">
+            <a:spAutoFit/>
+          </a:bodyPr>
+          <a:lstStyle/>
+          <a:p>
+            <a:r>
+              <a:rPr lang="pt-PT" dirty="0"/>
+              <a:t>Imagens clicáveis, com ligação para descarregar o respetivo conteúdo. Imagens com a mesma largura e altura, com espaçamento entre elas iguais e iguais ao espaçamento da margem</a:t>
+            </a:r>
+          </a:p>
+        </p:txBody>
+      </p:sp>
+      <p:sp>
+        <p:nvSpPr>
+          <p:cNvPr id="17" name="Retângulo 16">
+            <a:extLst>
+              <a:ext uri="{FF2B5EF4-FFF2-40B4-BE49-F238E27FC236}">
+                <a16:creationId xmlns:a16="http://schemas.microsoft.com/office/drawing/2014/main" id="{9CB09174-917A-4BA7-9A6D-CF044E5A07E1}"/>
               </a:ext>
             </a:extLst>
           </p:cNvPr>
@@ -11160,7 +10209,7 @@
         </p:nvSpPr>
         <p:spPr>
           <a:xfrm>
-            <a:off x="1878279" y="650868"/>
+            <a:off x="1891193" y="648818"/>
             <a:ext cx="9317275" cy="438411"/>
           </a:xfrm>
           <a:prstGeom prst="rect">
@@ -11206,10 +10255,10 @@
       </p:sp>
       <p:sp>
         <p:nvSpPr>
-          <p:cNvPr id="5" name="CaixaDeTexto 4">
-            <a:extLst>
-              <a:ext uri="{FF2B5EF4-FFF2-40B4-BE49-F238E27FC236}">
-                <a16:creationId xmlns:a16="http://schemas.microsoft.com/office/drawing/2014/main" id="{9B8F34BE-D8B6-4BAF-8B56-998FB2F9293B}"/>
+          <p:cNvPr id="18" name="CaixaDeTexto 17">
+            <a:extLst>
+              <a:ext uri="{FF2B5EF4-FFF2-40B4-BE49-F238E27FC236}">
+                <a16:creationId xmlns:a16="http://schemas.microsoft.com/office/drawing/2014/main" id="{BB319F08-D26D-42A1-94EA-FFDADFFD4EE0}"/>
               </a:ext>
             </a:extLst>
           </p:cNvPr>
@@ -11218,7 +10267,7 @@
         </p:nvSpPr>
         <p:spPr>
           <a:xfrm>
-            <a:off x="2078691" y="729195"/>
+            <a:off x="2091605" y="714134"/>
             <a:ext cx="1791849" cy="276999"/>
           </a:xfrm>
           <a:prstGeom prst="rect">
@@ -11247,10 +10296,10 @@
       </p:sp>
       <p:sp>
         <p:nvSpPr>
-          <p:cNvPr id="6" name="Retângulo 5">
-            <a:extLst>
-              <a:ext uri="{FF2B5EF4-FFF2-40B4-BE49-F238E27FC236}">
-                <a16:creationId xmlns:a16="http://schemas.microsoft.com/office/drawing/2014/main" id="{1598D755-3DAB-4315-82C8-9152EB500191}"/>
+          <p:cNvPr id="19" name="Retângulo 18">
+            <a:extLst>
+              <a:ext uri="{FF2B5EF4-FFF2-40B4-BE49-F238E27FC236}">
+                <a16:creationId xmlns:a16="http://schemas.microsoft.com/office/drawing/2014/main" id="{33AA4DC0-3373-406D-803C-BFFA1D6C9EB4}"/>
               </a:ext>
             </a:extLst>
           </p:cNvPr>
@@ -11259,23 +10308,15 @@
         </p:nvSpPr>
         <p:spPr>
           <a:xfrm>
-            <a:off x="8367163" y="656973"/>
-            <a:ext cx="1002082" cy="438411"/>
-          </a:xfrm>
-          <a:prstGeom prst="rect">
-            <a:avLst/>
-          </a:prstGeom>
-          <a:solidFill>
-            <a:schemeClr val="accent3">
-              <a:lumMod val="75000"/>
-            </a:schemeClr>
-          </a:solidFill>
-          <a:ln w="3175">
-            <a:solidFill>
-              <a:schemeClr val="accent3">
-                <a:lumMod val="75000"/>
-              </a:schemeClr>
-            </a:solidFill>
+            <a:off x="7567920" y="648818"/>
+            <a:ext cx="851769" cy="438411"/>
+          </a:xfrm>
+          <a:prstGeom prst="rect">
+            <a:avLst/>
+          </a:prstGeom>
+          <a:noFill/>
+          <a:ln w="12700">
+            <a:noFill/>
           </a:ln>
         </p:spPr>
         <p:style>
@@ -11300,21 +10341,18 @@
           <a:p>
             <a:pPr algn="ctr"/>
             <a:r>
-              <a:rPr lang="pt-PT" sz="1200" dirty="0">
-                <a:latin typeface="Lato" panose="020F0502020204030203" pitchFamily="34" charset="0"/>
-                <a:cs typeface="Lato" panose="020F0502020204030203" pitchFamily="34" charset="0"/>
-              </a:rPr>
-              <a:t>Minha Experiência</a:t>
-            </a:r>
-          </a:p>
-        </p:txBody>
-      </p:sp>
-      <p:sp>
-        <p:nvSpPr>
-          <p:cNvPr id="7" name="Retângulo 6">
-            <a:extLst>
-              <a:ext uri="{FF2B5EF4-FFF2-40B4-BE49-F238E27FC236}">
-                <a16:creationId xmlns:a16="http://schemas.microsoft.com/office/drawing/2014/main" id="{CEFE3F5E-BBB6-4B5C-8F34-CC31B85DC9E8}"/>
+              <a:rPr lang="pt-PT" sz="1200" dirty="0"/>
+              <a:t>O que é?</a:t>
+            </a:r>
+          </a:p>
+        </p:txBody>
+      </p:sp>
+      <p:sp>
+        <p:nvSpPr>
+          <p:cNvPr id="20" name="Retângulo 19">
+            <a:extLst>
+              <a:ext uri="{FF2B5EF4-FFF2-40B4-BE49-F238E27FC236}">
+                <a16:creationId xmlns:a16="http://schemas.microsoft.com/office/drawing/2014/main" id="{89812878-9AF4-4181-A5C9-350AD694EAF6}"/>
               </a:ext>
             </a:extLst>
           </p:cNvPr>
@@ -11323,23 +10361,15 @@
         </p:nvSpPr>
         <p:spPr>
           <a:xfrm>
-            <a:off x="7534063" y="648488"/>
-            <a:ext cx="826643" cy="438411"/>
-          </a:xfrm>
-          <a:prstGeom prst="rect">
-            <a:avLst/>
-          </a:prstGeom>
-          <a:solidFill>
-            <a:schemeClr val="accent3">
-              <a:lumMod val="75000"/>
-            </a:schemeClr>
-          </a:solidFill>
+            <a:off x="8427385" y="648818"/>
+            <a:ext cx="1002082" cy="438411"/>
+          </a:xfrm>
+          <a:prstGeom prst="rect">
+            <a:avLst/>
+          </a:prstGeom>
+          <a:noFill/>
           <a:ln>
-            <a:solidFill>
-              <a:schemeClr val="bg2">
-                <a:lumMod val="50000"/>
-              </a:schemeClr>
-            </a:solidFill>
+            <a:noFill/>
           </a:ln>
         </p:spPr>
         <p:style>
@@ -11364,21 +10394,18 @@
           <a:p>
             <a:pPr algn="ctr"/>
             <a:r>
-              <a:rPr lang="pt-PT" sz="1200" dirty="0">
-                <a:latin typeface="Lato" panose="020F0502020204030203" pitchFamily="34" charset="0"/>
-                <a:cs typeface="Lato" panose="020F0502020204030203" pitchFamily="34" charset="0"/>
-              </a:rPr>
-              <a:t>O que é?</a:t>
-            </a:r>
-          </a:p>
-        </p:txBody>
-      </p:sp>
-      <p:sp>
-        <p:nvSpPr>
-          <p:cNvPr id="8" name="Retângulo 7">
-            <a:extLst>
-              <a:ext uri="{FF2B5EF4-FFF2-40B4-BE49-F238E27FC236}">
-                <a16:creationId xmlns:a16="http://schemas.microsoft.com/office/drawing/2014/main" id="{AFE8AF0B-679A-4314-93A3-25E3B1009932}"/>
+              <a:rPr lang="pt-PT" sz="1200" dirty="0"/>
+              <a:t>Minha Experiencia</a:t>
+            </a:r>
+          </a:p>
+        </p:txBody>
+      </p:sp>
+      <p:sp>
+        <p:nvSpPr>
+          <p:cNvPr id="21" name="Retângulo 20">
+            <a:extLst>
+              <a:ext uri="{FF2B5EF4-FFF2-40B4-BE49-F238E27FC236}">
+                <a16:creationId xmlns:a16="http://schemas.microsoft.com/office/drawing/2014/main" id="{EE644EDD-C6BE-4A59-8DBB-9A83C8E46A25}"/>
               </a:ext>
             </a:extLst>
           </p:cNvPr>
@@ -11387,23 +10414,15 @@
         </p:nvSpPr>
         <p:spPr>
           <a:xfrm>
-            <a:off x="9382158" y="648488"/>
+            <a:off x="9444858" y="648818"/>
             <a:ext cx="851769" cy="438411"/>
           </a:xfrm>
           <a:prstGeom prst="rect">
             <a:avLst/>
           </a:prstGeom>
-          <a:solidFill>
-            <a:schemeClr val="accent3">
-              <a:lumMod val="75000"/>
-            </a:schemeClr>
-          </a:solidFill>
-          <a:ln w="3175">
-            <a:solidFill>
-              <a:schemeClr val="accent3">
-                <a:lumMod val="75000"/>
-              </a:schemeClr>
-            </a:solidFill>
+          <a:noFill/>
+          <a:ln>
+            <a:noFill/>
           </a:ln>
         </p:spPr>
         <p:style>
@@ -11428,10 +10447,7 @@
           <a:p>
             <a:pPr algn="ctr"/>
             <a:r>
-              <a:rPr lang="pt-PT" sz="1200" dirty="0">
-                <a:latin typeface="Lato" panose="020F0502020204030203" pitchFamily="34" charset="0"/>
-                <a:cs typeface="Lato" panose="020F0502020204030203" pitchFamily="34" charset="0"/>
-              </a:rPr>
+              <a:rPr lang="pt-PT" sz="1200" dirty="0"/>
               <a:t>Equipas</a:t>
             </a:r>
           </a:p>
@@ -11439,10 +10455,10 @@
       </p:sp>
       <p:sp>
         <p:nvSpPr>
-          <p:cNvPr id="9" name="Retângulo 8">
-            <a:extLst>
-              <a:ext uri="{FF2B5EF4-FFF2-40B4-BE49-F238E27FC236}">
-                <a16:creationId xmlns:a16="http://schemas.microsoft.com/office/drawing/2014/main" id="{1465D493-958B-410B-BCFA-9840194C85C6}"/>
+          <p:cNvPr id="22" name="Retângulo 21">
+            <a:extLst>
+              <a:ext uri="{FF2B5EF4-FFF2-40B4-BE49-F238E27FC236}">
+                <a16:creationId xmlns:a16="http://schemas.microsoft.com/office/drawing/2014/main" id="{7C547018-E553-4B7E-AACB-A274D37CF8F1}"/>
               </a:ext>
             </a:extLst>
           </p:cNvPr>
@@ -11451,21 +10467,17 @@
         </p:nvSpPr>
         <p:spPr>
           <a:xfrm>
-            <a:off x="10266715" y="648488"/>
-            <a:ext cx="941753" cy="438411"/>
+            <a:off x="10312019" y="648818"/>
+            <a:ext cx="896449" cy="438411"/>
           </a:xfrm>
           <a:prstGeom prst="rect">
             <a:avLst/>
           </a:prstGeom>
           <a:solidFill>
-            <a:schemeClr val="accent3">
-              <a:lumMod val="75000"/>
-            </a:schemeClr>
+            <a:srgbClr val="44546A"/>
           </a:solidFill>
-          <a:ln w="57150">
-            <a:solidFill>
-              <a:srgbClr val="DDC6B1"/>
-            </a:solidFill>
+          <a:ln>
+            <a:noFill/>
           </a:ln>
         </p:spPr>
         <p:style>
@@ -11490,264 +10502,8 @@
           <a:p>
             <a:pPr algn="ctr"/>
             <a:r>
-              <a:rPr lang="pt-PT" sz="1200" dirty="0">
-                <a:latin typeface="Lato" panose="020F0502020204030203" pitchFamily="34" charset="0"/>
-                <a:cs typeface="Lato" panose="020F0502020204030203" pitchFamily="34" charset="0"/>
-              </a:rPr>
+              <a:rPr lang="pt-PT" sz="1200" dirty="0"/>
               <a:t>Downloads</a:t>
-            </a:r>
-          </a:p>
-        </p:txBody>
-      </p:sp>
-      <p:pic>
-        <p:nvPicPr>
-          <p:cNvPr id="10" name="Imagem 9" descr="Uma imagem com texto, verme&#10;&#10;Descrição gerada automaticamente">
-            <a:extLst>
-              <a:ext uri="{FF2B5EF4-FFF2-40B4-BE49-F238E27FC236}">
-                <a16:creationId xmlns:a16="http://schemas.microsoft.com/office/drawing/2014/main" id="{DEDA43EE-1201-434A-86EB-35D4D5AA98E9}"/>
-              </a:ext>
-            </a:extLst>
-          </p:cNvPr>
-          <p:cNvPicPr>
-            <a:picLocks noChangeAspect="1"/>
-          </p:cNvPicPr>
-          <p:nvPr/>
-        </p:nvPicPr>
-        <p:blipFill>
-          <a:blip r:embed="rId3">
-            <a:extLst>
-              <a:ext uri="{28A0092B-C50C-407E-A947-70E740481C1C}">
-                <a14:useLocalDpi xmlns:a14="http://schemas.microsoft.com/office/drawing/2010/main" val="0"/>
-              </a:ext>
-            </a:extLst>
-          </a:blip>
-          <a:stretch>
-            <a:fillRect/>
-          </a:stretch>
-        </p:blipFill>
-        <p:spPr>
-          <a:xfrm rot="20117334">
-            <a:off x="4682168" y="348768"/>
-            <a:ext cx="1370419" cy="1037851"/>
-          </a:xfrm>
-          <a:prstGeom prst="rect">
-            <a:avLst/>
-          </a:prstGeom>
-        </p:spPr>
-      </p:pic>
-      <p:sp>
-        <p:nvSpPr>
-          <p:cNvPr id="16" name="CaixaDeTexto 15">
-            <a:extLst>
-              <a:ext uri="{FF2B5EF4-FFF2-40B4-BE49-F238E27FC236}">
-                <a16:creationId xmlns:a16="http://schemas.microsoft.com/office/drawing/2014/main" id="{6243CC01-35B0-419E-955D-A3F6193738AC}"/>
-              </a:ext>
-            </a:extLst>
-          </p:cNvPr>
-          <p:cNvSpPr txBox="1"/>
-          <p:nvPr/>
-        </p:nvSpPr>
-        <p:spPr>
-          <a:xfrm>
-            <a:off x="37261" y="0"/>
-            <a:ext cx="2417524" cy="369332"/>
-          </a:xfrm>
-          <a:prstGeom prst="rect">
-            <a:avLst/>
-          </a:prstGeom>
-          <a:noFill/>
-        </p:spPr>
-        <p:txBody>
-          <a:bodyPr wrap="square" rtlCol="0">
-            <a:spAutoFit/>
-          </a:bodyPr>
-          <a:lstStyle/>
-          <a:p>
-            <a:r>
-              <a:rPr lang="pt-PT" dirty="0"/>
-              <a:t>Pagina downloads</a:t>
-            </a:r>
-          </a:p>
-        </p:txBody>
-      </p:sp>
-      <p:pic>
-        <p:nvPicPr>
-          <p:cNvPr id="14" name="Imagem 13">
-            <a:extLst>
-              <a:ext uri="{FF2B5EF4-FFF2-40B4-BE49-F238E27FC236}">
-                <a16:creationId xmlns:a16="http://schemas.microsoft.com/office/drawing/2014/main" id="{6E7F82FA-E3CF-4BD4-8400-F1119DF2D7E2}"/>
-              </a:ext>
-            </a:extLst>
-          </p:cNvPr>
-          <p:cNvPicPr>
-            <a:picLocks noChangeAspect="1"/>
-          </p:cNvPicPr>
-          <p:nvPr/>
-        </p:nvPicPr>
-        <p:blipFill>
-          <a:blip r:embed="rId4">
-            <a:extLst>
-              <a:ext uri="{28A0092B-C50C-407E-A947-70E740481C1C}">
-                <a14:useLocalDpi xmlns:a14="http://schemas.microsoft.com/office/drawing/2010/main" val="0"/>
-              </a:ext>
-            </a:extLst>
-          </a:blip>
-          <a:stretch>
-            <a:fillRect/>
-          </a:stretch>
-        </p:blipFill>
-        <p:spPr>
-          <a:xfrm>
-            <a:off x="5849888" y="3508396"/>
-            <a:ext cx="1054701" cy="1054701"/>
-          </a:xfrm>
-          <a:prstGeom prst="rect">
-            <a:avLst/>
-          </a:prstGeom>
-        </p:spPr>
-      </p:pic>
-      <p:pic>
-        <p:nvPicPr>
-          <p:cNvPr id="23" name="Imagem 22">
-            <a:extLst>
-              <a:ext uri="{FF2B5EF4-FFF2-40B4-BE49-F238E27FC236}">
-                <a16:creationId xmlns:a16="http://schemas.microsoft.com/office/drawing/2014/main" id="{2401583D-C48C-4B85-8438-7211617D47A8}"/>
-              </a:ext>
-            </a:extLst>
-          </p:cNvPr>
-          <p:cNvPicPr>
-            <a:picLocks noChangeAspect="1"/>
-          </p:cNvPicPr>
-          <p:nvPr/>
-        </p:nvPicPr>
-        <p:blipFill>
-          <a:blip r:embed="rId5">
-            <a:extLst>
-              <a:ext uri="{28A0092B-C50C-407E-A947-70E740481C1C}">
-                <a14:useLocalDpi xmlns:a14="http://schemas.microsoft.com/office/drawing/2010/main" val="0"/>
-              </a:ext>
-            </a:extLst>
-          </a:blip>
-          <a:stretch>
-            <a:fillRect/>
-          </a:stretch>
-        </p:blipFill>
-        <p:spPr>
-          <a:xfrm>
-            <a:off x="8360706" y="3429000"/>
-            <a:ext cx="1054701" cy="1054701"/>
-          </a:xfrm>
-          <a:prstGeom prst="rect">
-            <a:avLst/>
-          </a:prstGeom>
-        </p:spPr>
-      </p:pic>
-      <p:pic>
-        <p:nvPicPr>
-          <p:cNvPr id="25" name="Imagem 24" descr="Uma imagem com texto&#10;&#10;Descrição gerada automaticamente">
-            <a:extLst>
-              <a:ext uri="{FF2B5EF4-FFF2-40B4-BE49-F238E27FC236}">
-                <a16:creationId xmlns:a16="http://schemas.microsoft.com/office/drawing/2014/main" id="{2C6207B3-E66F-437E-AE5F-70591C628E6F}"/>
-              </a:ext>
-            </a:extLst>
-          </p:cNvPr>
-          <p:cNvPicPr>
-            <a:picLocks noChangeAspect="1"/>
-          </p:cNvPicPr>
-          <p:nvPr/>
-        </p:nvPicPr>
-        <p:blipFill>
-          <a:blip r:embed="rId6">
-            <a:extLst>
-              <a:ext uri="{28A0092B-C50C-407E-A947-70E740481C1C}">
-                <a14:useLocalDpi xmlns:a14="http://schemas.microsoft.com/office/drawing/2010/main" val="0"/>
-              </a:ext>
-            </a:extLst>
-          </a:blip>
-          <a:stretch>
-            <a:fillRect/>
-          </a:stretch>
-        </p:blipFill>
-        <p:spPr>
-          <a:xfrm>
-            <a:off x="3031144" y="3429000"/>
-            <a:ext cx="1678792" cy="1213494"/>
-          </a:xfrm>
-          <a:prstGeom prst="rect">
-            <a:avLst/>
-          </a:prstGeom>
-        </p:spPr>
-      </p:pic>
-      <p:sp>
-        <p:nvSpPr>
-          <p:cNvPr id="26" name="CaixaDeTexto 25">
-            <a:extLst>
-              <a:ext uri="{FF2B5EF4-FFF2-40B4-BE49-F238E27FC236}">
-                <a16:creationId xmlns:a16="http://schemas.microsoft.com/office/drawing/2014/main" id="{F0A41662-A497-4956-807F-1EDCADE8DD84}"/>
-              </a:ext>
-            </a:extLst>
-          </p:cNvPr>
-          <p:cNvSpPr txBox="1"/>
-          <p:nvPr/>
-        </p:nvSpPr>
-        <p:spPr>
-          <a:xfrm>
-            <a:off x="3652827" y="2005425"/>
-            <a:ext cx="5448822" cy="584775"/>
-          </a:xfrm>
-          <a:prstGeom prst="rect">
-            <a:avLst/>
-          </a:prstGeom>
-          <a:noFill/>
-        </p:spPr>
-        <p:txBody>
-          <a:bodyPr wrap="square" rtlCol="0">
-            <a:spAutoFit/>
-          </a:bodyPr>
-          <a:lstStyle/>
-          <a:p>
-            <a:pPr algn="ctr"/>
-            <a:r>
-              <a:rPr lang="pt-PT" sz="1600" dirty="0">
-                <a:latin typeface="Times New Roman" panose="02020603050405020304" pitchFamily="18" charset="0"/>
-                <a:cs typeface="Times New Roman" panose="02020603050405020304" pitchFamily="18" charset="0"/>
-              </a:rPr>
-              <a:t>Para fazer download dos diferentes ficheiros, carregar nos botões</a:t>
-            </a:r>
-          </a:p>
-        </p:txBody>
-      </p:sp>
-      <p:sp>
-        <p:nvSpPr>
-          <p:cNvPr id="27" name="CaixaDeTexto 26">
-            <a:extLst>
-              <a:ext uri="{FF2B5EF4-FFF2-40B4-BE49-F238E27FC236}">
-                <a16:creationId xmlns:a16="http://schemas.microsoft.com/office/drawing/2014/main" id="{F54FA80F-3F4F-48E3-8DA0-44E9E961F1D5}"/>
-              </a:ext>
-            </a:extLst>
-          </p:cNvPr>
-          <p:cNvSpPr txBox="1"/>
-          <p:nvPr/>
-        </p:nvSpPr>
-        <p:spPr>
-          <a:xfrm>
-            <a:off x="2217107" y="5947196"/>
-            <a:ext cx="8705589" cy="923330"/>
-          </a:xfrm>
-          <a:prstGeom prst="rect">
-            <a:avLst/>
-          </a:prstGeom>
-          <a:noFill/>
-        </p:spPr>
-        <p:txBody>
-          <a:bodyPr wrap="square" rtlCol="0">
-            <a:spAutoFit/>
-          </a:bodyPr>
-          <a:lstStyle/>
-          <a:p>
-            <a:r>
-              <a:rPr lang="pt-PT" dirty="0"/>
-              <a:t>Imagens clicáveis, com ligação para descarregar o respetivo conteúdo. Imagens com a mesma largura e altura, com espaçamento entre elas iguais e iguais ao espaçamento da margem</a:t>
             </a:r>
           </a:p>
         </p:txBody>
